--- a/SFPD Interview Presentation.pptx
+++ b/SFPD Interview Presentation.pptx
@@ -9,11 +9,14 @@
     <p:sldId id="258" r:id="rId3"/>
     <p:sldId id="259" r:id="rId4"/>
     <p:sldId id="260" r:id="rId5"/>
-    <p:sldId id="261" r:id="rId6"/>
-    <p:sldId id="262" r:id="rId7"/>
-    <p:sldId id="263" r:id="rId8"/>
-    <p:sldId id="264" r:id="rId9"/>
-    <p:sldId id="257" r:id="rId10"/>
+    <p:sldId id="265" r:id="rId6"/>
+    <p:sldId id="261" r:id="rId7"/>
+    <p:sldId id="266" r:id="rId8"/>
+    <p:sldId id="262" r:id="rId9"/>
+    <p:sldId id="267" r:id="rId10"/>
+    <p:sldId id="263" r:id="rId11"/>
+    <p:sldId id="257" r:id="rId12"/>
+    <p:sldId id="268" r:id="rId13"/>
   </p:sldIdLst>
   <p:sldSz cx="12192000" cy="6858000"/>
   <p:notesSz cx="6858000" cy="9144000"/>
@@ -118,7 +121,7 @@
 <file path=ppt/revisionInfo.xml><?xml version="1.0" encoding="utf-8"?>
 <p1510:revInfo xmlns:a="http://schemas.openxmlformats.org/drawingml/2006/main" xmlns:r="http://schemas.openxmlformats.org/officeDocument/2006/relationships" xmlns:p1510="http://schemas.microsoft.com/office/powerpoint/2015/10/main">
   <p1510:revLst>
-    <p1510:client id="{083B4AAF-E5CB-A242-B6AD-8811F104ADBF}" v="77" dt="2024-01-30T05:37:28.642"/>
+    <p1510:client id="{083B4AAF-E5CB-A242-B6AD-8811F104ADBF}" v="393" dt="2024-01-30T23:55:39.865"/>
   </p1510:revLst>
 </p1510:revInfo>
 </file>
@@ -127,19 +130,42 @@
 <pc:chgInfo xmlns:a="http://schemas.openxmlformats.org/drawingml/2006/main" xmlns:r="http://schemas.openxmlformats.org/officeDocument/2006/relationships" xmlns:ac="http://schemas.microsoft.com/office/drawing/2013/main/command" xmlns:pc="http://schemas.microsoft.com/office/powerpoint/2013/main/command">
   <pc:docChgLst>
     <pc:chgData name="Justin Irving (PSP)" userId="2d08c4c9-6742-49e8-8078-c245a2e308f8" providerId="ADAL" clId="{083B4AAF-E5CB-A242-B6AD-8811F104ADBF}"/>
-    <pc:docChg chg="custSel addSld modSld">
-      <pc:chgData name="Justin Irving (PSP)" userId="2d08c4c9-6742-49e8-8078-c245a2e308f8" providerId="ADAL" clId="{083B4AAF-E5CB-A242-B6AD-8811F104ADBF}" dt="2024-01-30T05:37:28.642" v="2685" actId="20577"/>
+    <pc:docChg chg="undo custSel addSld delSld modSld sldOrd">
+      <pc:chgData name="Justin Irving (PSP)" userId="2d08c4c9-6742-49e8-8078-c245a2e308f8" providerId="ADAL" clId="{083B4AAF-E5CB-A242-B6AD-8811F104ADBF}" dt="2024-01-30T23:55:42.914" v="12352" actId="1076"/>
       <pc:docMkLst>
         <pc:docMk/>
       </pc:docMkLst>
+      <pc:sldChg chg="modSp mod">
+        <pc:chgData name="Justin Irving (PSP)" userId="2d08c4c9-6742-49e8-8078-c245a2e308f8" providerId="ADAL" clId="{083B4AAF-E5CB-A242-B6AD-8811F104ADBF}" dt="2024-01-30T23:46:18.708" v="11829" actId="20577"/>
+        <pc:sldMkLst>
+          <pc:docMk/>
+          <pc:sldMk cId="4125464415" sldId="256"/>
+        </pc:sldMkLst>
+        <pc:spChg chg="mod">
+          <ac:chgData name="Justin Irving (PSP)" userId="2d08c4c9-6742-49e8-8078-c245a2e308f8" providerId="ADAL" clId="{083B4AAF-E5CB-A242-B6AD-8811F104ADBF}" dt="2024-01-30T23:46:05.503" v="11816" actId="207"/>
+          <ac:spMkLst>
+            <pc:docMk/>
+            <pc:sldMk cId="4125464415" sldId="256"/>
+            <ac:spMk id="2" creationId="{7DF16FD3-DB5B-0E86-4A19-34E17ECFE383}"/>
+          </ac:spMkLst>
+        </pc:spChg>
+        <pc:spChg chg="mod">
+          <ac:chgData name="Justin Irving (PSP)" userId="2d08c4c9-6742-49e8-8078-c245a2e308f8" providerId="ADAL" clId="{083B4AAF-E5CB-A242-B6AD-8811F104ADBF}" dt="2024-01-30T23:46:18.708" v="11829" actId="20577"/>
+          <ac:spMkLst>
+            <pc:docMk/>
+            <pc:sldMk cId="4125464415" sldId="256"/>
+            <ac:spMk id="3" creationId="{D1C7FA76-94CC-9042-E3F4-514E5E8FF09D}"/>
+          </ac:spMkLst>
+        </pc:spChg>
+      </pc:sldChg>
       <pc:sldChg chg="addSp delSp modSp mod">
-        <pc:chgData name="Justin Irving (PSP)" userId="2d08c4c9-6742-49e8-8078-c245a2e308f8" providerId="ADAL" clId="{083B4AAF-E5CB-A242-B6AD-8811F104ADBF}" dt="2024-01-30T05:37:28.642" v="2685" actId="20577"/>
+        <pc:chgData name="Justin Irving (PSP)" userId="2d08c4c9-6742-49e8-8078-c245a2e308f8" providerId="ADAL" clId="{083B4AAF-E5CB-A242-B6AD-8811F104ADBF}" dt="2024-01-30T23:33:02.416" v="10842" actId="14100"/>
         <pc:sldMkLst>
           <pc:docMk/>
           <pc:sldMk cId="851166892" sldId="257"/>
         </pc:sldMkLst>
         <pc:graphicFrameChg chg="mod">
-          <ac:chgData name="Justin Irving (PSP)" userId="2d08c4c9-6742-49e8-8078-c245a2e308f8" providerId="ADAL" clId="{083B4AAF-E5CB-A242-B6AD-8811F104ADBF}" dt="2024-01-30T05:37:28.642" v="2685" actId="20577"/>
+          <ac:chgData name="Justin Irving (PSP)" userId="2d08c4c9-6742-49e8-8078-c245a2e308f8" providerId="ADAL" clId="{083B4AAF-E5CB-A242-B6AD-8811F104ADBF}" dt="2024-01-30T23:33:02.416" v="10842" actId="14100"/>
           <ac:graphicFrameMkLst>
             <pc:docMk/>
             <pc:sldMk cId="851166892" sldId="257"/>
@@ -156,13 +182,51 @@
         </pc:picChg>
       </pc:sldChg>
       <pc:sldChg chg="modSp mod">
-        <pc:chgData name="Justin Irving (PSP)" userId="2d08c4c9-6742-49e8-8078-c245a2e308f8" providerId="ADAL" clId="{083B4AAF-E5CB-A242-B6AD-8811F104ADBF}" dt="2024-01-29T20:47:54.390" v="1981" actId="20577"/>
+        <pc:chgData name="Justin Irving (PSP)" userId="2d08c4c9-6742-49e8-8078-c245a2e308f8" providerId="ADAL" clId="{083B4AAF-E5CB-A242-B6AD-8811F104ADBF}" dt="2024-01-30T23:48:45.520" v="11971" actId="20577"/>
+        <pc:sldMkLst>
+          <pc:docMk/>
+          <pc:sldMk cId="1560230055" sldId="258"/>
+        </pc:sldMkLst>
+        <pc:spChg chg="mod">
+          <ac:chgData name="Justin Irving (PSP)" userId="2d08c4c9-6742-49e8-8078-c245a2e308f8" providerId="ADAL" clId="{083B4AAF-E5CB-A242-B6AD-8811F104ADBF}" dt="2024-01-30T23:48:45.520" v="11971" actId="20577"/>
+          <ac:spMkLst>
+            <pc:docMk/>
+            <pc:sldMk cId="1560230055" sldId="258"/>
+            <ac:spMk id="3" creationId="{B12F8576-A238-162F-5790-3131385A618C}"/>
+          </ac:spMkLst>
+        </pc:spChg>
+      </pc:sldChg>
+      <pc:sldChg chg="modSp mod">
+        <pc:chgData name="Justin Irving (PSP)" userId="2d08c4c9-6742-49e8-8078-c245a2e308f8" providerId="ADAL" clId="{083B4AAF-E5CB-A242-B6AD-8811F104ADBF}" dt="2024-01-30T23:50:47.266" v="12104" actId="313"/>
+        <pc:sldMkLst>
+          <pc:docMk/>
+          <pc:sldMk cId="3868359730" sldId="259"/>
+        </pc:sldMkLst>
+        <pc:spChg chg="mod">
+          <ac:chgData name="Justin Irving (PSP)" userId="2d08c4c9-6742-49e8-8078-c245a2e308f8" providerId="ADAL" clId="{083B4AAF-E5CB-A242-B6AD-8811F104ADBF}" dt="2024-01-30T23:50:05.582" v="12020" actId="20577"/>
+          <ac:spMkLst>
+            <pc:docMk/>
+            <pc:sldMk cId="3868359730" sldId="259"/>
+            <ac:spMk id="2" creationId="{7CCADE0F-8210-1D3C-9E4A-6A471AF03291}"/>
+          </ac:spMkLst>
+        </pc:spChg>
+        <pc:spChg chg="mod">
+          <ac:chgData name="Justin Irving (PSP)" userId="2d08c4c9-6742-49e8-8078-c245a2e308f8" providerId="ADAL" clId="{083B4AAF-E5CB-A242-B6AD-8811F104ADBF}" dt="2024-01-30T23:50:47.266" v="12104" actId="313"/>
+          <ac:spMkLst>
+            <pc:docMk/>
+            <pc:sldMk cId="3868359730" sldId="259"/>
+            <ac:spMk id="3" creationId="{42BF0408-CB12-5E1C-523A-D6C49A3A1FA9}"/>
+          </ac:spMkLst>
+        </pc:spChg>
+      </pc:sldChg>
+      <pc:sldChg chg="modSp mod ord">
+        <pc:chgData name="Justin Irving (PSP)" userId="2d08c4c9-6742-49e8-8078-c245a2e308f8" providerId="ADAL" clId="{083B4AAF-E5CB-A242-B6AD-8811F104ADBF}" dt="2024-01-30T23:51:38.233" v="12190" actId="20577"/>
         <pc:sldMkLst>
           <pc:docMk/>
           <pc:sldMk cId="90660654" sldId="260"/>
         </pc:sldMkLst>
         <pc:spChg chg="mod">
-          <ac:chgData name="Justin Irving (PSP)" userId="2d08c4c9-6742-49e8-8078-c245a2e308f8" providerId="ADAL" clId="{083B4AAF-E5CB-A242-B6AD-8811F104ADBF}" dt="2024-01-29T20:47:54.390" v="1981" actId="20577"/>
+          <ac:chgData name="Justin Irving (PSP)" userId="2d08c4c9-6742-49e8-8078-c245a2e308f8" providerId="ADAL" clId="{083B4AAF-E5CB-A242-B6AD-8811F104ADBF}" dt="2024-01-30T23:51:38.233" v="12190" actId="20577"/>
           <ac:spMkLst>
             <pc:docMk/>
             <pc:sldMk cId="90660654" sldId="260"/>
@@ -171,13 +235,13 @@
         </pc:spChg>
       </pc:sldChg>
       <pc:sldChg chg="addSp delSp modSp new mod">
-        <pc:chgData name="Justin Irving (PSP)" userId="2d08c4c9-6742-49e8-8078-c245a2e308f8" providerId="ADAL" clId="{083B4AAF-E5CB-A242-B6AD-8811F104ADBF}" dt="2024-01-29T17:44:11.572" v="1712" actId="20577"/>
+        <pc:chgData name="Justin Irving (PSP)" userId="2d08c4c9-6742-49e8-8078-c245a2e308f8" providerId="ADAL" clId="{083B4AAF-E5CB-A242-B6AD-8811F104ADBF}" dt="2024-01-30T23:53:40.654" v="12335" actId="20577"/>
         <pc:sldMkLst>
           <pc:docMk/>
           <pc:sldMk cId="724008047" sldId="261"/>
         </pc:sldMkLst>
         <pc:spChg chg="mod">
-          <ac:chgData name="Justin Irving (PSP)" userId="2d08c4c9-6742-49e8-8078-c245a2e308f8" providerId="ADAL" clId="{083B4AAF-E5CB-A242-B6AD-8811F104ADBF}" dt="2024-01-29T17:44:11.572" v="1712" actId="20577"/>
+          <ac:chgData name="Justin Irving (PSP)" userId="2d08c4c9-6742-49e8-8078-c245a2e308f8" providerId="ADAL" clId="{083B4AAF-E5CB-A242-B6AD-8811F104ADBF}" dt="2024-01-30T22:41:54.196" v="8930" actId="14100"/>
           <ac:spMkLst>
             <pc:docMk/>
             <pc:sldMk cId="724008047" sldId="261"/>
@@ -185,7 +249,7 @@
           </ac:spMkLst>
         </pc:spChg>
         <pc:spChg chg="add del mod">
-          <ac:chgData name="Justin Irving (PSP)" userId="2d08c4c9-6742-49e8-8078-c245a2e308f8" providerId="ADAL" clId="{083B4AAF-E5CB-A242-B6AD-8811F104ADBF}" dt="2024-01-29T16:36:51.740" v="1711" actId="114"/>
+          <ac:chgData name="Justin Irving (PSP)" userId="2d08c4c9-6742-49e8-8078-c245a2e308f8" providerId="ADAL" clId="{083B4AAF-E5CB-A242-B6AD-8811F104ADBF}" dt="2024-01-30T23:53:40.654" v="12335" actId="20577"/>
           <ac:spMkLst>
             <pc:docMk/>
             <pc:sldMk cId="724008047" sldId="261"/>
@@ -224,12 +288,28 @@
             <ac:picMk id="10" creationId="{B4DCDA52-2B8F-8B9B-D794-C857A34FAFE3}"/>
           </ac:picMkLst>
         </pc:picChg>
-        <pc:picChg chg="add mod">
-          <ac:chgData name="Justin Irving (PSP)" userId="2d08c4c9-6742-49e8-8078-c245a2e308f8" providerId="ADAL" clId="{083B4AAF-E5CB-A242-B6AD-8811F104ADBF}" dt="2024-01-29T16:36:37.183" v="1708" actId="14100"/>
+        <pc:picChg chg="add del mod">
+          <ac:chgData name="Justin Irving (PSP)" userId="2d08c4c9-6742-49e8-8078-c245a2e308f8" providerId="ADAL" clId="{083B4AAF-E5CB-A242-B6AD-8811F104ADBF}" dt="2024-01-30T21:03:17.627" v="4219" actId="478"/>
           <ac:picMkLst>
             <pc:docMk/>
             <pc:sldMk cId="724008047" sldId="261"/>
             <ac:picMk id="12" creationId="{02DBE351-D95B-0679-AE31-53D3641F1627}"/>
+          </ac:picMkLst>
+        </pc:picChg>
+        <pc:picChg chg="add del mod">
+          <ac:chgData name="Justin Irving (PSP)" userId="2d08c4c9-6742-49e8-8078-c245a2e308f8" providerId="ADAL" clId="{083B4AAF-E5CB-A242-B6AD-8811F104ADBF}" dt="2024-01-30T21:04:36.740" v="4228" actId="478"/>
+          <ac:picMkLst>
+            <pc:docMk/>
+            <pc:sldMk cId="724008047" sldId="261"/>
+            <ac:picMk id="25" creationId="{4A2F95DF-DA03-55AB-B8B4-75AAED3DAE74}"/>
+          </ac:picMkLst>
+        </pc:picChg>
+        <pc:picChg chg="add mod">
+          <ac:chgData name="Justin Irving (PSP)" userId="2d08c4c9-6742-49e8-8078-c245a2e308f8" providerId="ADAL" clId="{083B4AAF-E5CB-A242-B6AD-8811F104ADBF}" dt="2024-01-30T21:06:36.298" v="4234" actId="1076"/>
+          <ac:picMkLst>
+            <pc:docMk/>
+            <pc:sldMk cId="724008047" sldId="261"/>
+            <ac:picMk id="27" creationId="{F2C50201-E607-A93D-04B8-887EE352CEAB}"/>
           </ac:picMkLst>
         </pc:picChg>
         <pc:cxnChg chg="add del mod">
@@ -258,13 +338,13 @@
         </pc:cxnChg>
       </pc:sldChg>
       <pc:sldChg chg="addSp delSp modSp add mod">
-        <pc:chgData name="Justin Irving (PSP)" userId="2d08c4c9-6742-49e8-8078-c245a2e308f8" providerId="ADAL" clId="{083B4AAF-E5CB-A242-B6AD-8811F104ADBF}" dt="2024-01-29T20:23:08.657" v="1767" actId="20577"/>
+        <pc:chgData name="Justin Irving (PSP)" userId="2d08c4c9-6742-49e8-8078-c245a2e308f8" providerId="ADAL" clId="{083B4AAF-E5CB-A242-B6AD-8811F104ADBF}" dt="2024-01-30T22:42:42.936" v="8970" actId="115"/>
         <pc:sldMkLst>
           <pc:docMk/>
           <pc:sldMk cId="1748748722" sldId="262"/>
         </pc:sldMkLst>
         <pc:spChg chg="mod">
-          <ac:chgData name="Justin Irving (PSP)" userId="2d08c4c9-6742-49e8-8078-c245a2e308f8" providerId="ADAL" clId="{083B4AAF-E5CB-A242-B6AD-8811F104ADBF}" dt="2024-01-29T20:23:08.657" v="1767" actId="20577"/>
+          <ac:chgData name="Justin Irving (PSP)" userId="2d08c4c9-6742-49e8-8078-c245a2e308f8" providerId="ADAL" clId="{083B4AAF-E5CB-A242-B6AD-8811F104ADBF}" dt="2024-01-30T22:42:42.936" v="8970" actId="115"/>
           <ac:spMkLst>
             <pc:docMk/>
             <pc:sldMk cId="1748748722" sldId="262"/>
@@ -272,15 +352,15 @@
           </ac:spMkLst>
         </pc:spChg>
         <pc:spChg chg="mod">
-          <ac:chgData name="Justin Irving (PSP)" userId="2d08c4c9-6742-49e8-8078-c245a2e308f8" providerId="ADAL" clId="{083B4AAF-E5CB-A242-B6AD-8811F104ADBF}" dt="2024-01-29T17:44:53.863" v="1755" actId="27636"/>
+          <ac:chgData name="Justin Irving (PSP)" userId="2d08c4c9-6742-49e8-8078-c245a2e308f8" providerId="ADAL" clId="{083B4AAF-E5CB-A242-B6AD-8811F104ADBF}" dt="2024-01-30T22:38:01.082" v="8844" actId="15"/>
           <ac:spMkLst>
             <pc:docMk/>
             <pc:sldMk cId="1748748722" sldId="262"/>
             <ac:spMk id="3" creationId="{E3A512F3-10D5-DA9D-8103-3D51BAD87FBB}"/>
           </ac:spMkLst>
         </pc:spChg>
-        <pc:picChg chg="add mod">
-          <ac:chgData name="Justin Irving (PSP)" userId="2d08c4c9-6742-49e8-8078-c245a2e308f8" providerId="ADAL" clId="{083B4AAF-E5CB-A242-B6AD-8811F104ADBF}" dt="2024-01-29T17:44:38.421" v="1720" actId="14100"/>
+        <pc:picChg chg="add del mod">
+          <ac:chgData name="Justin Irving (PSP)" userId="2d08c4c9-6742-49e8-8078-c245a2e308f8" providerId="ADAL" clId="{083B4AAF-E5CB-A242-B6AD-8811F104ADBF}" dt="2024-01-30T22:24:25.088" v="7069" actId="478"/>
           <ac:picMkLst>
             <pc:docMk/>
             <pc:sldMk cId="1748748722" sldId="262"/>
@@ -295,8 +375,8 @@
             <ac:picMk id="7" creationId="{861FADE7-8D23-1997-FECB-050D9B8BF8F2}"/>
           </ac:picMkLst>
         </pc:picChg>
-        <pc:picChg chg="add mod">
-          <ac:chgData name="Justin Irving (PSP)" userId="2d08c4c9-6742-49e8-8078-c245a2e308f8" providerId="ADAL" clId="{083B4AAF-E5CB-A242-B6AD-8811F104ADBF}" dt="2024-01-29T17:44:33.097" v="1718" actId="14100"/>
+        <pc:picChg chg="add del mod">
+          <ac:chgData name="Justin Irving (PSP)" userId="2d08c4c9-6742-49e8-8078-c245a2e308f8" providerId="ADAL" clId="{083B4AAF-E5CB-A242-B6AD-8811F104ADBF}" dt="2024-01-30T22:24:24.302" v="7068" actId="478"/>
           <ac:picMkLst>
             <pc:docMk/>
             <pc:sldMk cId="1748748722" sldId="262"/>
@@ -311,16 +391,32 @@
             <ac:picMk id="12" creationId="{455CC59B-ADCF-CEFF-A7BF-8FE38CA89A23}"/>
           </ac:picMkLst>
         </pc:picChg>
-        <pc:cxnChg chg="add mod">
-          <ac:chgData name="Justin Irving (PSP)" userId="2d08c4c9-6742-49e8-8078-c245a2e308f8" providerId="ADAL" clId="{083B4AAF-E5CB-A242-B6AD-8811F104ADBF}" dt="2024-01-29T17:44:58.051" v="1756" actId="14100"/>
+        <pc:picChg chg="add mod">
+          <ac:chgData name="Justin Irving (PSP)" userId="2d08c4c9-6742-49e8-8078-c245a2e308f8" providerId="ADAL" clId="{083B4AAF-E5CB-A242-B6AD-8811F104ADBF}" dt="2024-01-30T22:28:27.622" v="7554" actId="1076"/>
+          <ac:picMkLst>
+            <pc:docMk/>
+            <pc:sldMk cId="1748748722" sldId="262"/>
+            <ac:picMk id="22" creationId="{9CD9E2F1-5921-9D8D-2225-C88A9DAB4AB6}"/>
+          </ac:picMkLst>
+        </pc:picChg>
+        <pc:picChg chg="add mod">
+          <ac:chgData name="Justin Irving (PSP)" userId="2d08c4c9-6742-49e8-8078-c245a2e308f8" providerId="ADAL" clId="{083B4AAF-E5CB-A242-B6AD-8811F104ADBF}" dt="2024-01-30T22:28:32.990" v="7557" actId="14100"/>
+          <ac:picMkLst>
+            <pc:docMk/>
+            <pc:sldMk cId="1748748722" sldId="262"/>
+            <ac:picMk id="24" creationId="{1673E23F-E5E4-C47B-D9C4-A1D4C19AAADA}"/>
+          </ac:picMkLst>
+        </pc:picChg>
+        <pc:cxnChg chg="add del mod">
+          <ac:chgData name="Justin Irving (PSP)" userId="2d08c4c9-6742-49e8-8078-c245a2e308f8" providerId="ADAL" clId="{083B4AAF-E5CB-A242-B6AD-8811F104ADBF}" dt="2024-01-30T22:24:25.993" v="7070" actId="478"/>
           <ac:cxnSpMkLst>
             <pc:docMk/>
             <pc:sldMk cId="1748748722" sldId="262"/>
             <ac:cxnSpMk id="10" creationId="{B93D5481-FE3F-50E1-45FE-7E2CBC470E28}"/>
           </ac:cxnSpMkLst>
         </pc:cxnChg>
-        <pc:cxnChg chg="add mod">
-          <ac:chgData name="Justin Irving (PSP)" userId="2d08c4c9-6742-49e8-8078-c245a2e308f8" providerId="ADAL" clId="{083B4AAF-E5CB-A242-B6AD-8811F104ADBF}" dt="2024-01-29T17:45:00.053" v="1757" actId="14100"/>
+        <pc:cxnChg chg="add del mod">
+          <ac:chgData name="Justin Irving (PSP)" userId="2d08c4c9-6742-49e8-8078-c245a2e308f8" providerId="ADAL" clId="{083B4AAF-E5CB-A242-B6AD-8811F104ADBF}" dt="2024-01-30T22:24:27.260" v="7071" actId="478"/>
           <ac:cxnSpMkLst>
             <pc:docMk/>
             <pc:sldMk cId="1748748722" sldId="262"/>
@@ -352,23 +448,71 @@
           </ac:cxnSpMkLst>
         </pc:cxnChg>
       </pc:sldChg>
-      <pc:sldChg chg="modSp add mod">
-        <pc:chgData name="Justin Irving (PSP)" userId="2d08c4c9-6742-49e8-8078-c245a2e308f8" providerId="ADAL" clId="{083B4AAF-E5CB-A242-B6AD-8811F104ADBF}" dt="2024-01-29T20:23:14.705" v="1779" actId="20577"/>
+      <pc:sldChg chg="addSp delSp modSp add mod">
+        <pc:chgData name="Justin Irving (PSP)" userId="2d08c4c9-6742-49e8-8078-c245a2e308f8" providerId="ADAL" clId="{083B4AAF-E5CB-A242-B6AD-8811F104ADBF}" dt="2024-01-30T23:39:54.108" v="11587" actId="20577"/>
         <pc:sldMkLst>
           <pc:docMk/>
           <pc:sldMk cId="363192555" sldId="263"/>
         </pc:sldMkLst>
         <pc:spChg chg="mod">
-          <ac:chgData name="Justin Irving (PSP)" userId="2d08c4c9-6742-49e8-8078-c245a2e308f8" providerId="ADAL" clId="{083B4AAF-E5CB-A242-B6AD-8811F104ADBF}" dt="2024-01-29T20:23:14.705" v="1779" actId="20577"/>
+          <ac:chgData name="Justin Irving (PSP)" userId="2d08c4c9-6742-49e8-8078-c245a2e308f8" providerId="ADAL" clId="{083B4AAF-E5CB-A242-B6AD-8811F104ADBF}" dt="2024-01-30T22:57:55.893" v="9883" actId="14100"/>
           <ac:spMkLst>
             <pc:docMk/>
             <pc:sldMk cId="363192555" sldId="263"/>
             <ac:spMk id="2" creationId="{D50EC21A-8CEA-F63E-579E-670085AF4EEE}"/>
           </ac:spMkLst>
         </pc:spChg>
+        <pc:spChg chg="del">
+          <ac:chgData name="Justin Irving (PSP)" userId="2d08c4c9-6742-49e8-8078-c245a2e308f8" providerId="ADAL" clId="{083B4AAF-E5CB-A242-B6AD-8811F104ADBF}" dt="2024-01-30T22:57:57.776" v="9884" actId="478"/>
+          <ac:spMkLst>
+            <pc:docMk/>
+            <pc:sldMk cId="363192555" sldId="263"/>
+            <ac:spMk id="3" creationId="{117A70EB-396A-39F4-F1E4-1ACFB2BDF217}"/>
+          </ac:spMkLst>
+        </pc:spChg>
+        <pc:spChg chg="add del mod">
+          <ac:chgData name="Justin Irving (PSP)" userId="2d08c4c9-6742-49e8-8078-c245a2e308f8" providerId="ADAL" clId="{083B4AAF-E5CB-A242-B6AD-8811F104ADBF}" dt="2024-01-30T23:39:54.108" v="11587" actId="20577"/>
+          <ac:spMkLst>
+            <pc:docMk/>
+            <pc:sldMk cId="363192555" sldId="263"/>
+            <ac:spMk id="6" creationId="{BAAB5287-28B0-A63C-FEE4-F6B71A4A3951}"/>
+          </ac:spMkLst>
+        </pc:spChg>
+        <pc:picChg chg="del">
+          <ac:chgData name="Justin Irving (PSP)" userId="2d08c4c9-6742-49e8-8078-c245a2e308f8" providerId="ADAL" clId="{083B4AAF-E5CB-A242-B6AD-8811F104ADBF}" dt="2024-01-30T21:33:09.661" v="6374" actId="478"/>
+          <ac:picMkLst>
+            <pc:docMk/>
+            <pc:sldMk cId="363192555" sldId="263"/>
+            <ac:picMk id="5" creationId="{DDE3F44D-C81C-4714-E20A-3755944EC9E9}"/>
+          </ac:picMkLst>
+        </pc:picChg>
+        <pc:picChg chg="del">
+          <ac:chgData name="Justin Irving (PSP)" userId="2d08c4c9-6742-49e8-8078-c245a2e308f8" providerId="ADAL" clId="{083B4AAF-E5CB-A242-B6AD-8811F104ADBF}" dt="2024-01-30T21:33:10.132" v="6375" actId="478"/>
+          <ac:picMkLst>
+            <pc:docMk/>
+            <pc:sldMk cId="363192555" sldId="263"/>
+            <ac:picMk id="8" creationId="{BA6DCF4C-0B85-5525-CBD7-2584E4AF60AC}"/>
+          </ac:picMkLst>
+        </pc:picChg>
+        <pc:cxnChg chg="del">
+          <ac:chgData name="Justin Irving (PSP)" userId="2d08c4c9-6742-49e8-8078-c245a2e308f8" providerId="ADAL" clId="{083B4AAF-E5CB-A242-B6AD-8811F104ADBF}" dt="2024-01-30T21:33:07.397" v="6372" actId="478"/>
+          <ac:cxnSpMkLst>
+            <pc:docMk/>
+            <pc:sldMk cId="363192555" sldId="263"/>
+            <ac:cxnSpMk id="10" creationId="{EAEA5350-7D4B-A2BC-2D9D-E3002D4251D0}"/>
+          </ac:cxnSpMkLst>
+        </pc:cxnChg>
+        <pc:cxnChg chg="del">
+          <ac:chgData name="Justin Irving (PSP)" userId="2d08c4c9-6742-49e8-8078-c245a2e308f8" providerId="ADAL" clId="{083B4AAF-E5CB-A242-B6AD-8811F104ADBF}" dt="2024-01-30T21:33:08.528" v="6373" actId="478"/>
+          <ac:cxnSpMkLst>
+            <pc:docMk/>
+            <pc:sldMk cId="363192555" sldId="263"/>
+            <ac:cxnSpMk id="11" creationId="{B9BC3514-49CF-AE85-9042-9DE6911A22C8}"/>
+          </ac:cxnSpMkLst>
+        </pc:cxnChg>
       </pc:sldChg>
-      <pc:sldChg chg="modSp new mod">
-        <pc:chgData name="Justin Irving (PSP)" userId="2d08c4c9-6742-49e8-8078-c245a2e308f8" providerId="ADAL" clId="{083B4AAF-E5CB-A242-B6AD-8811F104ADBF}" dt="2024-01-29T21:20:20.266" v="2624" actId="20577"/>
+      <pc:sldChg chg="modSp new del mod">
+        <pc:chgData name="Justin Irving (PSP)" userId="2d08c4c9-6742-49e8-8078-c245a2e308f8" providerId="ADAL" clId="{083B4AAF-E5CB-A242-B6AD-8811F104ADBF}" dt="2024-01-30T22:44:15.912" v="9285" actId="2696"/>
         <pc:sldMkLst>
           <pc:docMk/>
           <pc:sldMk cId="3434193458" sldId="264"/>
@@ -389,6 +533,353 @@
             <ac:spMk id="3" creationId="{816D1FDC-0EFE-B29F-8312-1E81AF87EE78}"/>
           </ac:spMkLst>
         </pc:spChg>
+      </pc:sldChg>
+      <pc:sldChg chg="modSp add mod">
+        <pc:chgData name="Justin Irving (PSP)" userId="2d08c4c9-6742-49e8-8078-c245a2e308f8" providerId="ADAL" clId="{083B4AAF-E5CB-A242-B6AD-8811F104ADBF}" dt="2024-01-30T23:53:25.291" v="12319" actId="114"/>
+        <pc:sldMkLst>
+          <pc:docMk/>
+          <pc:sldMk cId="3220334794" sldId="265"/>
+        </pc:sldMkLst>
+        <pc:spChg chg="mod">
+          <ac:chgData name="Justin Irving (PSP)" userId="2d08c4c9-6742-49e8-8078-c245a2e308f8" providerId="ADAL" clId="{083B4AAF-E5CB-A242-B6AD-8811F104ADBF}" dt="2024-01-30T17:50:27.848" v="2727" actId="20577"/>
+          <ac:spMkLst>
+            <pc:docMk/>
+            <pc:sldMk cId="3220334794" sldId="265"/>
+            <ac:spMk id="2" creationId="{C8AAB6D9-42B3-1527-8B79-966131FF68E1}"/>
+          </ac:spMkLst>
+        </pc:spChg>
+        <pc:spChg chg="mod">
+          <ac:chgData name="Justin Irving (PSP)" userId="2d08c4c9-6742-49e8-8078-c245a2e308f8" providerId="ADAL" clId="{083B4AAF-E5CB-A242-B6AD-8811F104ADBF}" dt="2024-01-30T23:53:25.291" v="12319" actId="114"/>
+          <ac:spMkLst>
+            <pc:docMk/>
+            <pc:sldMk cId="3220334794" sldId="265"/>
+            <ac:spMk id="3" creationId="{59EF7306-3393-3D14-7E82-2357B3D1BD1A}"/>
+          </ac:spMkLst>
+        </pc:spChg>
+      </pc:sldChg>
+      <pc:sldChg chg="addSp delSp modSp add mod">
+        <pc:chgData name="Justin Irving (PSP)" userId="2d08c4c9-6742-49e8-8078-c245a2e308f8" providerId="ADAL" clId="{083B4AAF-E5CB-A242-B6AD-8811F104ADBF}" dt="2024-01-30T22:42:39.438" v="8969" actId="115"/>
+        <pc:sldMkLst>
+          <pc:docMk/>
+          <pc:sldMk cId="468942318" sldId="266"/>
+        </pc:sldMkLst>
+        <pc:spChg chg="mod">
+          <ac:chgData name="Justin Irving (PSP)" userId="2d08c4c9-6742-49e8-8078-c245a2e308f8" providerId="ADAL" clId="{083B4AAF-E5CB-A242-B6AD-8811F104ADBF}" dt="2024-01-30T22:42:39.438" v="8969" actId="115"/>
+          <ac:spMkLst>
+            <pc:docMk/>
+            <pc:sldMk cId="468942318" sldId="266"/>
+            <ac:spMk id="2" creationId="{2A81B3E7-30FC-DB73-26D6-051491D28B42}"/>
+          </ac:spMkLst>
+        </pc:spChg>
+        <pc:spChg chg="mod">
+          <ac:chgData name="Justin Irving (PSP)" userId="2d08c4c9-6742-49e8-8078-c245a2e308f8" providerId="ADAL" clId="{083B4AAF-E5CB-A242-B6AD-8811F104ADBF}" dt="2024-01-30T22:38:24.013" v="8859" actId="14100"/>
+          <ac:spMkLst>
+            <pc:docMk/>
+            <pc:sldMk cId="468942318" sldId="266"/>
+            <ac:spMk id="3" creationId="{DB4C1221-DBBA-CFA4-6CFE-9CCC6D8958B9}"/>
+          </ac:spMkLst>
+        </pc:spChg>
+        <pc:picChg chg="add del mod">
+          <ac:chgData name="Justin Irving (PSP)" userId="2d08c4c9-6742-49e8-8078-c245a2e308f8" providerId="ADAL" clId="{083B4AAF-E5CB-A242-B6AD-8811F104ADBF}" dt="2024-01-30T21:22:53.206" v="5282" actId="478"/>
+          <ac:picMkLst>
+            <pc:docMk/>
+            <pc:sldMk cId="468942318" sldId="266"/>
+            <ac:picMk id="5" creationId="{EA2E0EB4-13BE-E77D-ABF9-E097D72D6EA4}"/>
+          </ac:picMkLst>
+        </pc:picChg>
+        <pc:picChg chg="add mod">
+          <ac:chgData name="Justin Irving (PSP)" userId="2d08c4c9-6742-49e8-8078-c245a2e308f8" providerId="ADAL" clId="{083B4AAF-E5CB-A242-B6AD-8811F104ADBF}" dt="2024-01-30T22:21:32.870" v="6717" actId="1076"/>
+          <ac:picMkLst>
+            <pc:docMk/>
+            <pc:sldMk cId="468942318" sldId="266"/>
+            <ac:picMk id="7" creationId="{3B6FDB1A-7CFB-B2C4-9615-82B782D6385B}"/>
+          </ac:picMkLst>
+        </pc:picChg>
+        <pc:picChg chg="add del mod">
+          <ac:chgData name="Justin Irving (PSP)" userId="2d08c4c9-6742-49e8-8078-c245a2e308f8" providerId="ADAL" clId="{083B4AAF-E5CB-A242-B6AD-8811F104ADBF}" dt="2024-01-30T22:21:12.339" v="6708" actId="478"/>
+          <ac:picMkLst>
+            <pc:docMk/>
+            <pc:sldMk cId="468942318" sldId="266"/>
+            <ac:picMk id="9" creationId="{5F324715-A651-3F7F-A072-F40F14190883}"/>
+          </ac:picMkLst>
+        </pc:picChg>
+        <pc:picChg chg="add del mod">
+          <ac:chgData name="Justin Irving (PSP)" userId="2d08c4c9-6742-49e8-8078-c245a2e308f8" providerId="ADAL" clId="{083B4AAF-E5CB-A242-B6AD-8811F104ADBF}" dt="2024-01-30T22:21:18.350" v="6711" actId="478"/>
+          <ac:picMkLst>
+            <pc:docMk/>
+            <pc:sldMk cId="468942318" sldId="266"/>
+            <ac:picMk id="10" creationId="{E97AAE7A-6F5A-D31E-1C31-B772446DDE79}"/>
+          </ac:picMkLst>
+        </pc:picChg>
+        <pc:picChg chg="add mod">
+          <ac:chgData name="Justin Irving (PSP)" userId="2d08c4c9-6742-49e8-8078-c245a2e308f8" providerId="ADAL" clId="{083B4AAF-E5CB-A242-B6AD-8811F104ADBF}" dt="2024-01-30T22:21:29.834" v="6716" actId="14100"/>
+          <ac:picMkLst>
+            <pc:docMk/>
+            <pc:sldMk cId="468942318" sldId="266"/>
+            <ac:picMk id="11" creationId="{E08901B7-C915-88A1-A432-ABEC99075149}"/>
+          </ac:picMkLst>
+        </pc:picChg>
+        <pc:picChg chg="del">
+          <ac:chgData name="Justin Irving (PSP)" userId="2d08c4c9-6742-49e8-8078-c245a2e308f8" providerId="ADAL" clId="{083B4AAF-E5CB-A242-B6AD-8811F104ADBF}" dt="2024-01-30T21:13:02.769" v="5029" actId="478"/>
+          <ac:picMkLst>
+            <pc:docMk/>
+            <pc:sldMk cId="468942318" sldId="266"/>
+            <ac:picMk id="27" creationId="{8BE68AF8-B909-6042-09D1-7616FAE56EE6}"/>
+          </ac:picMkLst>
+        </pc:picChg>
+      </pc:sldChg>
+      <pc:sldChg chg="addSp delSp modSp add mod">
+        <pc:chgData name="Justin Irving (PSP)" userId="2d08c4c9-6742-49e8-8078-c245a2e308f8" providerId="ADAL" clId="{083B4AAF-E5CB-A242-B6AD-8811F104ADBF}" dt="2024-01-30T22:57:37.196" v="9871" actId="20577"/>
+        <pc:sldMkLst>
+          <pc:docMk/>
+          <pc:sldMk cId="1597995128" sldId="267"/>
+        </pc:sldMkLst>
+        <pc:spChg chg="mod">
+          <ac:chgData name="Justin Irving (PSP)" userId="2d08c4c9-6742-49e8-8078-c245a2e308f8" providerId="ADAL" clId="{083B4AAF-E5CB-A242-B6AD-8811F104ADBF}" dt="2024-01-30T22:57:26.620" v="9856" actId="1076"/>
+          <ac:spMkLst>
+            <pc:docMk/>
+            <pc:sldMk cId="1597995128" sldId="267"/>
+            <ac:spMk id="2" creationId="{030A2080-EB1A-F133-8A2D-CDA9B7E940BE}"/>
+          </ac:spMkLst>
+        </pc:spChg>
+        <pc:spChg chg="mod">
+          <ac:chgData name="Justin Irving (PSP)" userId="2d08c4c9-6742-49e8-8078-c245a2e308f8" providerId="ADAL" clId="{083B4AAF-E5CB-A242-B6AD-8811F104ADBF}" dt="2024-01-30T22:55:09.725" v="9786" actId="27636"/>
+          <ac:spMkLst>
+            <pc:docMk/>
+            <pc:sldMk cId="1597995128" sldId="267"/>
+            <ac:spMk id="3" creationId="{1E03E7CC-52F7-72B4-EBD1-0C36C03E3536}"/>
+          </ac:spMkLst>
+        </pc:spChg>
+        <pc:spChg chg="add mod">
+          <ac:chgData name="Justin Irving (PSP)" userId="2d08c4c9-6742-49e8-8078-c245a2e308f8" providerId="ADAL" clId="{083B4AAF-E5CB-A242-B6AD-8811F104ADBF}" dt="2024-01-30T22:57:14.657" v="9851" actId="1076"/>
+          <ac:spMkLst>
+            <pc:docMk/>
+            <pc:sldMk cId="1597995128" sldId="267"/>
+            <ac:spMk id="4" creationId="{005E5C62-08D8-2894-9480-E6ABBD270602}"/>
+          </ac:spMkLst>
+        </pc:spChg>
+        <pc:spChg chg="add mod">
+          <ac:chgData name="Justin Irving (PSP)" userId="2d08c4c9-6742-49e8-8078-c245a2e308f8" providerId="ADAL" clId="{083B4AAF-E5CB-A242-B6AD-8811F104ADBF}" dt="2024-01-30T22:57:37.196" v="9871" actId="20577"/>
+          <ac:spMkLst>
+            <pc:docMk/>
+            <pc:sldMk cId="1597995128" sldId="267"/>
+            <ac:spMk id="6" creationId="{C3B1E869-E8E7-7CC8-9215-9A2330FB8610}"/>
+          </ac:spMkLst>
+        </pc:spChg>
+        <pc:grpChg chg="add mod">
+          <ac:chgData name="Justin Irving (PSP)" userId="2d08c4c9-6742-49e8-8078-c245a2e308f8" providerId="ADAL" clId="{083B4AAF-E5CB-A242-B6AD-8811F104ADBF}" dt="2024-01-30T22:57:14.657" v="9851" actId="1076"/>
+          <ac:grpSpMkLst>
+            <pc:docMk/>
+            <pc:sldMk cId="1597995128" sldId="267"/>
+            <ac:grpSpMk id="5" creationId="{FD5E220E-8A33-8BDD-0B8D-32D98558AF86}"/>
+          </ac:grpSpMkLst>
+        </pc:grpChg>
+        <pc:picChg chg="del">
+          <ac:chgData name="Justin Irving (PSP)" userId="2d08c4c9-6742-49e8-8078-c245a2e308f8" providerId="ADAL" clId="{083B4AAF-E5CB-A242-B6AD-8811F104ADBF}" dt="2024-01-30T22:44:04.982" v="9283" actId="478"/>
+          <ac:picMkLst>
+            <pc:docMk/>
+            <pc:sldMk cId="1597995128" sldId="267"/>
+            <ac:picMk id="22" creationId="{93441283-F4D0-08D6-841F-C550C657AFE9}"/>
+          </ac:picMkLst>
+        </pc:picChg>
+        <pc:picChg chg="del">
+          <ac:chgData name="Justin Irving (PSP)" userId="2d08c4c9-6742-49e8-8078-c245a2e308f8" providerId="ADAL" clId="{083B4AAF-E5CB-A242-B6AD-8811F104ADBF}" dt="2024-01-30T22:44:05.420" v="9284" actId="478"/>
+          <ac:picMkLst>
+            <pc:docMk/>
+            <pc:sldMk cId="1597995128" sldId="267"/>
+            <ac:picMk id="24" creationId="{EB354395-05B7-6C5A-0DE1-B4C0692B3136}"/>
+          </ac:picMkLst>
+        </pc:picChg>
+        <pc:picChg chg="add mod">
+          <ac:chgData name="Justin Irving (PSP)" userId="2d08c4c9-6742-49e8-8078-c245a2e308f8" providerId="ADAL" clId="{083B4AAF-E5CB-A242-B6AD-8811F104ADBF}" dt="2024-01-30T22:57:14.657" v="9851" actId="1076"/>
+          <ac:picMkLst>
+            <pc:docMk/>
+            <pc:sldMk cId="1597995128" sldId="267"/>
+            <ac:picMk id="3074" creationId="{423A0BB4-5144-4DFD-9EA6-FA964AA3A4A9}"/>
+          </ac:picMkLst>
+        </pc:picChg>
+        <pc:picChg chg="add mod">
+          <ac:chgData name="Justin Irving (PSP)" userId="2d08c4c9-6742-49e8-8078-c245a2e308f8" providerId="ADAL" clId="{083B4AAF-E5CB-A242-B6AD-8811F104ADBF}" dt="2024-01-30T22:57:23.715" v="9855" actId="1076"/>
+          <ac:picMkLst>
+            <pc:docMk/>
+            <pc:sldMk cId="1597995128" sldId="267"/>
+            <ac:picMk id="3076" creationId="{16D5BA98-DCE7-FA0E-9BEB-41992B4F10D8}"/>
+          </ac:picMkLst>
+        </pc:picChg>
+      </pc:sldChg>
+      <pc:sldChg chg="addSp delSp modSp add del mod">
+        <pc:chgData name="Justin Irving (PSP)" userId="2d08c4c9-6742-49e8-8078-c245a2e308f8" providerId="ADAL" clId="{083B4AAF-E5CB-A242-B6AD-8811F104ADBF}" dt="2024-01-30T22:24:18.368" v="7067" actId="2696"/>
+        <pc:sldMkLst>
+          <pc:docMk/>
+          <pc:sldMk cId="2650796345" sldId="267"/>
+        </pc:sldMkLst>
+        <pc:spChg chg="mod">
+          <ac:chgData name="Justin Irving (PSP)" userId="2d08c4c9-6742-49e8-8078-c245a2e308f8" providerId="ADAL" clId="{083B4AAF-E5CB-A242-B6AD-8811F104ADBF}" dt="2024-01-30T21:30:56.123" v="6369" actId="20577"/>
+          <ac:spMkLst>
+            <pc:docMk/>
+            <pc:sldMk cId="2650796345" sldId="267"/>
+            <ac:spMk id="2" creationId="{DB0926CF-5F21-3819-6E64-08E96F6F5DFB}"/>
+          </ac:spMkLst>
+        </pc:spChg>
+        <pc:spChg chg="mod">
+          <ac:chgData name="Justin Irving (PSP)" userId="2d08c4c9-6742-49e8-8078-c245a2e308f8" providerId="ADAL" clId="{083B4AAF-E5CB-A242-B6AD-8811F104ADBF}" dt="2024-01-30T21:38:47.616" v="6612" actId="20577"/>
+          <ac:spMkLst>
+            <pc:docMk/>
+            <pc:sldMk cId="2650796345" sldId="267"/>
+            <ac:spMk id="3" creationId="{FCD9253E-63D5-34B8-5E5A-54B5C052C99C}"/>
+          </ac:spMkLst>
+        </pc:spChg>
+        <pc:picChg chg="add mod">
+          <ac:chgData name="Justin Irving (PSP)" userId="2d08c4c9-6742-49e8-8078-c245a2e308f8" providerId="ADAL" clId="{083B4AAF-E5CB-A242-B6AD-8811F104ADBF}" dt="2024-01-30T21:34:08.264" v="6414" actId="1076"/>
+          <ac:picMkLst>
+            <pc:docMk/>
+            <pc:sldMk cId="2650796345" sldId="267"/>
+            <ac:picMk id="5" creationId="{F7AEB756-1F8F-AF81-910C-30BA29207492}"/>
+          </ac:picMkLst>
+        </pc:picChg>
+        <pc:picChg chg="del">
+          <ac:chgData name="Justin Irving (PSP)" userId="2d08c4c9-6742-49e8-8078-c245a2e308f8" providerId="ADAL" clId="{083B4AAF-E5CB-A242-B6AD-8811F104ADBF}" dt="2024-01-30T21:30:58.316" v="6370" actId="478"/>
+          <ac:picMkLst>
+            <pc:docMk/>
+            <pc:sldMk cId="2650796345" sldId="267"/>
+            <ac:picMk id="7" creationId="{0E55BD24-AF9D-E298-0466-74FF20BAB3C4}"/>
+          </ac:picMkLst>
+        </pc:picChg>
+        <pc:picChg chg="add del mod">
+          <ac:chgData name="Justin Irving (PSP)" userId="2d08c4c9-6742-49e8-8078-c245a2e308f8" providerId="ADAL" clId="{083B4AAF-E5CB-A242-B6AD-8811F104ADBF}" dt="2024-01-30T21:34:43.374" v="6422" actId="478"/>
+          <ac:picMkLst>
+            <pc:docMk/>
+            <pc:sldMk cId="2650796345" sldId="267"/>
+            <ac:picMk id="8" creationId="{450C36A2-60D5-6529-668F-591A3D7E5A61}"/>
+          </ac:picMkLst>
+        </pc:picChg>
+        <pc:picChg chg="del">
+          <ac:chgData name="Justin Irving (PSP)" userId="2d08c4c9-6742-49e8-8078-c245a2e308f8" providerId="ADAL" clId="{083B4AAF-E5CB-A242-B6AD-8811F104ADBF}" dt="2024-01-30T21:30:58.776" v="6371" actId="478"/>
+          <ac:picMkLst>
+            <pc:docMk/>
+            <pc:sldMk cId="2650796345" sldId="267"/>
+            <ac:picMk id="9" creationId="{64A23563-3B26-45D2-03CE-BDC0856C85B0}"/>
+          </ac:picMkLst>
+        </pc:picChg>
+        <pc:picChg chg="add mod">
+          <ac:chgData name="Justin Irving (PSP)" userId="2d08c4c9-6742-49e8-8078-c245a2e308f8" providerId="ADAL" clId="{083B4AAF-E5CB-A242-B6AD-8811F104ADBF}" dt="2024-01-30T21:34:46.657" v="6426"/>
+          <ac:picMkLst>
+            <pc:docMk/>
+            <pc:sldMk cId="2650796345" sldId="267"/>
+            <ac:picMk id="10" creationId="{BE64D38C-6C69-92B2-F1D7-A0244222C898}"/>
+          </ac:picMkLst>
+        </pc:picChg>
+        <pc:picChg chg="add mod">
+          <ac:chgData name="Justin Irving (PSP)" userId="2d08c4c9-6742-49e8-8078-c245a2e308f8" providerId="ADAL" clId="{083B4AAF-E5CB-A242-B6AD-8811F104ADBF}" dt="2024-01-30T21:35:07.658" v="6432" actId="14100"/>
+          <ac:picMkLst>
+            <pc:docMk/>
+            <pc:sldMk cId="2650796345" sldId="267"/>
+            <ac:picMk id="11" creationId="{D4C890B3-1B06-F836-7410-BE2EDE5D6A75}"/>
+          </ac:picMkLst>
+        </pc:picChg>
+        <pc:picChg chg="add del mod">
+          <ac:chgData name="Justin Irving (PSP)" userId="2d08c4c9-6742-49e8-8078-c245a2e308f8" providerId="ADAL" clId="{083B4AAF-E5CB-A242-B6AD-8811F104ADBF}" dt="2024-01-30T21:34:46.226" v="6425" actId="21"/>
+          <ac:picMkLst>
+            <pc:docMk/>
+            <pc:sldMk cId="2650796345" sldId="267"/>
+            <ac:picMk id="1026" creationId="{A26EF492-774F-ED64-7368-3469DA3EC3EF}"/>
+          </ac:picMkLst>
+        </pc:picChg>
+      </pc:sldChg>
+      <pc:sldChg chg="addSp delSp modSp add mod">
+        <pc:chgData name="Justin Irving (PSP)" userId="2d08c4c9-6742-49e8-8078-c245a2e308f8" providerId="ADAL" clId="{083B4AAF-E5CB-A242-B6AD-8811F104ADBF}" dt="2024-01-30T23:55:42.914" v="12352" actId="1076"/>
+        <pc:sldMkLst>
+          <pc:docMk/>
+          <pc:sldMk cId="2472911605" sldId="268"/>
+        </pc:sldMkLst>
+        <pc:spChg chg="mod">
+          <ac:chgData name="Justin Irving (PSP)" userId="2d08c4c9-6742-49e8-8078-c245a2e308f8" providerId="ADAL" clId="{083B4AAF-E5CB-A242-B6AD-8811F104ADBF}" dt="2024-01-30T23:34:05.201" v="10939" actId="20577"/>
+          <ac:spMkLst>
+            <pc:docMk/>
+            <pc:sldMk cId="2472911605" sldId="268"/>
+            <ac:spMk id="2" creationId="{DB7FA098-46BC-CCF6-1159-16EF8DD9D17C}"/>
+          </ac:spMkLst>
+        </pc:spChg>
+        <pc:spChg chg="add mod">
+          <ac:chgData name="Justin Irving (PSP)" userId="2d08c4c9-6742-49e8-8078-c245a2e308f8" providerId="ADAL" clId="{083B4AAF-E5CB-A242-B6AD-8811F104ADBF}" dt="2024-01-30T23:54:57.098" v="12345" actId="14100"/>
+          <ac:spMkLst>
+            <pc:docMk/>
+            <pc:sldMk cId="2472911605" sldId="268"/>
+            <ac:spMk id="3" creationId="{15BB7AB1-4241-733E-FEE8-7B81A0FC6172}"/>
+          </ac:spMkLst>
+        </pc:spChg>
+        <pc:graphicFrameChg chg="del">
+          <ac:chgData name="Justin Irving (PSP)" userId="2d08c4c9-6742-49e8-8078-c245a2e308f8" providerId="ADAL" clId="{083B4AAF-E5CB-A242-B6AD-8811F104ADBF}" dt="2024-01-30T23:34:07.804" v="10940" actId="478"/>
+          <ac:graphicFrameMkLst>
+            <pc:docMk/>
+            <pc:sldMk cId="2472911605" sldId="268"/>
+            <ac:graphicFrameMk id="4" creationId="{F86B60A7-5267-1730-9C7E-D7F0AF165AEC}"/>
+          </ac:graphicFrameMkLst>
+        </pc:graphicFrameChg>
+        <pc:picChg chg="add mod">
+          <ac:chgData name="Justin Irving (PSP)" userId="2d08c4c9-6742-49e8-8078-c245a2e308f8" providerId="ADAL" clId="{083B4AAF-E5CB-A242-B6AD-8811F104ADBF}" dt="2024-01-30T23:55:03.918" v="12346" actId="1076"/>
+          <ac:picMkLst>
+            <pc:docMk/>
+            <pc:sldMk cId="2472911605" sldId="268"/>
+            <ac:picMk id="5" creationId="{88A7C891-6E4A-4C0E-C445-CB720A9155BC}"/>
+          </ac:picMkLst>
+        </pc:picChg>
+        <pc:picChg chg="add del">
+          <ac:chgData name="Justin Irving (PSP)" userId="2d08c4c9-6742-49e8-8078-c245a2e308f8" providerId="ADAL" clId="{083B4AAF-E5CB-A242-B6AD-8811F104ADBF}" dt="2024-01-30T23:36:44.838" v="11287" actId="478"/>
+          <ac:picMkLst>
+            <pc:docMk/>
+            <pc:sldMk cId="2472911605" sldId="268"/>
+            <ac:picMk id="4098" creationId="{C82C012C-8542-CE88-D3FF-9807F6394853}"/>
+          </ac:picMkLst>
+        </pc:picChg>
+        <pc:picChg chg="add mod">
+          <ac:chgData name="Justin Irving (PSP)" userId="2d08c4c9-6742-49e8-8078-c245a2e308f8" providerId="ADAL" clId="{083B4AAF-E5CB-A242-B6AD-8811F104ADBF}" dt="2024-01-30T23:55:03.918" v="12346" actId="1076"/>
+          <ac:picMkLst>
+            <pc:docMk/>
+            <pc:sldMk cId="2472911605" sldId="268"/>
+            <ac:picMk id="4100" creationId="{AA994883-4FE9-C00F-6011-0A641B9718F5}"/>
+          </ac:picMkLst>
+        </pc:picChg>
+        <pc:picChg chg="add mod">
+          <ac:chgData name="Justin Irving (PSP)" userId="2d08c4c9-6742-49e8-8078-c245a2e308f8" providerId="ADAL" clId="{083B4AAF-E5CB-A242-B6AD-8811F104ADBF}" dt="2024-01-30T23:55:03.918" v="12346" actId="1076"/>
+          <ac:picMkLst>
+            <pc:docMk/>
+            <pc:sldMk cId="2472911605" sldId="268"/>
+            <ac:picMk id="4102" creationId="{3B0647D4-123C-A9EB-AF01-4257D0775F62}"/>
+          </ac:picMkLst>
+        </pc:picChg>
+        <pc:picChg chg="add mod">
+          <ac:chgData name="Justin Irving (PSP)" userId="2d08c4c9-6742-49e8-8078-c245a2e308f8" providerId="ADAL" clId="{083B4AAF-E5CB-A242-B6AD-8811F104ADBF}" dt="2024-01-30T23:55:03.918" v="12346" actId="1076"/>
+          <ac:picMkLst>
+            <pc:docMk/>
+            <pc:sldMk cId="2472911605" sldId="268"/>
+            <ac:picMk id="4104" creationId="{3DACDD16-4D8E-25E6-3386-FA60F9D47127}"/>
+          </ac:picMkLst>
+        </pc:picChg>
+        <pc:cxnChg chg="add mod">
+          <ac:chgData name="Justin Irving (PSP)" userId="2d08c4c9-6742-49e8-8078-c245a2e308f8" providerId="ADAL" clId="{083B4AAF-E5CB-A242-B6AD-8811F104ADBF}" dt="2024-01-30T23:55:32.945" v="12348" actId="14100"/>
+          <ac:cxnSpMkLst>
+            <pc:docMk/>
+            <pc:sldMk cId="2472911605" sldId="268"/>
+            <ac:cxnSpMk id="7" creationId="{6EF49B3C-07AD-6872-B129-C11069DA4E1D}"/>
+          </ac:cxnSpMkLst>
+        </pc:cxnChg>
+        <pc:cxnChg chg="add mod">
+          <ac:chgData name="Justin Irving (PSP)" userId="2d08c4c9-6742-49e8-8078-c245a2e308f8" providerId="ADAL" clId="{083B4AAF-E5CB-A242-B6AD-8811F104ADBF}" dt="2024-01-30T23:55:38.764" v="12350" actId="1076"/>
+          <ac:cxnSpMkLst>
+            <pc:docMk/>
+            <pc:sldMk cId="2472911605" sldId="268"/>
+            <ac:cxnSpMk id="9" creationId="{8A3C9614-E7E7-0F9C-89D8-9CBF9B8E9797}"/>
+          </ac:cxnSpMkLst>
+        </pc:cxnChg>
+        <pc:cxnChg chg="add mod">
+          <ac:chgData name="Justin Irving (PSP)" userId="2d08c4c9-6742-49e8-8078-c245a2e308f8" providerId="ADAL" clId="{083B4AAF-E5CB-A242-B6AD-8811F104ADBF}" dt="2024-01-30T23:55:42.914" v="12352" actId="1076"/>
+          <ac:cxnSpMkLst>
+            <pc:docMk/>
+            <pc:sldMk cId="2472911605" sldId="268"/>
+            <ac:cxnSpMk id="10" creationId="{52EC78FD-55B9-51A5-6705-3DBC47C058C5}"/>
+          </ac:cxnSpMkLst>
+        </pc:cxnChg>
       </pc:sldChg>
     </pc:docChg>
   </pc:docChgLst>
@@ -1199,7 +1690,10 @@
         <a:bodyPr/>
         <a:lstStyle/>
         <a:p>
-          <a:endParaRPr lang="en-US" dirty="0"/>
+          <a:r>
+            <a:rPr lang="en-US" dirty="0"/>
+            <a:t>Standardize primary situation in fire incident data.</a:t>
+          </a:r>
         </a:p>
       </dgm:t>
     </dgm:pt>
@@ -1215,42 +1709,6 @@
       </dgm:t>
     </dgm:pt>
     <dgm:pt modelId="{58BD8192-CE08-F84B-B617-C27565030DD2}" type="sibTrans" cxnId="{17A5B7C7-AE76-1D45-BBA9-EECB9527BD0C}">
-      <dgm:prSet/>
-      <dgm:spPr/>
-      <dgm:t>
-        <a:bodyPr/>
-        <a:lstStyle/>
-        <a:p>
-          <a:endParaRPr lang="en-US"/>
-        </a:p>
-      </dgm:t>
-    </dgm:pt>
-    <dgm:pt modelId="{683EB23B-C734-B54D-B9B1-CBBDF93C96EE}">
-      <dgm:prSet phldrT="[Text]"/>
-      <dgm:spPr/>
-      <dgm:t>
-        <a:bodyPr/>
-        <a:lstStyle/>
-        <a:p>
-          <a:r>
-            <a:rPr lang="en-US" dirty="0"/>
-            <a:t>Standardize primary situation in fire incident data</a:t>
-          </a:r>
-        </a:p>
-      </dgm:t>
-    </dgm:pt>
-    <dgm:pt modelId="{00197D41-5CAE-B44E-8AD1-1C3CD1557690}" type="parTrans" cxnId="{EC7E124B-AD8D-184A-A33B-3D312D348460}">
-      <dgm:prSet/>
-      <dgm:spPr/>
-      <dgm:t>
-        <a:bodyPr/>
-        <a:lstStyle/>
-        <a:p>
-          <a:endParaRPr lang="en-US"/>
-        </a:p>
-      </dgm:t>
-    </dgm:pt>
-    <dgm:pt modelId="{29CF0F62-E945-E244-9DC1-FA2609E20878}" type="sibTrans" cxnId="{EC7E124B-AD8D-184A-A33B-3D312D348460}">
       <dgm:prSet/>
       <dgm:spPr/>
       <dgm:t>
@@ -1458,7 +1916,7 @@
           </a:r>
           <a:r>
             <a:rPr lang="en-US" dirty="0"/>
-            <a:t> field in fire incident data</a:t>
+            <a:t> field in fire incident data.</a:t>
           </a:r>
         </a:p>
       </dgm:t>
@@ -1466,10 +1924,132 @@
     <dgm:pt modelId="{C9937362-4E93-DC4C-873D-F6F297B94041}" type="parTrans" cxnId="{FCDBA13C-DE0F-3F4B-AB34-8A1D4EC86ED5}">
       <dgm:prSet/>
       <dgm:spPr/>
+      <dgm:t>
+        <a:bodyPr/>
+        <a:lstStyle/>
+        <a:p>
+          <a:endParaRPr lang="en-US"/>
+        </a:p>
+      </dgm:t>
     </dgm:pt>
     <dgm:pt modelId="{1A0F695E-BE33-BE4C-895C-7A66FE2FA509}" type="sibTrans" cxnId="{FCDBA13C-DE0F-3F4B-AB34-8A1D4EC86ED5}">
       <dgm:prSet/>
       <dgm:spPr/>
+      <dgm:t>
+        <a:bodyPr/>
+        <a:lstStyle/>
+        <a:p>
+          <a:endParaRPr lang="en-US"/>
+        </a:p>
+      </dgm:t>
+    </dgm:pt>
+    <dgm:pt modelId="{48EA89DC-D301-374B-BD3B-786EA03ADC40}">
+      <dgm:prSet phldrT="[Text]"/>
+      <dgm:spPr/>
+      <dgm:t>
+        <a:bodyPr/>
+        <a:lstStyle/>
+        <a:p>
+          <a:r>
+            <a:rPr lang="en-US" dirty="0"/>
+            <a:t>Integrate parcel spatial join into SFFD data pipelines so it doesn’t need to be done after the fact (single source of truth).</a:t>
+          </a:r>
+        </a:p>
+      </dgm:t>
+    </dgm:pt>
+    <dgm:pt modelId="{562DFCF0-E839-964D-BA37-987C7B5905BC}" type="parTrans" cxnId="{8F305341-EAD7-8647-9277-21423BE8F6D6}">
+      <dgm:prSet/>
+      <dgm:spPr/>
+      <dgm:t>
+        <a:bodyPr/>
+        <a:lstStyle/>
+        <a:p>
+          <a:endParaRPr lang="en-US"/>
+        </a:p>
+      </dgm:t>
+    </dgm:pt>
+    <dgm:pt modelId="{2E2FFE8F-5994-3040-8DBD-6D2DE532283A}" type="sibTrans" cxnId="{8F305341-EAD7-8647-9277-21423BE8F6D6}">
+      <dgm:prSet/>
+      <dgm:spPr/>
+      <dgm:t>
+        <a:bodyPr/>
+        <a:lstStyle/>
+        <a:p>
+          <a:endParaRPr lang="en-US"/>
+        </a:p>
+      </dgm:t>
+    </dgm:pt>
+    <dgm:pt modelId="{A25035D2-7A5A-8C4C-8124-B4A0BD28D2C6}">
+      <dgm:prSet phldrT="[Text]"/>
+      <dgm:spPr/>
+      <dgm:t>
+        <a:bodyPr/>
+        <a:lstStyle/>
+        <a:p>
+          <a:r>
+            <a:rPr lang="en-US" dirty="0"/>
+            <a:t>Integrate real-time flag in SFFD R-2 database for pending/recent DBI violations</a:t>
+          </a:r>
+        </a:p>
+      </dgm:t>
+    </dgm:pt>
+    <dgm:pt modelId="{FE6DAF2B-509B-1E4D-AFA7-9B8F3BE2FAC4}" type="parTrans" cxnId="{917E338F-ADB8-EF44-A933-E855CA67E635}">
+      <dgm:prSet/>
+      <dgm:spPr/>
+      <dgm:t>
+        <a:bodyPr/>
+        <a:lstStyle/>
+        <a:p>
+          <a:endParaRPr lang="en-US"/>
+        </a:p>
+      </dgm:t>
+    </dgm:pt>
+    <dgm:pt modelId="{D5808DD0-8781-D74C-860C-23B672F48053}" type="sibTrans" cxnId="{917E338F-ADB8-EF44-A933-E855CA67E635}">
+      <dgm:prSet/>
+      <dgm:spPr/>
+      <dgm:t>
+        <a:bodyPr/>
+        <a:lstStyle/>
+        <a:p>
+          <a:endParaRPr lang="en-US"/>
+        </a:p>
+      </dgm:t>
+    </dgm:pt>
+    <dgm:pt modelId="{A3E329EA-494B-914B-9D4B-8DDF476E6532}">
+      <dgm:prSet phldrT="[Text]"/>
+      <dgm:spPr/>
+      <dgm:t>
+        <a:bodyPr/>
+        <a:lstStyle/>
+        <a:p>
+          <a:r>
+            <a:rPr lang="en-US" dirty="0"/>
+            <a:t>Integrate real-time flag in DBI R-2 database for pending/recent SFFD violations</a:t>
+          </a:r>
+        </a:p>
+      </dgm:t>
+    </dgm:pt>
+    <dgm:pt modelId="{E0E0D86E-9E1B-FF4A-9877-9805CA94F8EC}" type="parTrans" cxnId="{A30EE9C1-FB43-E144-A04C-A65949316D2C}">
+      <dgm:prSet/>
+      <dgm:spPr/>
+      <dgm:t>
+        <a:bodyPr/>
+        <a:lstStyle/>
+        <a:p>
+          <a:endParaRPr lang="en-US"/>
+        </a:p>
+      </dgm:t>
+    </dgm:pt>
+    <dgm:pt modelId="{84AB0BC2-3FC8-7041-A354-BF9507DA34D8}" type="sibTrans" cxnId="{A30EE9C1-FB43-E144-A04C-A65949316D2C}">
+      <dgm:prSet/>
+      <dgm:spPr/>
+      <dgm:t>
+        <a:bodyPr/>
+        <a:lstStyle/>
+        <a:p>
+          <a:endParaRPr lang="en-US"/>
+        </a:p>
+      </dgm:t>
     </dgm:pt>
     <dgm:pt modelId="{5021E1F0-64DD-3E4D-8A05-D4DA50011405}" type="pres">
       <dgm:prSet presAssocID="{8056835A-AD44-484F-94BE-0782CB213222}" presName="Name0" presStyleCnt="0">
@@ -1535,21 +2115,25 @@
     <dgm:cxn modelId="{D195AC14-D60E-5C4A-9B3F-C3FF4BC181EC}" type="presOf" srcId="{60E27C5B-2878-734C-81BC-9656E1DE0221}" destId="{AC194BF3-6CE8-E34D-8A4C-23B2631BF14A}" srcOrd="0" destOrd="0" presId="urn:microsoft.com/office/officeart/2005/8/layout/hList1"/>
     <dgm:cxn modelId="{F9186A17-76F7-0C47-A49B-35F52CFD2F4B}" srcId="{709D130C-A4F4-E340-B18B-B54204F5186F}" destId="{77B5FDC3-0724-CB48-B899-8D500C6DB1C6}" srcOrd="1" destOrd="0" parTransId="{C726FDE6-034D-524A-8E60-8D7EBA110EE7}" sibTransId="{64A7D1FF-50B9-C94E-A8E5-331BBB8A3A27}"/>
     <dgm:cxn modelId="{2A8B6E20-D8AC-B049-92EB-85EDF173CF70}" type="presOf" srcId="{739C8B35-9393-0749-90E2-4194818EC2BD}" destId="{8F826C78-B259-DF41-BB93-88158EA1366C}" srcOrd="0" destOrd="3" presId="urn:microsoft.com/office/officeart/2005/8/layout/hList1"/>
+    <dgm:cxn modelId="{67DA0B21-E64B-6F4C-8FD9-183EDD9F3D36}" type="presOf" srcId="{A3E329EA-494B-914B-9D4B-8DDF476E6532}" destId="{8F826C78-B259-DF41-BB93-88158EA1366C}" srcOrd="0" destOrd="4" presId="urn:microsoft.com/office/officeart/2005/8/layout/hList1"/>
     <dgm:cxn modelId="{CF371C21-5616-314B-8755-AA38B0D15DD4}" srcId="{709D130C-A4F4-E340-B18B-B54204F5186F}" destId="{74552853-3AF2-9642-975E-8F9D08C4211B}" srcOrd="2" destOrd="0" parTransId="{3FC76AC1-B91C-1C40-A05D-4439B8C8BA5F}" sibTransId="{A120EA48-F532-0C4F-AF79-B69C2FB0C6FF}"/>
     <dgm:cxn modelId="{FFCC953C-C54B-734D-98DC-ACCA482D2938}" srcId="{709D130C-A4F4-E340-B18B-B54204F5186F}" destId="{739C8B35-9393-0749-90E2-4194818EC2BD}" srcOrd="3" destOrd="0" parTransId="{6077947E-6A7D-E246-8ABE-5D6648A7DA14}" sibTransId="{8F3B617D-4E93-8E43-8F12-2CC9643B8A58}"/>
-    <dgm:cxn modelId="{FCDBA13C-DE0F-3F4B-AB34-8A1D4EC86ED5}" srcId="{8A9DC962-38A6-7F42-9B3A-761D0DF63D8C}" destId="{E5FC695A-37AE-0A4B-8E59-175569728BE7}" srcOrd="2" destOrd="0" parTransId="{C9937362-4E93-DC4C-873D-F6F297B94041}" sibTransId="{1A0F695E-BE33-BE4C-895C-7A66FE2FA509}"/>
+    <dgm:cxn modelId="{FCDBA13C-DE0F-3F4B-AB34-8A1D4EC86ED5}" srcId="{8A9DC962-38A6-7F42-9B3A-761D0DF63D8C}" destId="{E5FC695A-37AE-0A4B-8E59-175569728BE7}" srcOrd="1" destOrd="0" parTransId="{C9937362-4E93-DC4C-873D-F6F297B94041}" sibTransId="{1A0F695E-BE33-BE4C-895C-7A66FE2FA509}"/>
+    <dgm:cxn modelId="{8F305341-EAD7-8647-9277-21423BE8F6D6}" srcId="{8A9DC962-38A6-7F42-9B3A-761D0DF63D8C}" destId="{48EA89DC-D301-374B-BD3B-786EA03ADC40}" srcOrd="2" destOrd="0" parTransId="{562DFCF0-E839-964D-BA37-987C7B5905BC}" sibTransId="{2E2FFE8F-5994-3040-8DBD-6D2DE532283A}"/>
     <dgm:cxn modelId="{3C61FD49-C452-7C4B-83C3-A7FD33598E0B}" srcId="{8056835A-AD44-484F-94BE-0782CB213222}" destId="{8A9DC962-38A6-7F42-9B3A-761D0DF63D8C}" srcOrd="0" destOrd="0" parTransId="{47ACAB47-9694-CC44-ABA1-6B009067114C}" sibTransId="{B32487DA-6E9E-2546-ACFF-1FE2603A687D}"/>
-    <dgm:cxn modelId="{EC7E124B-AD8D-184A-A33B-3D312D348460}" srcId="{8A9DC962-38A6-7F42-9B3A-761D0DF63D8C}" destId="{683EB23B-C734-B54D-B9B1-CBBDF93C96EE}" srcOrd="1" destOrd="0" parTransId="{00197D41-5CAE-B44E-8AD1-1C3CD1557690}" sibTransId="{29CF0F62-E945-E244-9DC1-FA2609E20878}"/>
-    <dgm:cxn modelId="{FA73DD4E-2971-CD4D-B916-ED46894E2AAB}" type="presOf" srcId="{683EB23B-C734-B54D-B9B1-CBBDF93C96EE}" destId="{AC194BF3-6CE8-E34D-8A4C-23B2631BF14A}" srcOrd="0" destOrd="1" presId="urn:microsoft.com/office/officeart/2005/8/layout/hList1"/>
     <dgm:cxn modelId="{24940C6E-4800-5442-B026-478E5D4543ED}" type="presOf" srcId="{8056835A-AD44-484F-94BE-0782CB213222}" destId="{5021E1F0-64DD-3E4D-8A05-D4DA50011405}" srcOrd="0" destOrd="0" presId="urn:microsoft.com/office/officeart/2005/8/layout/hList1"/>
     <dgm:cxn modelId="{A5FD498C-F2A9-824B-975B-E26EC5FBE359}" srcId="{709D130C-A4F4-E340-B18B-B54204F5186F}" destId="{1F3FFE17-AFE9-FA49-98A2-E8921D0D10C4}" srcOrd="0" destOrd="0" parTransId="{2AA7D1AF-7392-1A45-92B0-2C5CB2E0C852}" sibTransId="{6733B1E6-1340-3D41-9852-C233CFFF8DE4}"/>
+    <dgm:cxn modelId="{917E338F-ADB8-EF44-A933-E855CA67E635}" srcId="{8A9DC962-38A6-7F42-9B3A-761D0DF63D8C}" destId="{A25035D2-7A5A-8C4C-8124-B4A0BD28D2C6}" srcOrd="3" destOrd="0" parTransId="{FE6DAF2B-509B-1E4D-AFA7-9B8F3BE2FAC4}" sibTransId="{D5808DD0-8781-D74C-860C-23B672F48053}"/>
     <dgm:cxn modelId="{1C24348F-894D-224B-A844-07CBE1BAF448}" type="presOf" srcId="{709D130C-A4F4-E340-B18B-B54204F5186F}" destId="{9318A5C0-4AD3-4A42-A602-4EC3E400BFDE}" srcOrd="0" destOrd="0" presId="urn:microsoft.com/office/officeart/2005/8/layout/hList1"/>
+    <dgm:cxn modelId="{A30EE9C1-FB43-E144-A04C-A65949316D2C}" srcId="{709D130C-A4F4-E340-B18B-B54204F5186F}" destId="{A3E329EA-494B-914B-9D4B-8DDF476E6532}" srcOrd="4" destOrd="0" parTransId="{E0E0D86E-9E1B-FF4A-9877-9805CA94F8EC}" sibTransId="{84AB0BC2-3FC8-7041-A354-BF9507DA34D8}"/>
     <dgm:cxn modelId="{00D372C6-A31A-5A45-887E-E213429F2F15}" type="presOf" srcId="{77B5FDC3-0724-CB48-B899-8D500C6DB1C6}" destId="{8F826C78-B259-DF41-BB93-88158EA1366C}" srcOrd="0" destOrd="1" presId="urn:microsoft.com/office/officeart/2005/8/layout/hList1"/>
     <dgm:cxn modelId="{17A5B7C7-AE76-1D45-BBA9-EECB9527BD0C}" srcId="{8A9DC962-38A6-7F42-9B3A-761D0DF63D8C}" destId="{60E27C5B-2878-734C-81BC-9656E1DE0221}" srcOrd="0" destOrd="0" parTransId="{FA4A17C3-7937-BD41-B943-61D9BFE370D9}" sibTransId="{58BD8192-CE08-F84B-B617-C27565030DD2}"/>
     <dgm:cxn modelId="{564B97D0-D906-0549-A1BE-68A5328DC609}" srcId="{8056835A-AD44-484F-94BE-0782CB213222}" destId="{709D130C-A4F4-E340-B18B-B54204F5186F}" srcOrd="1" destOrd="0" parTransId="{83181DAB-52A1-D440-844C-EBEAC9ABE3A3}" sibTransId="{3B1F6461-3D17-0E40-ADBA-A77279BAC17B}"/>
-    <dgm:cxn modelId="{5415F2D1-CE7A-4149-ABC8-E0617339D8EF}" type="presOf" srcId="{E5FC695A-37AE-0A4B-8E59-175569728BE7}" destId="{AC194BF3-6CE8-E34D-8A4C-23B2631BF14A}" srcOrd="0" destOrd="2" presId="urn:microsoft.com/office/officeart/2005/8/layout/hList1"/>
+    <dgm:cxn modelId="{5415F2D1-CE7A-4149-ABC8-E0617339D8EF}" type="presOf" srcId="{E5FC695A-37AE-0A4B-8E59-175569728BE7}" destId="{AC194BF3-6CE8-E34D-8A4C-23B2631BF14A}" srcOrd="0" destOrd="1" presId="urn:microsoft.com/office/officeart/2005/8/layout/hList1"/>
     <dgm:cxn modelId="{247D73E1-0B4D-094F-A47E-A9B62B9CF568}" type="presOf" srcId="{74552853-3AF2-9642-975E-8F9D08C4211B}" destId="{8F826C78-B259-DF41-BB93-88158EA1366C}" srcOrd="0" destOrd="2" presId="urn:microsoft.com/office/officeart/2005/8/layout/hList1"/>
+    <dgm:cxn modelId="{B4C2AAE3-15B6-5243-8183-A57843DB0F95}" type="presOf" srcId="{48EA89DC-D301-374B-BD3B-786EA03ADC40}" destId="{AC194BF3-6CE8-E34D-8A4C-23B2631BF14A}" srcOrd="0" destOrd="2" presId="urn:microsoft.com/office/officeart/2005/8/layout/hList1"/>
     <dgm:cxn modelId="{ED2A82F0-D284-434C-B58C-AEA4603D1B5E}" type="presOf" srcId="{8A9DC962-38A6-7F42-9B3A-761D0DF63D8C}" destId="{8B2FBF57-0099-A04D-B858-FF561AC8C3FA}" srcOrd="0" destOrd="0" presId="urn:microsoft.com/office/officeart/2005/8/layout/hList1"/>
+    <dgm:cxn modelId="{72980DF6-59D9-9F47-AE75-667E8279A523}" type="presOf" srcId="{A25035D2-7A5A-8C4C-8124-B4A0BD28D2C6}" destId="{AC194BF3-6CE8-E34D-8A4C-23B2631BF14A}" srcOrd="0" destOrd="3" presId="urn:microsoft.com/office/officeart/2005/8/layout/hList1"/>
     <dgm:cxn modelId="{C00E12EC-96DD-DD4E-A60E-1A1C9E131732}" type="presParOf" srcId="{5021E1F0-64DD-3E4D-8A05-D4DA50011405}" destId="{307C383D-C8E3-C146-95C1-72BE222F9A3A}" srcOrd="0" destOrd="0" presId="urn:microsoft.com/office/officeart/2005/8/layout/hList1"/>
     <dgm:cxn modelId="{3F688334-F48A-874B-BDC8-0BA3F51D7DE0}" type="presParOf" srcId="{307C383D-C8E3-C146-95C1-72BE222F9A3A}" destId="{8B2FBF57-0099-A04D-B858-FF561AC8C3FA}" srcOrd="0" destOrd="0" presId="urn:microsoft.com/office/officeart/2005/8/layout/hList1"/>
     <dgm:cxn modelId="{5C537356-7908-0D45-BDD8-54304346871A}" type="presParOf" srcId="{307C383D-C8E3-C146-95C1-72BE222F9A3A}" destId="{AC194BF3-6CE8-E34D-8A4C-23B2631BF14A}" srcOrd="1" destOrd="0" presId="urn:microsoft.com/office/officeart/2005/8/layout/hList1"/>
@@ -1583,8 +2167,8 @@
       </dsp:nvSpPr>
       <dsp:spPr>
         <a:xfrm>
-          <a:off x="39" y="68115"/>
-          <a:ext cx="3798093" cy="576000"/>
+          <a:off x="41" y="147526"/>
+          <a:ext cx="3940121" cy="518400"/>
         </a:xfrm>
         <a:prstGeom prst="rect">
           <a:avLst/>
@@ -1625,12 +2209,12 @@
         </a:fontRef>
       </dsp:style>
       <dsp:txBody>
-        <a:bodyPr spcFirstLastPara="0" vert="horz" wrap="square" lIns="142240" tIns="81280" rIns="142240" bIns="81280" numCol="1" spcCol="1270" anchor="ctr" anchorCtr="0">
+        <a:bodyPr spcFirstLastPara="0" vert="horz" wrap="square" lIns="128016" tIns="73152" rIns="128016" bIns="73152" numCol="1" spcCol="1270" anchor="ctr" anchorCtr="0">
           <a:noAutofit/>
         </a:bodyPr>
         <a:lstStyle/>
         <a:p>
-          <a:pPr marL="0" lvl="0" indent="0" algn="ctr" defTabSz="889000">
+          <a:pPr marL="0" lvl="0" indent="0" algn="ctr" defTabSz="800100">
             <a:lnSpc>
               <a:spcPct val="90000"/>
             </a:lnSpc>
@@ -1643,14 +2227,14 @@
             <a:buNone/>
           </a:pPr>
           <a:r>
-            <a:rPr lang="en-US" sz="2000" kern="1200" dirty="0"/>
+            <a:rPr lang="en-US" sz="1800" kern="1200" dirty="0"/>
             <a:t>SFFD</a:t>
           </a:r>
         </a:p>
       </dsp:txBody>
       <dsp:txXfrm>
-        <a:off x="39" y="68115"/>
-        <a:ext cx="3798093" cy="576000"/>
+        <a:off x="41" y="147526"/>
+        <a:ext cx="3940121" cy="518400"/>
       </dsp:txXfrm>
     </dsp:sp>
     <dsp:sp modelId="{AC194BF3-6CE8-E34D-8A4C-23B2631BF14A}">
@@ -1660,8 +2244,8 @@
       </dsp:nvSpPr>
       <dsp:spPr>
         <a:xfrm>
-          <a:off x="39" y="644115"/>
-          <a:ext cx="3798093" cy="3868734"/>
+          <a:off x="41" y="665926"/>
+          <a:ext cx="3940121" cy="3767512"/>
         </a:xfrm>
         <a:prstGeom prst="rect">
           <a:avLst/>
@@ -1704,27 +2288,12 @@
         <a:fontRef idx="minor"/>
       </dsp:style>
       <dsp:txBody>
-        <a:bodyPr spcFirstLastPara="0" vert="horz" wrap="square" lIns="106680" tIns="106680" rIns="142240" bIns="160020" numCol="1" spcCol="1270" anchor="t" anchorCtr="0">
+        <a:bodyPr spcFirstLastPara="0" vert="horz" wrap="square" lIns="96012" tIns="96012" rIns="128016" bIns="144018" numCol="1" spcCol="1270" anchor="t" anchorCtr="0">
           <a:noAutofit/>
         </a:bodyPr>
         <a:lstStyle/>
         <a:p>
-          <a:pPr marL="228600" lvl="1" indent="-228600" algn="l" defTabSz="889000">
-            <a:lnSpc>
-              <a:spcPct val="90000"/>
-            </a:lnSpc>
-            <a:spcBef>
-              <a:spcPct val="0"/>
-            </a:spcBef>
-            <a:spcAft>
-              <a:spcPct val="15000"/>
-            </a:spcAft>
-            <a:buChar char="•"/>
-          </a:pPr>
-          <a:endParaRPr lang="en-US" sz="2000" kern="1200" dirty="0"/>
-        </a:p>
-        <a:p>
-          <a:pPr marL="228600" lvl="1" indent="-228600" algn="l" defTabSz="889000">
+          <a:pPr marL="171450" lvl="1" indent="-171450" algn="l" defTabSz="800100">
             <a:lnSpc>
               <a:spcPct val="90000"/>
             </a:lnSpc>
@@ -1737,12 +2306,12 @@
             <a:buChar char="•"/>
           </a:pPr>
           <a:r>
-            <a:rPr lang="en-US" sz="2000" kern="1200" dirty="0"/>
-            <a:t>Standardize primary situation in fire incident data</a:t>
+            <a:rPr lang="en-US" sz="1800" kern="1200" dirty="0"/>
+            <a:t>Standardize primary situation in fire incident data.</a:t>
           </a:r>
         </a:p>
         <a:p>
-          <a:pPr marL="228600" lvl="1" indent="-228600" algn="l" defTabSz="889000">
+          <a:pPr marL="171450" lvl="1" indent="-171450" algn="l" defTabSz="800100">
             <a:lnSpc>
               <a:spcPct val="90000"/>
             </a:lnSpc>
@@ -1755,22 +2324,58 @@
             <a:buChar char="•"/>
           </a:pPr>
           <a:r>
-            <a:rPr lang="en-US" sz="2000" kern="1200" dirty="0"/>
+            <a:rPr lang="en-US" sz="1800" kern="1200" dirty="0"/>
             <a:t>Standardize </a:t>
           </a:r>
           <a:r>
-            <a:rPr lang="en-US" sz="2000" kern="1200" dirty="0" err="1"/>
+            <a:rPr lang="en-US" sz="1800" kern="1200" dirty="0" err="1"/>
             <a:t>action_taken_primary</a:t>
           </a:r>
           <a:r>
-            <a:rPr lang="en-US" sz="2000" kern="1200" dirty="0"/>
-            <a:t> field in fire incident data</a:t>
+            <a:rPr lang="en-US" sz="1800" kern="1200" dirty="0"/>
+            <a:t> field in fire incident data.</a:t>
+          </a:r>
+        </a:p>
+        <a:p>
+          <a:pPr marL="171450" lvl="1" indent="-171450" algn="l" defTabSz="800100">
+            <a:lnSpc>
+              <a:spcPct val="90000"/>
+            </a:lnSpc>
+            <a:spcBef>
+              <a:spcPct val="0"/>
+            </a:spcBef>
+            <a:spcAft>
+              <a:spcPct val="15000"/>
+            </a:spcAft>
+            <a:buChar char="•"/>
+          </a:pPr>
+          <a:r>
+            <a:rPr lang="en-US" sz="1800" kern="1200" dirty="0"/>
+            <a:t>Integrate parcel spatial join into SFFD data pipelines so it doesn’t need to be done after the fact (single source of truth).</a:t>
+          </a:r>
+        </a:p>
+        <a:p>
+          <a:pPr marL="171450" lvl="1" indent="-171450" algn="l" defTabSz="800100">
+            <a:lnSpc>
+              <a:spcPct val="90000"/>
+            </a:lnSpc>
+            <a:spcBef>
+              <a:spcPct val="0"/>
+            </a:spcBef>
+            <a:spcAft>
+              <a:spcPct val="15000"/>
+            </a:spcAft>
+            <a:buChar char="•"/>
+          </a:pPr>
+          <a:r>
+            <a:rPr lang="en-US" sz="1800" kern="1200" dirty="0"/>
+            <a:t>Integrate real-time flag in SFFD R-2 database for pending/recent DBI violations</a:t>
           </a:r>
         </a:p>
       </dsp:txBody>
       <dsp:txXfrm>
-        <a:off x="39" y="644115"/>
-        <a:ext cx="3798093" cy="3868734"/>
+        <a:off x="41" y="665926"/>
+        <a:ext cx="3940121" cy="3767512"/>
       </dsp:txXfrm>
     </dsp:sp>
     <dsp:sp modelId="{9318A5C0-4AD3-4A42-A602-4EC3E400BFDE}">
@@ -1780,8 +2385,8 @@
       </dsp:nvSpPr>
       <dsp:spPr>
         <a:xfrm>
-          <a:off x="4329866" y="68115"/>
-          <a:ext cx="3798093" cy="576000"/>
+          <a:off x="4491779" y="147526"/>
+          <a:ext cx="3940121" cy="518400"/>
         </a:xfrm>
         <a:prstGeom prst="rect">
           <a:avLst/>
@@ -1822,12 +2427,12 @@
         </a:fontRef>
       </dsp:style>
       <dsp:txBody>
-        <a:bodyPr spcFirstLastPara="0" vert="horz" wrap="square" lIns="142240" tIns="81280" rIns="142240" bIns="81280" numCol="1" spcCol="1270" anchor="ctr" anchorCtr="0">
+        <a:bodyPr spcFirstLastPara="0" vert="horz" wrap="square" lIns="128016" tIns="73152" rIns="128016" bIns="73152" numCol="1" spcCol="1270" anchor="ctr" anchorCtr="0">
           <a:noAutofit/>
         </a:bodyPr>
         <a:lstStyle/>
         <a:p>
-          <a:pPr marL="0" lvl="0" indent="0" algn="ctr" defTabSz="889000">
+          <a:pPr marL="0" lvl="0" indent="0" algn="ctr" defTabSz="800100">
             <a:lnSpc>
               <a:spcPct val="90000"/>
             </a:lnSpc>
@@ -1840,14 +2445,14 @@
             <a:buNone/>
           </a:pPr>
           <a:r>
-            <a:rPr lang="en-US" sz="2000" kern="1200" dirty="0"/>
+            <a:rPr lang="en-US" sz="1800" kern="1200" dirty="0"/>
             <a:t>DBI</a:t>
           </a:r>
         </a:p>
       </dsp:txBody>
       <dsp:txXfrm>
-        <a:off x="4329866" y="68115"/>
-        <a:ext cx="3798093" cy="576000"/>
+        <a:off x="4491779" y="147526"/>
+        <a:ext cx="3940121" cy="518400"/>
       </dsp:txXfrm>
     </dsp:sp>
     <dsp:sp modelId="{8F826C78-B259-DF41-BB93-88158EA1366C}">
@@ -1857,8 +2462,8 @@
       </dsp:nvSpPr>
       <dsp:spPr>
         <a:xfrm>
-          <a:off x="4329866" y="644115"/>
-          <a:ext cx="3798093" cy="3868734"/>
+          <a:off x="4491779" y="665926"/>
+          <a:ext cx="3940121" cy="3767512"/>
         </a:xfrm>
         <a:prstGeom prst="rect">
           <a:avLst/>
@@ -1901,12 +2506,12 @@
         <a:fontRef idx="minor"/>
       </dsp:style>
       <dsp:txBody>
-        <a:bodyPr spcFirstLastPara="0" vert="horz" wrap="square" lIns="106680" tIns="106680" rIns="142240" bIns="160020" numCol="1" spcCol="1270" anchor="t" anchorCtr="0">
+        <a:bodyPr spcFirstLastPara="0" vert="horz" wrap="square" lIns="96012" tIns="96012" rIns="128016" bIns="144018" numCol="1" spcCol="1270" anchor="t" anchorCtr="0">
           <a:noAutofit/>
         </a:bodyPr>
         <a:lstStyle/>
         <a:p>
-          <a:pPr marL="228600" lvl="1" indent="-228600" algn="l" defTabSz="889000">
+          <a:pPr marL="171450" lvl="1" indent="-171450" algn="l" defTabSz="800100">
             <a:lnSpc>
               <a:spcPct val="90000"/>
             </a:lnSpc>
@@ -1919,12 +2524,12 @@
             <a:buChar char="•"/>
           </a:pPr>
           <a:r>
-            <a:rPr lang="en-US" sz="2000" kern="1200" dirty="0"/>
+            <a:rPr lang="en-US" sz="1800" kern="1200" dirty="0"/>
             <a:t>Provide addition select boxes for complain types on complaint form (appears to be mainly text).</a:t>
           </a:r>
         </a:p>
         <a:p>
-          <a:pPr marL="228600" lvl="1" indent="-228600" algn="l" defTabSz="889000">
+          <a:pPr marL="171450" lvl="1" indent="-171450" algn="l" defTabSz="800100">
             <a:lnSpc>
               <a:spcPct val="90000"/>
             </a:lnSpc>
@@ -1937,12 +2542,12 @@
             <a:buChar char="•"/>
           </a:pPr>
           <a:r>
-            <a:rPr lang="en-US" sz="2000" kern="1200" dirty="0"/>
+            <a:rPr lang="en-US" sz="1800" kern="1200" dirty="0"/>
             <a:t>Use NLP to pull out keywords from text fields.</a:t>
           </a:r>
         </a:p>
         <a:p>
-          <a:pPr marL="228600" lvl="1" indent="-228600" algn="l" defTabSz="889000">
+          <a:pPr marL="171450" lvl="1" indent="-171450" algn="l" defTabSz="800100">
             <a:lnSpc>
               <a:spcPct val="90000"/>
             </a:lnSpc>
@@ -1955,12 +2560,12 @@
             <a:buChar char="•"/>
           </a:pPr>
           <a:r>
-            <a:rPr lang="en-US" sz="2000" kern="1200" dirty="0"/>
+            <a:rPr lang="en-US" sz="1800" kern="1200" dirty="0"/>
             <a:t>Communicate active fire-related complaints. associated with R-2 to SFFD for prioritization.</a:t>
           </a:r>
         </a:p>
         <a:p>
-          <a:pPr marL="228600" lvl="1" indent="-228600" algn="l" defTabSz="889000">
+          <a:pPr marL="171450" lvl="1" indent="-171450" algn="l" defTabSz="800100">
             <a:lnSpc>
               <a:spcPct val="90000"/>
             </a:lnSpc>
@@ -1973,14 +2578,32 @@
             <a:buChar char="•"/>
           </a:pPr>
           <a:r>
-            <a:rPr lang="en-US" sz="2000" kern="1200" dirty="0"/>
+            <a:rPr lang="en-US" sz="1800" kern="1200" dirty="0"/>
             <a:t>Perform additional NLP on violations text to enrich data on violation concern.</a:t>
+          </a:r>
+        </a:p>
+        <a:p>
+          <a:pPr marL="171450" lvl="1" indent="-171450" algn="l" defTabSz="800100">
+            <a:lnSpc>
+              <a:spcPct val="90000"/>
+            </a:lnSpc>
+            <a:spcBef>
+              <a:spcPct val="0"/>
+            </a:spcBef>
+            <a:spcAft>
+              <a:spcPct val="15000"/>
+            </a:spcAft>
+            <a:buChar char="•"/>
+          </a:pPr>
+          <a:r>
+            <a:rPr lang="en-US" sz="1800" kern="1200" dirty="0"/>
+            <a:t>Integrate real-time flag in DBI R-2 database for pending/recent SFFD violations</a:t>
           </a:r>
         </a:p>
       </dsp:txBody>
       <dsp:txXfrm>
-        <a:off x="4329866" y="644115"/>
-        <a:ext cx="3798093" cy="3868734"/>
+        <a:off x="4491779" y="665926"/>
+        <a:ext cx="3940121" cy="3767512"/>
       </dsp:txXfrm>
     </dsp:sp>
   </dsp:spTree>
@@ -9009,14 +9632,34 @@
             <p:ph type="ctrTitle"/>
           </p:nvPr>
         </p:nvSpPr>
-        <p:spPr/>
+        <p:spPr>
+          <a:xfrm>
+            <a:off x="578734" y="1365813"/>
+            <a:ext cx="8924081" cy="2685023"/>
+          </a:xfrm>
+        </p:spPr>
         <p:txBody>
           <a:bodyPr/>
           <a:lstStyle/>
           <a:p>
             <a:r>
-              <a:rPr lang="en-US" dirty="0"/>
-              <a:t>San Francisco Police Department Data Science Interview Project</a:t>
+              <a:rPr lang="en-US" sz="4400" dirty="0">
+                <a:solidFill>
+                  <a:schemeClr val="accent2"/>
+                </a:solidFill>
+              </a:rPr>
+              <a:t>San Francisco Police Department</a:t>
+            </a:r>
+            <a:r>
+              <a:rPr lang="en-US" sz="4400" dirty="0"/>
+              <a:t> </a:t>
+            </a:r>
+            <a:br>
+              <a:rPr lang="en-US" sz="4400" dirty="0"/>
+            </a:br>
+            <a:r>
+              <a:rPr lang="en-US" sz="4400" dirty="0"/>
+              <a:t>Data Science Interview Project</a:t>
             </a:r>
           </a:p>
         </p:txBody>
@@ -9039,17 +9682,19 @@
         </p:nvSpPr>
         <p:spPr/>
         <p:txBody>
-          <a:bodyPr/>
+          <a:bodyPr>
+            <a:normAutofit/>
+          </a:bodyPr>
           <a:lstStyle/>
           <a:p>
             <a:r>
-              <a:rPr lang="en-US" dirty="0"/>
+              <a:rPr lang="en-US" sz="2000" dirty="0"/>
               <a:t>Justin Irving</a:t>
             </a:r>
           </a:p>
           <a:p>
             <a:r>
-              <a:rPr lang="en-US" dirty="0"/>
+              <a:rPr lang="en-US" sz="2000" dirty="0"/>
               <a:t>2/1/2024</a:t>
             </a:r>
           </a:p>
@@ -9059,6 +9704,716 @@
     <p:extLst>
       <p:ext uri="{BB962C8B-B14F-4D97-AF65-F5344CB8AC3E}">
         <p14:creationId xmlns:p14="http://schemas.microsoft.com/office/powerpoint/2010/main" val="4125464415"/>
+      </p:ext>
+    </p:extLst>
+  </p:cSld>
+  <p:clrMapOvr>
+    <a:masterClrMapping/>
+  </p:clrMapOvr>
+</p:sld>
+</file>
+
+<file path=ppt/slides/slide10.xml><?xml version="1.0" encoding="utf-8"?>
+<p:sld xmlns:a="http://schemas.openxmlformats.org/drawingml/2006/main" xmlns:r="http://schemas.openxmlformats.org/officeDocument/2006/relationships" xmlns:p="http://schemas.openxmlformats.org/presentationml/2006/main">
+  <p:cSld>
+    <p:spTree>
+      <p:nvGrpSpPr>
+        <p:cNvPr id="1" name="">
+          <a:extLst>
+            <a:ext uri="{FF2B5EF4-FFF2-40B4-BE49-F238E27FC236}">
+              <a16:creationId xmlns:a16="http://schemas.microsoft.com/office/drawing/2014/main" id="{D8D735D9-E721-AB4F-43D7-8B11AE19B3FC}"/>
+            </a:ext>
+          </a:extLst>
+        </p:cNvPr>
+        <p:cNvGrpSpPr/>
+        <p:nvPr/>
+      </p:nvGrpSpPr>
+      <p:grpSpPr>
+        <a:xfrm>
+          <a:off x="0" y="0"/>
+          <a:ext cx="0" cy="0"/>
+          <a:chOff x="0" y="0"/>
+          <a:chExt cx="0" cy="0"/>
+        </a:xfrm>
+      </p:grpSpPr>
+      <p:sp>
+        <p:nvSpPr>
+          <p:cNvPr id="2" name="Title 1">
+            <a:extLst>
+              <a:ext uri="{FF2B5EF4-FFF2-40B4-BE49-F238E27FC236}">
+                <a16:creationId xmlns:a16="http://schemas.microsoft.com/office/drawing/2014/main" id="{D50EC21A-8CEA-F63E-579E-670085AF4EEE}"/>
+              </a:ext>
+            </a:extLst>
+          </p:cNvPr>
+          <p:cNvSpPr>
+            <a:spLocks noGrp="1"/>
+          </p:cNvSpPr>
+          <p:nvPr>
+            <p:ph type="title"/>
+          </p:nvPr>
+        </p:nvSpPr>
+        <p:spPr>
+          <a:xfrm>
+            <a:off x="677333" y="609600"/>
+            <a:ext cx="9230595" cy="686765"/>
+          </a:xfrm>
+        </p:spPr>
+        <p:txBody>
+          <a:bodyPr/>
+          <a:lstStyle/>
+          <a:p>
+            <a:r>
+              <a:rPr lang="en-US" dirty="0"/>
+              <a:t>Next Steps</a:t>
+            </a:r>
+          </a:p>
+        </p:txBody>
+      </p:sp>
+      <p:sp>
+        <p:nvSpPr>
+          <p:cNvPr id="6" name="Content Placeholder 5">
+            <a:extLst>
+              <a:ext uri="{FF2B5EF4-FFF2-40B4-BE49-F238E27FC236}">
+                <a16:creationId xmlns:a16="http://schemas.microsoft.com/office/drawing/2014/main" id="{BAAB5287-28B0-A63C-FEE4-F6B71A4A3951}"/>
+              </a:ext>
+            </a:extLst>
+          </p:cNvPr>
+          <p:cNvSpPr>
+            <a:spLocks noGrp="1"/>
+          </p:cNvSpPr>
+          <p:nvPr>
+            <p:ph idx="1"/>
+          </p:nvPr>
+        </p:nvSpPr>
+        <p:spPr>
+          <a:xfrm>
+            <a:off x="677333" y="1296364"/>
+            <a:ext cx="8651861" cy="5440102"/>
+          </a:xfrm>
+        </p:spPr>
+        <p:txBody>
+          <a:bodyPr>
+            <a:normAutofit fontScale="85000" lnSpcReduction="10000"/>
+          </a:bodyPr>
+          <a:lstStyle/>
+          <a:p>
+            <a:r>
+              <a:rPr lang="en-US" sz="2000" dirty="0"/>
+              <a:t>Meet with stakeholders to confirm understanding of the following:</a:t>
+            </a:r>
+          </a:p>
+          <a:p>
+            <a:pPr lvl="1"/>
+            <a:r>
+              <a:rPr lang="en-US" sz="1800" dirty="0"/>
+              <a:t>Definition of “high-risk” buildings.</a:t>
+            </a:r>
+          </a:p>
+          <a:p>
+            <a:pPr lvl="1"/>
+            <a:r>
+              <a:rPr lang="en-US" sz="1800" dirty="0"/>
+              <a:t>Benefits of inspection prioritization and how it can be used to improve operations. </a:t>
+            </a:r>
+          </a:p>
+          <a:p>
+            <a:pPr lvl="1"/>
+            <a:r>
+              <a:rPr lang="en-US" sz="1800" dirty="0"/>
+              <a:t>Confirm/determine “base truth” logic for identifying R-2 parcels.</a:t>
+            </a:r>
+          </a:p>
+          <a:p>
+            <a:pPr lvl="1"/>
+            <a:r>
+              <a:rPr lang="en-US" sz="1800" dirty="0"/>
+              <a:t>Gain better understanding of assessor variables and reconsider how they could be used in analysis.</a:t>
+            </a:r>
+          </a:p>
+          <a:p>
+            <a:r>
+              <a:rPr lang="en-US" sz="2000" dirty="0"/>
+              <a:t>Additional analysis to:</a:t>
+            </a:r>
+          </a:p>
+          <a:p>
+            <a:pPr lvl="1"/>
+            <a:r>
+              <a:rPr lang="en-US" sz="1800" dirty="0"/>
+              <a:t>Consider adding available building permit information to analysis so recent construction can be targeted.</a:t>
+            </a:r>
+          </a:p>
+          <a:p>
+            <a:pPr lvl="1"/>
+            <a:r>
+              <a:rPr lang="en-US" sz="1800" dirty="0"/>
+              <a:t>Conduct more complex joining between violation flags from DBI to SFFD and vice-versa.</a:t>
+            </a:r>
+          </a:p>
+          <a:p>
+            <a:pPr lvl="1"/>
+            <a:r>
+              <a:rPr lang="en-US" sz="1800" dirty="0"/>
+              <a:t>Research available tools and methods for prioritizing fire inspections (e.g. Property Inspection Tool)</a:t>
+            </a:r>
+          </a:p>
+          <a:p>
+            <a:r>
+              <a:rPr lang="en-US" sz="2000" dirty="0"/>
+              <a:t>Data Housekeeping</a:t>
+            </a:r>
+          </a:p>
+          <a:p>
+            <a:pPr lvl="1"/>
+            <a:r>
+              <a:rPr lang="en-US" sz="1800" dirty="0"/>
+              <a:t>Functionalize more code, additional commenting</a:t>
+            </a:r>
+          </a:p>
+          <a:p>
+            <a:pPr lvl="1"/>
+            <a:r>
+              <a:rPr lang="en-US" sz="1800" dirty="0"/>
+              <a:t>Set-up SQL transformations (if that is how intermediate data is ultimately stored) in </a:t>
+            </a:r>
+            <a:r>
+              <a:rPr lang="en-US" sz="1800" dirty="0" err="1"/>
+              <a:t>dbt</a:t>
+            </a:r>
+            <a:r>
+              <a:rPr lang="en-US" sz="1800" dirty="0"/>
+              <a:t> </a:t>
+            </a:r>
+          </a:p>
+          <a:p>
+            <a:pPr lvl="1"/>
+            <a:r>
+              <a:rPr lang="en-US" sz="1800" dirty="0"/>
+              <a:t>Tie entire data pipeline together using orchestration tool (e.g. Airflow)</a:t>
+            </a:r>
+          </a:p>
+          <a:p>
+            <a:pPr lvl="1"/>
+            <a:endParaRPr lang="en-US" sz="1800" dirty="0"/>
+          </a:p>
+        </p:txBody>
+      </p:sp>
+    </p:spTree>
+    <p:extLst>
+      <p:ext uri="{BB962C8B-B14F-4D97-AF65-F5344CB8AC3E}">
+        <p14:creationId xmlns:p14="http://schemas.microsoft.com/office/powerpoint/2010/main" val="363192555"/>
+      </p:ext>
+    </p:extLst>
+  </p:cSld>
+  <p:clrMapOvr>
+    <a:masterClrMapping/>
+  </p:clrMapOvr>
+</p:sld>
+</file>
+
+<file path=ppt/slides/slide11.xml><?xml version="1.0" encoding="utf-8"?>
+<p:sld xmlns:a="http://schemas.openxmlformats.org/drawingml/2006/main" xmlns:r="http://schemas.openxmlformats.org/officeDocument/2006/relationships" xmlns:p="http://schemas.openxmlformats.org/presentationml/2006/main">
+  <p:cSld>
+    <p:spTree>
+      <p:nvGrpSpPr>
+        <p:cNvPr id="1" name=""/>
+        <p:cNvGrpSpPr/>
+        <p:nvPr/>
+      </p:nvGrpSpPr>
+      <p:grpSpPr>
+        <a:xfrm>
+          <a:off x="0" y="0"/>
+          <a:ext cx="0" cy="0"/>
+          <a:chOff x="0" y="0"/>
+          <a:chExt cx="0" cy="0"/>
+        </a:xfrm>
+      </p:grpSpPr>
+      <p:sp>
+        <p:nvSpPr>
+          <p:cNvPr id="2" name="Title 1">
+            <a:extLst>
+              <a:ext uri="{FF2B5EF4-FFF2-40B4-BE49-F238E27FC236}">
+                <a16:creationId xmlns:a16="http://schemas.microsoft.com/office/drawing/2014/main" id="{AA4B7AAB-522A-AD05-49EF-C47D7AB1D6E6}"/>
+              </a:ext>
+            </a:extLst>
+          </p:cNvPr>
+          <p:cNvSpPr>
+            <a:spLocks noGrp="1"/>
+          </p:cNvSpPr>
+          <p:nvPr>
+            <p:ph type="title"/>
+          </p:nvPr>
+        </p:nvSpPr>
+        <p:spPr/>
+        <p:txBody>
+          <a:bodyPr/>
+          <a:lstStyle/>
+          <a:p>
+            <a:r>
+              <a:rPr lang="en-US" dirty="0"/>
+              <a:t>Recommendations to Improve Data Sources</a:t>
+            </a:r>
+          </a:p>
+        </p:txBody>
+      </p:sp>
+      <p:graphicFrame>
+        <p:nvGraphicFramePr>
+          <p:cNvPr id="4" name="Diagram 3">
+            <a:extLst>
+              <a:ext uri="{FF2B5EF4-FFF2-40B4-BE49-F238E27FC236}">
+                <a16:creationId xmlns:a16="http://schemas.microsoft.com/office/drawing/2014/main" id="{6AE38DEA-E6AA-FC17-66C9-74C19005FE9A}"/>
+              </a:ext>
+            </a:extLst>
+          </p:cNvPr>
+          <p:cNvGraphicFramePr/>
+          <p:nvPr>
+            <p:extLst>
+              <p:ext uri="{D42A27DB-BD31-4B8C-83A1-F6EECF244321}">
+                <p14:modId xmlns:p14="http://schemas.microsoft.com/office/powerpoint/2010/main" val="3368907135"/>
+              </p:ext>
+            </p:extLst>
+          </p:nvPr>
+        </p:nvGraphicFramePr>
+        <p:xfrm>
+          <a:off x="677334" y="1930400"/>
+          <a:ext cx="8431942" cy="4580965"/>
+        </p:xfrm>
+        <a:graphic>
+          <a:graphicData uri="http://schemas.openxmlformats.org/drawingml/2006/diagram">
+            <dgm:relIds xmlns:dgm="http://schemas.openxmlformats.org/drawingml/2006/diagram" xmlns:r="http://schemas.openxmlformats.org/officeDocument/2006/relationships" r:dm="rId2" r:lo="rId3" r:qs="rId4" r:cs="rId5"/>
+          </a:graphicData>
+        </a:graphic>
+      </p:graphicFrame>
+    </p:spTree>
+    <p:extLst>
+      <p:ext uri="{BB962C8B-B14F-4D97-AF65-F5344CB8AC3E}">
+        <p14:creationId xmlns:p14="http://schemas.microsoft.com/office/powerpoint/2010/main" val="851166892"/>
+      </p:ext>
+    </p:extLst>
+  </p:cSld>
+  <p:clrMapOvr>
+    <a:masterClrMapping/>
+  </p:clrMapOvr>
+</p:sld>
+</file>
+
+<file path=ppt/slides/slide12.xml><?xml version="1.0" encoding="utf-8"?>
+<p:sld xmlns:a="http://schemas.openxmlformats.org/drawingml/2006/main" xmlns:r="http://schemas.openxmlformats.org/officeDocument/2006/relationships" xmlns:p="http://schemas.openxmlformats.org/presentationml/2006/main">
+  <p:cSld>
+    <p:spTree>
+      <p:nvGrpSpPr>
+        <p:cNvPr id="1" name="">
+          <a:extLst>
+            <a:ext uri="{FF2B5EF4-FFF2-40B4-BE49-F238E27FC236}">
+              <a16:creationId xmlns:a16="http://schemas.microsoft.com/office/drawing/2014/main" id="{37EE42A0-259C-9B35-C4BA-0D0F91BB3269}"/>
+            </a:ext>
+          </a:extLst>
+        </p:cNvPr>
+        <p:cNvGrpSpPr/>
+        <p:nvPr/>
+      </p:nvGrpSpPr>
+      <p:grpSpPr>
+        <a:xfrm>
+          <a:off x="0" y="0"/>
+          <a:ext cx="0" cy="0"/>
+          <a:chOff x="0" y="0"/>
+          <a:chExt cx="0" cy="0"/>
+        </a:xfrm>
+      </p:grpSpPr>
+      <p:sp>
+        <p:nvSpPr>
+          <p:cNvPr id="2" name="Title 1">
+            <a:extLst>
+              <a:ext uri="{FF2B5EF4-FFF2-40B4-BE49-F238E27FC236}">
+                <a16:creationId xmlns:a16="http://schemas.microsoft.com/office/drawing/2014/main" id="{DB7FA098-46BC-CCF6-1159-16EF8DD9D17C}"/>
+              </a:ext>
+            </a:extLst>
+          </p:cNvPr>
+          <p:cNvSpPr>
+            <a:spLocks noGrp="1"/>
+          </p:cNvSpPr>
+          <p:nvPr>
+            <p:ph type="title"/>
+          </p:nvPr>
+        </p:nvSpPr>
+        <p:spPr/>
+        <p:txBody>
+          <a:bodyPr/>
+          <a:lstStyle/>
+          <a:p>
+            <a:r>
+              <a:rPr lang="en-US" dirty="0"/>
+              <a:t>Additional Information and Resources</a:t>
+            </a:r>
+          </a:p>
+        </p:txBody>
+      </p:sp>
+      <p:sp>
+        <p:nvSpPr>
+          <p:cNvPr id="3" name="Content Placeholder 5">
+            <a:extLst>
+              <a:ext uri="{FF2B5EF4-FFF2-40B4-BE49-F238E27FC236}">
+                <a16:creationId xmlns:a16="http://schemas.microsoft.com/office/drawing/2014/main" id="{15BB7AB1-4241-733E-FEE8-7B81A0FC6172}"/>
+              </a:ext>
+            </a:extLst>
+          </p:cNvPr>
+          <p:cNvSpPr>
+            <a:spLocks noGrp="1"/>
+          </p:cNvSpPr>
+          <p:nvPr>
+            <p:ph idx="1"/>
+          </p:nvPr>
+        </p:nvSpPr>
+        <p:spPr>
+          <a:xfrm>
+            <a:off x="677334" y="1296365"/>
+            <a:ext cx="8596668" cy="1062941"/>
+          </a:xfrm>
+        </p:spPr>
+        <p:txBody>
+          <a:bodyPr>
+            <a:normAutofit/>
+          </a:bodyPr>
+          <a:lstStyle/>
+          <a:p>
+            <a:r>
+              <a:rPr lang="en-US" sz="2000" dirty="0"/>
+              <a:t>All code is on my GitHub repository available at: </a:t>
+            </a:r>
+            <a:r>
+              <a:rPr lang="en-US" sz="2000" dirty="0">
+                <a:hlinkClick r:id="rId2"/>
+              </a:rPr>
+              <a:t>https://github.com/justinirving314/sfpd_ds_question.git</a:t>
+            </a:r>
+            <a:endParaRPr lang="en-US" sz="2000" dirty="0"/>
+          </a:p>
+          <a:p>
+            <a:endParaRPr lang="en-US" sz="1800" dirty="0"/>
+          </a:p>
+          <a:p>
+            <a:pPr lvl="1"/>
+            <a:endParaRPr lang="en-US" sz="1800" dirty="0"/>
+          </a:p>
+        </p:txBody>
+      </p:sp>
+      <p:pic>
+        <p:nvPicPr>
+          <p:cNvPr id="4100" name="Picture 4" descr="Api - Free computer icons">
+            <a:extLst>
+              <a:ext uri="{FF2B5EF4-FFF2-40B4-BE49-F238E27FC236}">
+                <a16:creationId xmlns:a16="http://schemas.microsoft.com/office/drawing/2014/main" id="{AA994883-4FE9-C00F-6011-0A641B9718F5}"/>
+              </a:ext>
+            </a:extLst>
+          </p:cNvPr>
+          <p:cNvPicPr>
+            <a:picLocks noChangeAspect="1" noChangeArrowheads="1"/>
+          </p:cNvPicPr>
+          <p:nvPr/>
+        </p:nvPicPr>
+        <p:blipFill>
+          <a:blip r:embed="rId3">
+            <a:extLst>
+              <a:ext uri="{28A0092B-C50C-407E-A947-70E740481C1C}">
+                <a14:useLocalDpi xmlns:a14="http://schemas.microsoft.com/office/drawing/2010/main" val="0"/>
+              </a:ext>
+            </a:extLst>
+          </a:blip>
+          <a:srcRect/>
+          <a:stretch>
+            <a:fillRect/>
+          </a:stretch>
+        </p:blipFill>
+        <p:spPr bwMode="auto">
+          <a:xfrm>
+            <a:off x="677334" y="3526751"/>
+            <a:ext cx="1062941" cy="1062941"/>
+          </a:xfrm>
+          <a:prstGeom prst="rect">
+            <a:avLst/>
+          </a:prstGeom>
+          <a:noFill/>
+          <a:extLst>
+            <a:ext uri="{909E8E84-426E-40DD-AFC4-6F175D3DCCD1}">
+              <a14:hiddenFill xmlns:a14="http://schemas.microsoft.com/office/drawing/2010/main">
+                <a:solidFill>
+                  <a:srgbClr val="FFFFFF"/>
+                </a:solidFill>
+              </a14:hiddenFill>
+            </a:ext>
+          </a:extLst>
+        </p:spPr>
+      </p:pic>
+      <p:pic>
+        <p:nvPicPr>
+          <p:cNvPr id="4102" name="Picture 6" descr="The Python Logo | Python Software Foundation">
+            <a:extLst>
+              <a:ext uri="{FF2B5EF4-FFF2-40B4-BE49-F238E27FC236}">
+                <a16:creationId xmlns:a16="http://schemas.microsoft.com/office/drawing/2014/main" id="{3B0647D4-123C-A9EB-AF01-4257D0775F62}"/>
+              </a:ext>
+            </a:extLst>
+          </p:cNvPr>
+          <p:cNvPicPr>
+            <a:picLocks noChangeAspect="1" noChangeArrowheads="1"/>
+          </p:cNvPicPr>
+          <p:nvPr/>
+        </p:nvPicPr>
+        <p:blipFill>
+          <a:blip r:embed="rId4">
+            <a:extLst>
+              <a:ext uri="{28A0092B-C50C-407E-A947-70E740481C1C}">
+                <a14:useLocalDpi xmlns:a14="http://schemas.microsoft.com/office/drawing/2010/main" val="0"/>
+              </a:ext>
+            </a:extLst>
+          </a:blip>
+          <a:srcRect/>
+          <a:stretch>
+            <a:fillRect/>
+          </a:stretch>
+        </p:blipFill>
+        <p:spPr bwMode="auto">
+          <a:xfrm>
+            <a:off x="2782107" y="3737634"/>
+            <a:ext cx="1898249" cy="641173"/>
+          </a:xfrm>
+          <a:prstGeom prst="rect">
+            <a:avLst/>
+          </a:prstGeom>
+          <a:noFill/>
+          <a:extLst>
+            <a:ext uri="{909E8E84-426E-40DD-AFC4-6F175D3DCCD1}">
+              <a14:hiddenFill xmlns:a14="http://schemas.microsoft.com/office/drawing/2010/main">
+                <a:solidFill>
+                  <a:srgbClr val="FFFFFF"/>
+                </a:solidFill>
+              </a14:hiddenFill>
+            </a:ext>
+          </a:extLst>
+        </p:spPr>
+      </p:pic>
+      <p:pic>
+        <p:nvPicPr>
+          <p:cNvPr id="4104" name="Picture 8" descr="20 Postgresql Icons - Free in SVG, PNG, ICO - IconScout">
+            <a:extLst>
+              <a:ext uri="{FF2B5EF4-FFF2-40B4-BE49-F238E27FC236}">
+                <a16:creationId xmlns:a16="http://schemas.microsoft.com/office/drawing/2014/main" id="{3DACDD16-4D8E-25E6-3386-FA60F9D47127}"/>
+              </a:ext>
+            </a:extLst>
+          </p:cNvPr>
+          <p:cNvPicPr>
+            <a:picLocks noChangeAspect="1" noChangeArrowheads="1"/>
+          </p:cNvPicPr>
+          <p:nvPr/>
+        </p:nvPicPr>
+        <p:blipFill>
+          <a:blip r:embed="rId5">
+            <a:extLst>
+              <a:ext uri="{28A0092B-C50C-407E-A947-70E740481C1C}">
+                <a14:useLocalDpi xmlns:a14="http://schemas.microsoft.com/office/drawing/2010/main" val="0"/>
+              </a:ext>
+            </a:extLst>
+          </a:blip>
+          <a:srcRect/>
+          <a:stretch>
+            <a:fillRect/>
+          </a:stretch>
+        </p:blipFill>
+        <p:spPr bwMode="auto">
+          <a:xfrm>
+            <a:off x="5475259" y="3341233"/>
+            <a:ext cx="1433974" cy="1433974"/>
+          </a:xfrm>
+          <a:prstGeom prst="rect">
+            <a:avLst/>
+          </a:prstGeom>
+          <a:noFill/>
+          <a:extLst>
+            <a:ext uri="{909E8E84-426E-40DD-AFC4-6F175D3DCCD1}">
+              <a14:hiddenFill xmlns:a14="http://schemas.microsoft.com/office/drawing/2010/main">
+                <a:solidFill>
+                  <a:srgbClr val="FFFFFF"/>
+                </a:solidFill>
+              </a14:hiddenFill>
+            </a:ext>
+          </a:extLst>
+        </p:spPr>
+      </p:pic>
+      <p:pic>
+        <p:nvPicPr>
+          <p:cNvPr id="5" name="Picture 6" descr="The Python Logo | Python Software Foundation">
+            <a:extLst>
+              <a:ext uri="{FF2B5EF4-FFF2-40B4-BE49-F238E27FC236}">
+                <a16:creationId xmlns:a16="http://schemas.microsoft.com/office/drawing/2014/main" id="{88A7C891-6E4A-4C0E-C445-CB720A9155BC}"/>
+              </a:ext>
+            </a:extLst>
+          </p:cNvPr>
+          <p:cNvPicPr>
+            <a:picLocks noChangeAspect="1" noChangeArrowheads="1"/>
+          </p:cNvPicPr>
+          <p:nvPr/>
+        </p:nvPicPr>
+        <p:blipFill>
+          <a:blip r:embed="rId4">
+            <a:extLst>
+              <a:ext uri="{28A0092B-C50C-407E-A947-70E740481C1C}">
+                <a14:useLocalDpi xmlns:a14="http://schemas.microsoft.com/office/drawing/2010/main" val="0"/>
+              </a:ext>
+            </a:extLst>
+          </a:blip>
+          <a:srcRect/>
+          <a:stretch>
+            <a:fillRect/>
+          </a:stretch>
+        </p:blipFill>
+        <p:spPr bwMode="auto">
+          <a:xfrm>
+            <a:off x="7704136" y="3737634"/>
+            <a:ext cx="1898249" cy="641173"/>
+          </a:xfrm>
+          <a:prstGeom prst="rect">
+            <a:avLst/>
+          </a:prstGeom>
+          <a:noFill/>
+          <a:extLst>
+            <a:ext uri="{909E8E84-426E-40DD-AFC4-6F175D3DCCD1}">
+              <a14:hiddenFill xmlns:a14="http://schemas.microsoft.com/office/drawing/2010/main">
+                <a:solidFill>
+                  <a:srgbClr val="FFFFFF"/>
+                </a:solidFill>
+              </a14:hiddenFill>
+            </a:ext>
+          </a:extLst>
+        </p:spPr>
+      </p:pic>
+      <p:cxnSp>
+        <p:nvCxnSpPr>
+          <p:cNvPr id="7" name="Straight Arrow Connector 6">
+            <a:extLst>
+              <a:ext uri="{FF2B5EF4-FFF2-40B4-BE49-F238E27FC236}">
+                <a16:creationId xmlns:a16="http://schemas.microsoft.com/office/drawing/2014/main" id="{6EF49B3C-07AD-6872-B129-C11069DA4E1D}"/>
+              </a:ext>
+            </a:extLst>
+          </p:cNvPr>
+          <p:cNvCxnSpPr>
+            <a:cxnSpLocks/>
+            <a:stCxn id="4100" idx="3"/>
+            <a:endCxn id="4102" idx="1"/>
+          </p:cNvCxnSpPr>
+          <p:nvPr/>
+        </p:nvCxnSpPr>
+        <p:spPr>
+          <a:xfrm flipV="1">
+            <a:off x="1740275" y="4058221"/>
+            <a:ext cx="1041832" cy="1"/>
+          </a:xfrm>
+          <a:prstGeom prst="straightConnector1">
+            <a:avLst/>
+          </a:prstGeom>
+          <a:ln>
+            <a:tailEnd type="triangle"/>
+          </a:ln>
+        </p:spPr>
+        <p:style>
+          <a:lnRef idx="1">
+            <a:schemeClr val="accent1"/>
+          </a:lnRef>
+          <a:fillRef idx="0">
+            <a:schemeClr val="accent1"/>
+          </a:fillRef>
+          <a:effectRef idx="0">
+            <a:schemeClr val="accent1"/>
+          </a:effectRef>
+          <a:fontRef idx="minor">
+            <a:schemeClr val="tx1"/>
+          </a:fontRef>
+        </p:style>
+      </p:cxnSp>
+      <p:cxnSp>
+        <p:nvCxnSpPr>
+          <p:cNvPr id="9" name="Straight Arrow Connector 8">
+            <a:extLst>
+              <a:ext uri="{FF2B5EF4-FFF2-40B4-BE49-F238E27FC236}">
+                <a16:creationId xmlns:a16="http://schemas.microsoft.com/office/drawing/2014/main" id="{8A3C9614-E7E7-0F9C-89D8-9CBF9B8E9797}"/>
+              </a:ext>
+            </a:extLst>
+          </p:cNvPr>
+          <p:cNvCxnSpPr>
+            <a:cxnSpLocks/>
+          </p:cNvCxnSpPr>
+          <p:nvPr/>
+        </p:nvCxnSpPr>
+        <p:spPr>
+          <a:xfrm flipV="1">
+            <a:off x="4556892" y="4040399"/>
+            <a:ext cx="1041832" cy="1"/>
+          </a:xfrm>
+          <a:prstGeom prst="straightConnector1">
+            <a:avLst/>
+          </a:prstGeom>
+          <a:ln>
+            <a:tailEnd type="triangle"/>
+          </a:ln>
+        </p:spPr>
+        <p:style>
+          <a:lnRef idx="1">
+            <a:schemeClr val="accent1"/>
+          </a:lnRef>
+          <a:fillRef idx="0">
+            <a:schemeClr val="accent1"/>
+          </a:fillRef>
+          <a:effectRef idx="0">
+            <a:schemeClr val="accent1"/>
+          </a:effectRef>
+          <a:fontRef idx="minor">
+            <a:schemeClr val="tx1"/>
+          </a:fontRef>
+        </p:style>
+      </p:cxnSp>
+      <p:cxnSp>
+        <p:nvCxnSpPr>
+          <p:cNvPr id="10" name="Straight Arrow Connector 9">
+            <a:extLst>
+              <a:ext uri="{FF2B5EF4-FFF2-40B4-BE49-F238E27FC236}">
+                <a16:creationId xmlns:a16="http://schemas.microsoft.com/office/drawing/2014/main" id="{52EC78FD-55B9-51A5-6705-3DBC47C058C5}"/>
+              </a:ext>
+            </a:extLst>
+          </p:cNvPr>
+          <p:cNvCxnSpPr>
+            <a:cxnSpLocks/>
+          </p:cNvCxnSpPr>
+          <p:nvPr/>
+        </p:nvCxnSpPr>
+        <p:spPr>
+          <a:xfrm flipV="1">
+            <a:off x="6809241" y="4022578"/>
+            <a:ext cx="1041832" cy="1"/>
+          </a:xfrm>
+          <a:prstGeom prst="straightConnector1">
+            <a:avLst/>
+          </a:prstGeom>
+          <a:ln>
+            <a:tailEnd type="triangle"/>
+          </a:ln>
+        </p:spPr>
+        <p:style>
+          <a:lnRef idx="1">
+            <a:schemeClr val="accent1"/>
+          </a:lnRef>
+          <a:fillRef idx="0">
+            <a:schemeClr val="accent1"/>
+          </a:fillRef>
+          <a:effectRef idx="0">
+            <a:schemeClr val="accent1"/>
+          </a:effectRef>
+          <a:fontRef idx="minor">
+            <a:schemeClr val="tx1"/>
+          </a:fontRef>
+        </p:style>
+      </p:cxnSp>
+    </p:spTree>
+    <p:extLst>
+      <p:ext uri="{BB962C8B-B14F-4D97-AF65-F5344CB8AC3E}">
+        <p14:creationId xmlns:p14="http://schemas.microsoft.com/office/powerpoint/2010/main" val="2472911605"/>
       </p:ext>
     </p:extLst>
   </p:cSld>
@@ -9143,13 +10498,13 @@
           <a:p>
             <a:r>
               <a:rPr lang="en-US" sz="2400" dirty="0"/>
-              <a:t>San Francisco Fire Department (SFFD) must inspect R-2’s annually.</a:t>
+              <a:t>The San Francisco Fire Department (SFFD) must inspect properties designated as R-2 annually.</a:t>
             </a:r>
           </a:p>
           <a:p>
             <a:r>
               <a:rPr lang="en-US" sz="2400" dirty="0"/>
-              <a:t>Housing Inspection Services (HIS) must conduct routine inspections of R-2’s at least once every five years.</a:t>
+              <a:t>The Housing Inspection Services (HIS) division of the Department of Building Inspections (DBI) must conduct routine inspections of properties designated as R-2 at least once every five years.</a:t>
             </a:r>
           </a:p>
           <a:p>
@@ -9159,7 +10514,7 @@
             </a:r>
             <a:r>
               <a:rPr lang="en-US" sz="2400" dirty="0"/>
-              <a:t>: how should SFFD and DBI organize their R-2 inspections to prioritize highest risk buildings?</a:t>
+              <a:t>: how can SFFD and DBI prioritize their R-2 inspections to ensure that they are inspecting and identifying the highest risk buildings?</a:t>
             </a:r>
             <a:endParaRPr lang="en-US" sz="2400" b="1" dirty="0"/>
           </a:p>
@@ -9219,17 +10574,19 @@
         </p:nvSpPr>
         <p:spPr>
           <a:xfrm>
-            <a:off x="677334" y="609600"/>
+            <a:off x="677334" y="505425"/>
             <a:ext cx="8596668" cy="976313"/>
           </a:xfrm>
         </p:spPr>
         <p:txBody>
-          <a:bodyPr/>
+          <a:bodyPr>
+            <a:normAutofit/>
+          </a:bodyPr>
           <a:lstStyle/>
           <a:p>
             <a:r>
               <a:rPr lang="en-US" dirty="0"/>
-              <a:t>Initial Considerations for Analysis</a:t>
+              <a:t>Questions and Initial Reasoning</a:t>
             </a:r>
           </a:p>
         </p:txBody>
@@ -9252,8 +10609,8 @@
         </p:nvSpPr>
         <p:spPr>
           <a:xfrm>
-            <a:off x="677334" y="1585913"/>
-            <a:ext cx="8596668" cy="4455449"/>
+            <a:off x="677334" y="1238491"/>
+            <a:ext cx="8941228" cy="5301205"/>
           </a:xfrm>
         </p:spPr>
         <p:txBody>
@@ -9263,57 +10620,61 @@
           <a:lstStyle/>
           <a:p>
             <a:r>
-              <a:rPr lang="en-US" sz="2400" i="1" dirty="0"/>
-              <a:t>What are some factors that define a “risky” building?</a:t>
+              <a:rPr lang="en-US" sz="2400" b="1" dirty="0"/>
+              <a:t>What defines a “high-risk” building?</a:t>
             </a:r>
           </a:p>
           <a:p>
             <a:pPr lvl="1"/>
             <a:r>
               <a:rPr lang="en-US" sz="2200" dirty="0"/>
-              <a:t>Buildings that received a violation (SFFD or HIS) during a routine or or complaint investigation.</a:t>
+              <a:t>Buildings that received a previous violation (SFFD or DBI) during a routine or complaint investigation.</a:t>
             </a:r>
           </a:p>
           <a:p>
             <a:pPr lvl="1"/>
             <a:r>
               <a:rPr lang="en-US" sz="2200" dirty="0"/>
-              <a:t>Buildings that received certain types of violations associated with hazardous conditions.</a:t>
+              <a:t>Buildings that previously received certain types of violations associated with hazardous conditions.</a:t>
             </a:r>
           </a:p>
           <a:p>
             <a:pPr lvl="1"/>
             <a:r>
               <a:rPr lang="en-US" sz="2200" dirty="0"/>
-              <a:t>Buildings where a fire incident occurred.</a:t>
-            </a:r>
-          </a:p>
-          <a:p>
-            <a:r>
-              <a:rPr lang="en-US" sz="2200" dirty="0"/>
-              <a:t>Reasons for prioritization?</a:t>
+              <a:t>Buildings prone to a fire incident or injury.</a:t>
+            </a:r>
+            <a:endParaRPr lang="en-US" sz="2200" i="1" dirty="0"/>
+          </a:p>
+          <a:p>
+            <a:r>
+              <a:rPr lang="en-US" sz="2200" b="1" dirty="0"/>
+              <a:t>What are the benefits of prioritization?</a:t>
             </a:r>
           </a:p>
           <a:p>
             <a:pPr lvl="1"/>
             <a:r>
               <a:rPr lang="en-US" sz="2000" dirty="0"/>
-              <a:t>Is it difficult to complete all inspections with given resources?</a:t>
+              <a:t>“High-risk” buildings can be investigated more often to reduce likelihood of safety incident. </a:t>
             </a:r>
           </a:p>
           <a:p>
             <a:pPr lvl="1"/>
             <a:r>
               <a:rPr lang="en-US" sz="2000" dirty="0"/>
-              <a:t>Do risky buildings need to be addressed as quickly as possible?</a:t>
-            </a:r>
-          </a:p>
-          <a:p>
-            <a:pPr lvl="1"/>
-            <a:r>
-              <a:rPr lang="en-US" sz="2000" i="1" dirty="0"/>
-              <a:t>Both?</a:t>
-            </a:r>
+              <a:t>Focusing on “high-risk” buildings will help both departments make the most of their time and resources.</a:t>
+            </a:r>
+          </a:p>
+          <a:p>
+            <a:pPr marL="0" indent="0">
+              <a:buNone/>
+            </a:pPr>
+            <a:r>
+              <a:rPr lang="en-US" i="1" dirty="0"/>
+              <a:t>Note: if this were not a practice project, stakeholders would have been engaged at the beginning to define their concerns and drive analysis.</a:t>
+            </a:r>
+            <a:endParaRPr lang="en-US" dirty="0"/>
           </a:p>
           <a:p>
             <a:pPr lvl="1"/>
@@ -9409,12 +10770,12 @@
         <p:spPr>
           <a:xfrm>
             <a:off x="677333" y="1585913"/>
-            <a:ext cx="9652529" cy="5000625"/>
+            <a:ext cx="8698161" cy="5000625"/>
           </a:xfrm>
         </p:spPr>
         <p:txBody>
           <a:bodyPr>
-            <a:normAutofit fontScale="92500" lnSpcReduction="20000"/>
+            <a:normAutofit fontScale="92500" lnSpcReduction="10000"/>
           </a:bodyPr>
           <a:lstStyle/>
           <a:p>
@@ -9434,7 +10795,7 @@
             </a:pPr>
             <a:r>
               <a:rPr lang="en-US" sz="2200" dirty="0"/>
-              <a:t>Extract data using API.</a:t>
+              <a:t>Understand structure, clean data, perform joins.</a:t>
             </a:r>
           </a:p>
           <a:p>
@@ -9444,17 +10805,7 @@
             </a:pPr>
             <a:r>
               <a:rPr lang="en-US" sz="2200" dirty="0"/>
-              <a:t>Understand structure/data clean-up/joins.</a:t>
-            </a:r>
-          </a:p>
-          <a:p>
-            <a:pPr marL="914400" lvl="1" indent="-457200">
-              <a:buFont typeface="+mj-lt"/>
-              <a:buAutoNum type="arabicPeriod"/>
-            </a:pPr>
-            <a:r>
-              <a:rPr lang="en-US" sz="2200" dirty="0"/>
-              <a:t>Perform basic feature engineering (in some cases).</a:t>
+              <a:t>Perform basic feature engineering as deemed necessary</a:t>
             </a:r>
             <a:endParaRPr lang="en-US" sz="2400" dirty="0"/>
           </a:p>
@@ -9465,41 +10816,27 @@
             </a:pPr>
             <a:r>
               <a:rPr lang="en-US" sz="2400" dirty="0"/>
-              <a:t>Join </a:t>
-            </a:r>
-            <a:r>
-              <a:rPr lang="en-US" sz="2400" b="1" dirty="0"/>
-              <a:t>Assessor Data </a:t>
-            </a:r>
-            <a:r>
-              <a:rPr lang="en-US" sz="2400" dirty="0"/>
-              <a:t>with </a:t>
-            </a:r>
-            <a:r>
-              <a:rPr lang="en-US" sz="2400" b="1" dirty="0"/>
-              <a:t>Incident</a:t>
-            </a:r>
-            <a:r>
-              <a:rPr lang="en-US" sz="2400" dirty="0"/>
-              <a:t> and </a:t>
-            </a:r>
-            <a:r>
-              <a:rPr lang="en-US" sz="2400" b="1" dirty="0"/>
-              <a:t>Inspection Data </a:t>
-            </a:r>
-            <a:r>
-              <a:rPr lang="en-US" sz="2400" dirty="0"/>
-              <a:t>and look for building characteristics that may be linked to increased likelihood of event (violation or incident).</a:t>
-            </a:r>
-          </a:p>
-          <a:p>
-            <a:pPr marL="914400" lvl="1" indent="-457200">
+              <a:t>Check for significant parcel features that correlate with incidents and/or violations.</a:t>
+            </a:r>
+          </a:p>
+          <a:p>
+            <a:pPr marL="857250" lvl="1" indent="-457200">
               <a:buFont typeface="+mj-lt"/>
               <a:buAutoNum type="arabicPeriod"/>
             </a:pPr>
             <a:r>
               <a:rPr lang="en-US" sz="2200" dirty="0"/>
-              <a:t>Join on parcel requiring intermediate spatial join with parcel data in some cases.</a:t>
+              <a:t>Features considered include: property age, construction type, use definition.</a:t>
+            </a:r>
+          </a:p>
+          <a:p>
+            <a:pPr marL="857250" lvl="1" indent="-457200">
+              <a:buFont typeface="+mj-lt"/>
+              <a:buAutoNum type="arabicPeriod"/>
+            </a:pPr>
+            <a:r>
+              <a:rPr lang="en-US" sz="2200" dirty="0"/>
+              <a:t>Cross-reference violations from DBI and SFFD as an additional feature.</a:t>
             </a:r>
           </a:p>
           <a:p>
@@ -9509,17 +10846,7 @@
             </a:pPr>
             <a:r>
               <a:rPr lang="en-US" sz="2400" dirty="0"/>
-              <a:t>Check for significant data features that predict incidents and/or violations.</a:t>
-            </a:r>
-          </a:p>
-          <a:p>
-            <a:pPr marL="457200" indent="-457200">
-              <a:buFont typeface="+mj-lt"/>
-              <a:buAutoNum type="arabicPeriod"/>
-            </a:pPr>
-            <a:r>
-              <a:rPr lang="en-US" sz="2400" dirty="0"/>
-              <a:t>Cross-reference violations from HIS and SFFD to see if this helps understand likelihood of violation in respective department.</a:t>
+              <a:t>Create classification models and check accuracy for SFFD/DBI violations and SFFD incidents.</a:t>
             </a:r>
           </a:p>
           <a:p>
@@ -9548,6 +10875,170 @@
 </file>
 
 <file path=ppt/slides/slide5.xml><?xml version="1.0" encoding="utf-8"?>
+<p:sld xmlns:a="http://schemas.openxmlformats.org/drawingml/2006/main" xmlns:r="http://schemas.openxmlformats.org/officeDocument/2006/relationships" xmlns:p="http://schemas.openxmlformats.org/presentationml/2006/main">
+  <p:cSld>
+    <p:spTree>
+      <p:nvGrpSpPr>
+        <p:cNvPr id="1" name="">
+          <a:extLst>
+            <a:ext uri="{FF2B5EF4-FFF2-40B4-BE49-F238E27FC236}">
+              <a16:creationId xmlns:a16="http://schemas.microsoft.com/office/drawing/2014/main" id="{59157FE5-B24F-D1A5-2095-89C0E6EB7616}"/>
+            </a:ext>
+          </a:extLst>
+        </p:cNvPr>
+        <p:cNvGrpSpPr/>
+        <p:nvPr/>
+      </p:nvGrpSpPr>
+      <p:grpSpPr>
+        <a:xfrm>
+          <a:off x="0" y="0"/>
+          <a:ext cx="0" cy="0"/>
+          <a:chOff x="0" y="0"/>
+          <a:chExt cx="0" cy="0"/>
+        </a:xfrm>
+      </p:grpSpPr>
+      <p:sp>
+        <p:nvSpPr>
+          <p:cNvPr id="2" name="Title 1">
+            <a:extLst>
+              <a:ext uri="{FF2B5EF4-FFF2-40B4-BE49-F238E27FC236}">
+                <a16:creationId xmlns:a16="http://schemas.microsoft.com/office/drawing/2014/main" id="{C8AAB6D9-42B3-1527-8B79-966131FF68E1}"/>
+              </a:ext>
+            </a:extLst>
+          </p:cNvPr>
+          <p:cNvSpPr>
+            <a:spLocks noGrp="1"/>
+          </p:cNvSpPr>
+          <p:nvPr>
+            <p:ph type="title"/>
+          </p:nvPr>
+        </p:nvSpPr>
+        <p:spPr>
+          <a:xfrm>
+            <a:off x="677334" y="609600"/>
+            <a:ext cx="8596668" cy="976313"/>
+          </a:xfrm>
+        </p:spPr>
+        <p:txBody>
+          <a:bodyPr/>
+          <a:lstStyle/>
+          <a:p>
+            <a:r>
+              <a:rPr lang="en-US" dirty="0"/>
+              <a:t>Assumptions</a:t>
+            </a:r>
+          </a:p>
+        </p:txBody>
+      </p:sp>
+      <p:sp>
+        <p:nvSpPr>
+          <p:cNvPr id="3" name="Content Placeholder 2">
+            <a:extLst>
+              <a:ext uri="{FF2B5EF4-FFF2-40B4-BE49-F238E27FC236}">
+                <a16:creationId xmlns:a16="http://schemas.microsoft.com/office/drawing/2014/main" id="{59EF7306-3393-3D14-7E82-2357B3D1BD1A}"/>
+              </a:ext>
+            </a:extLst>
+          </p:cNvPr>
+          <p:cNvSpPr>
+            <a:spLocks noGrp="1"/>
+          </p:cNvSpPr>
+          <p:nvPr>
+            <p:ph idx="1"/>
+          </p:nvPr>
+        </p:nvSpPr>
+        <p:spPr>
+          <a:xfrm>
+            <a:off x="677333" y="1585913"/>
+            <a:ext cx="8813907" cy="4768588"/>
+          </a:xfrm>
+        </p:spPr>
+        <p:txBody>
+          <a:bodyPr>
+            <a:normAutofit lnSpcReduction="10000"/>
+          </a:bodyPr>
+          <a:lstStyle/>
+          <a:p>
+            <a:r>
+              <a:rPr lang="en-US" sz="2000" dirty="0"/>
+              <a:t>R-2 Buildings are parcels that have historically been inspected by the SFFD under the </a:t>
+            </a:r>
+            <a:r>
+              <a:rPr lang="en-US" sz="2000" i="1" dirty="0" err="1"/>
+              <a:t>inspection_type_description</a:t>
+            </a:r>
+            <a:r>
+              <a:rPr lang="en-US" sz="2000" i="1" dirty="0"/>
+              <a:t> </a:t>
+            </a:r>
+            <a:r>
+              <a:rPr lang="en-US" sz="2000" dirty="0"/>
+              <a:t>“R2 Company Inspection”</a:t>
+            </a:r>
+          </a:p>
+          <a:p>
+            <a:pPr lvl="1"/>
+            <a:r>
+              <a:rPr lang="en-US" sz="1800" dirty="0"/>
+              <a:t>Tried to classify R-2’s using custom logic based on assessor data and criteria from the problem statement, but SFFD inspection data was used for this initial analysis. </a:t>
+            </a:r>
+          </a:p>
+          <a:p>
+            <a:pPr lvl="1"/>
+            <a:r>
+              <a:rPr lang="en-US" sz="1800" i="1" dirty="0"/>
+              <a:t>In practice, this would have been resolved with subject matter experts (SME) before analysis.</a:t>
+            </a:r>
+          </a:p>
+          <a:p>
+            <a:r>
+              <a:rPr lang="en-US" sz="2000" dirty="0"/>
+              <a:t>Fire incident data:</a:t>
+            </a:r>
+          </a:p>
+          <a:p>
+            <a:pPr lvl="1"/>
+            <a:r>
+              <a:rPr lang="en-US" sz="1800" dirty="0"/>
+              <a:t>Incidents that did not correspond to a parcel were removed (e.g. car fires at intersection).</a:t>
+            </a:r>
+          </a:p>
+          <a:p>
+            <a:pPr lvl="1"/>
+            <a:r>
+              <a:rPr lang="en-US" sz="1800" dirty="0"/>
+              <a:t>Fire incident data pertaining to a parcel was filtered to only include the codes for building fire to only focus on events that could have been precipitated by a building issue.</a:t>
+            </a:r>
+          </a:p>
+          <a:p>
+            <a:pPr lvl="1"/>
+            <a:r>
+              <a:rPr lang="en-US" sz="1800" i="1" dirty="0"/>
+              <a:t>In practice, these assumptions would also be discussed and reconsidered with input from SME’s.</a:t>
+            </a:r>
+          </a:p>
+          <a:p>
+            <a:endParaRPr lang="en-US" sz="2000" dirty="0"/>
+          </a:p>
+          <a:p>
+            <a:pPr lvl="1"/>
+            <a:endParaRPr lang="en-US" sz="2200" dirty="0"/>
+          </a:p>
+        </p:txBody>
+      </p:sp>
+    </p:spTree>
+    <p:extLst>
+      <p:ext uri="{BB962C8B-B14F-4D97-AF65-F5344CB8AC3E}">
+        <p14:creationId xmlns:p14="http://schemas.microsoft.com/office/powerpoint/2010/main" val="3220334794"/>
+      </p:ext>
+    </p:extLst>
+  </p:cSld>
+  <p:clrMapOvr>
+    <a:masterClrMapping/>
+  </p:clrMapOvr>
+</p:sld>
+</file>
+
+<file path=ppt/slides/slide6.xml><?xml version="1.0" encoding="utf-8"?>
 <p:sld xmlns:a="http://schemas.openxmlformats.org/drawingml/2006/main" xmlns:r="http://schemas.openxmlformats.org/officeDocument/2006/relationships" xmlns:p="http://schemas.openxmlformats.org/presentationml/2006/main">
   <p:cSld>
     <p:spTree>
@@ -9580,14 +11071,19 @@
             <p:ph type="title"/>
           </p:nvPr>
         </p:nvSpPr>
-        <p:spPr/>
+        <p:spPr>
+          <a:xfrm>
+            <a:off x="677334" y="609600"/>
+            <a:ext cx="8596668" cy="834819"/>
+          </a:xfrm>
+        </p:spPr>
         <p:txBody>
           <a:bodyPr/>
           <a:lstStyle/>
           <a:p>
             <a:r>
               <a:rPr lang="en-US" dirty="0"/>
-              <a:t>Drivers For Prioritization</a:t>
+              <a:t>Current Routine Inspection Frequency</a:t>
             </a:r>
           </a:p>
         </p:txBody>
@@ -9611,87 +11107,73 @@
         <p:spPr>
           <a:xfrm>
             <a:off x="336884" y="1444419"/>
-            <a:ext cx="4539915" cy="4940339"/>
+            <a:ext cx="5056919" cy="4940339"/>
           </a:xfrm>
         </p:spPr>
         <p:txBody>
           <a:bodyPr>
-            <a:normAutofit fontScale="92500" lnSpcReduction="20000"/>
+            <a:normAutofit/>
           </a:bodyPr>
           <a:lstStyle/>
           <a:p>
             <a:r>
+              <a:rPr lang="en-US" b="1" dirty="0"/>
+              <a:t>Question</a:t>
+            </a:r>
+            <a:r>
               <a:rPr lang="en-US" dirty="0"/>
-              <a:t>An R-2 flag could not be found in the Assessor Data so one was created based on problem statement criteria (</a:t>
-            </a:r>
+              <a:t>: is SFFD or DBI having trouble inspecting all R-2 properties at the required frequency?</a:t>
+            </a:r>
+          </a:p>
+          <a:p>
             <a:r>
               <a:rPr lang="en-US" b="1" dirty="0"/>
-              <a:t>this could lead to over estimation of total R-2</a:t>
+              <a:t>Answer</a:t>
             </a:r>
             <a:r>
               <a:rPr lang="en-US" dirty="0"/>
-              <a:t>)</a:t>
-            </a:r>
-          </a:p>
-          <a:p>
+              <a:t>: No, inspection frequency is meeting requirements.</a:t>
+            </a:r>
+          </a:p>
+          <a:p>
+            <a:r>
+              <a:rPr lang="en-US" b="1" dirty="0"/>
+              <a:t>Findings</a:t>
+            </a:r>
             <a:r>
               <a:rPr lang="en-US" dirty="0"/>
-              <a:t>Assuming parcel R-2 designations are correct:</a:t>
+              <a:t>:</a:t>
             </a:r>
           </a:p>
           <a:p>
             <a:pPr lvl="1"/>
             <a:r>
-              <a:rPr lang="en-US" dirty="0"/>
-              <a:t>SFFD is at about 20% of goal</a:t>
-            </a:r>
-          </a:p>
-          <a:p>
-            <a:pPr lvl="1"/>
-            <a:r>
-              <a:rPr lang="en-US" dirty="0"/>
-              <a:t>HIS is at about 40% of goal</a:t>
-            </a:r>
-          </a:p>
-          <a:p>
-            <a:r>
-              <a:rPr lang="en-US" dirty="0"/>
-              <a:t>Based on SFFD inspection data with type “R2 Company Inspection” SFFD frequency is closer to annual (</a:t>
-            </a:r>
-            <a:r>
-              <a:rPr lang="en-US" i="1" dirty="0"/>
-              <a:t>average once per 1.2 </a:t>
-            </a:r>
-            <a:r>
-              <a:rPr lang="en-US" i="1" dirty="0" err="1"/>
-              <a:t>yrs</a:t>
-            </a:r>
-            <a:r>
-              <a:rPr lang="en-US" dirty="0"/>
-              <a:t>)</a:t>
-            </a:r>
-          </a:p>
-          <a:p>
-            <a:pPr lvl="1"/>
-            <a:r>
-              <a:rPr lang="en-US" dirty="0"/>
-              <a:t>Unclear if this encompasses all R-2 parcels without better R-2 definition</a:t>
-            </a:r>
-          </a:p>
-          <a:p>
-            <a:r>
-              <a:rPr lang="en-US" dirty="0"/>
-              <a:t>If SFFD isn’t meeting inspection goals and HIS has more capacity, we should consider ways to make sure priority buildings get inspected by one of the agencies on an annual basis.</a:t>
+              <a:rPr lang="en-US" sz="1800" dirty="0"/>
+              <a:t>Based on our definition of R-2 parcels both agencies meet inspection frequency requirements.</a:t>
+            </a:r>
+          </a:p>
+          <a:p>
+            <a:pPr lvl="2"/>
+            <a:r>
+              <a:rPr lang="en-US" sz="1600" dirty="0"/>
+              <a:t>SFFD inspects nearly all every year which is the goal.</a:t>
+            </a:r>
+          </a:p>
+          <a:p>
+            <a:pPr lvl="2"/>
+            <a:r>
+              <a:rPr lang="en-US" sz="1600" dirty="0"/>
+              <a:t>HIS conducts routine inspections of R-2 about once every five year which is the goal.</a:t>
             </a:r>
           </a:p>
         </p:txBody>
       </p:sp>
       <p:pic>
         <p:nvPicPr>
-          <p:cNvPr id="12" name="Picture 11" descr="A graph with numbers and lines&#10;&#10;Description automatically generated">
+          <p:cNvPr id="27" name="Picture 26" descr="A graph with numbers and lines&#10;&#10;Description automatically generated">
             <a:extLst>
               <a:ext uri="{FF2B5EF4-FFF2-40B4-BE49-F238E27FC236}">
-                <a16:creationId xmlns:a16="http://schemas.microsoft.com/office/drawing/2014/main" id="{02DBE351-D95B-0679-AE31-53D3641F1627}"/>
+                <a16:creationId xmlns:a16="http://schemas.microsoft.com/office/drawing/2014/main" id="{F2C50201-E607-A93D-04B8-887EE352CEAB}"/>
               </a:ext>
             </a:extLst>
           </p:cNvPr>
@@ -9701,15 +11183,15 @@
           <p:nvPr/>
         </p:nvPicPr>
         <p:blipFill>
-          <a:blip r:embed="rId2" r:link="rId3"/>
+          <a:blip r:embed="rId2"/>
           <a:stretch>
             <a:fillRect/>
           </a:stretch>
         </p:blipFill>
         <p:spPr>
           <a:xfrm>
-            <a:off x="4876799" y="1444418"/>
-            <a:ext cx="7286627" cy="4371976"/>
+            <a:off x="5217249" y="1400215"/>
+            <a:ext cx="6762615" cy="4057569"/>
           </a:xfrm>
           <a:prstGeom prst="rect">
             <a:avLst/>
@@ -9729,7 +11211,277 @@
 </p:sld>
 </file>
 
-<file path=ppt/slides/slide6.xml><?xml version="1.0" encoding="utf-8"?>
+<file path=ppt/slides/slide7.xml><?xml version="1.0" encoding="utf-8"?>
+<p:sld xmlns:a="http://schemas.openxmlformats.org/drawingml/2006/main" xmlns:r="http://schemas.openxmlformats.org/officeDocument/2006/relationships" xmlns:p="http://schemas.openxmlformats.org/presentationml/2006/main">
+  <p:cSld>
+    <p:spTree>
+      <p:nvGrpSpPr>
+        <p:cNvPr id="1" name="">
+          <a:extLst>
+            <a:ext uri="{FF2B5EF4-FFF2-40B4-BE49-F238E27FC236}">
+              <a16:creationId xmlns:a16="http://schemas.microsoft.com/office/drawing/2014/main" id="{B73FEAD3-5E7D-47C8-C1E5-A954F12EFC41}"/>
+            </a:ext>
+          </a:extLst>
+        </p:cNvPr>
+        <p:cNvGrpSpPr/>
+        <p:nvPr/>
+      </p:nvGrpSpPr>
+      <p:grpSpPr>
+        <a:xfrm>
+          <a:off x="0" y="0"/>
+          <a:ext cx="0" cy="0"/>
+          <a:chOff x="0" y="0"/>
+          <a:chExt cx="0" cy="0"/>
+        </a:xfrm>
+      </p:grpSpPr>
+      <p:sp>
+        <p:nvSpPr>
+          <p:cNvPr id="2" name="Title 1">
+            <a:extLst>
+              <a:ext uri="{FF2B5EF4-FFF2-40B4-BE49-F238E27FC236}">
+                <a16:creationId xmlns:a16="http://schemas.microsoft.com/office/drawing/2014/main" id="{2A81B3E7-30FC-DB73-26D6-051491D28B42}"/>
+              </a:ext>
+            </a:extLst>
+          </p:cNvPr>
+          <p:cNvSpPr>
+            <a:spLocks noGrp="1"/>
+          </p:cNvSpPr>
+          <p:nvPr>
+            <p:ph type="title"/>
+          </p:nvPr>
+        </p:nvSpPr>
+        <p:spPr>
+          <a:xfrm>
+            <a:off x="678305" y="355112"/>
+            <a:ext cx="8782184" cy="767632"/>
+          </a:xfrm>
+        </p:spPr>
+        <p:txBody>
+          <a:bodyPr>
+            <a:normAutofit fontScale="90000"/>
+          </a:bodyPr>
+          <a:lstStyle/>
+          <a:p>
+            <a:r>
+              <a:rPr lang="en-US" dirty="0"/>
+              <a:t>Factors that Relate to SFFD and HIS </a:t>
+            </a:r>
+            <a:r>
+              <a:rPr lang="en-US" u="sng" dirty="0"/>
+              <a:t>Violations</a:t>
+            </a:r>
+            <a:r>
+              <a:rPr lang="en-US" dirty="0"/>
+              <a:t> </a:t>
+            </a:r>
+          </a:p>
+        </p:txBody>
+      </p:sp>
+      <p:sp>
+        <p:nvSpPr>
+          <p:cNvPr id="3" name="Content Placeholder 2">
+            <a:extLst>
+              <a:ext uri="{FF2B5EF4-FFF2-40B4-BE49-F238E27FC236}">
+                <a16:creationId xmlns:a16="http://schemas.microsoft.com/office/drawing/2014/main" id="{DB4C1221-DBBA-CFA4-6CFE-9CCC6D8958B9}"/>
+              </a:ext>
+            </a:extLst>
+          </p:cNvPr>
+          <p:cNvSpPr>
+            <a:spLocks noGrp="1"/>
+          </p:cNvSpPr>
+          <p:nvPr>
+            <p:ph idx="1"/>
+          </p:nvPr>
+        </p:nvSpPr>
+        <p:spPr>
+          <a:xfrm>
+            <a:off x="520860" y="1250063"/>
+            <a:ext cx="6377651" cy="5402859"/>
+          </a:xfrm>
+        </p:spPr>
+        <p:txBody>
+          <a:bodyPr>
+            <a:normAutofit fontScale="92500" lnSpcReduction="10000"/>
+          </a:bodyPr>
+          <a:lstStyle/>
+          <a:p>
+            <a:r>
+              <a:rPr lang="en-US" b="1" dirty="0"/>
+              <a:t>Definitions</a:t>
+            </a:r>
+            <a:r>
+              <a:rPr lang="en-US" dirty="0"/>
+              <a:t>: </a:t>
+            </a:r>
+          </a:p>
+          <a:p>
+            <a:pPr lvl="1"/>
+            <a:r>
+              <a:rPr lang="en-US" dirty="0"/>
+              <a:t>For SFFD, violation percentage is calculated as percentage of R-2 parcels with a violation across the factor.</a:t>
+            </a:r>
+          </a:p>
+          <a:p>
+            <a:pPr lvl="1"/>
+            <a:r>
+              <a:rPr lang="en-US" dirty="0"/>
+              <a:t>For HIS, violation percentage is calculated as percentage of R-2 inspections with a violation across the factor.</a:t>
+            </a:r>
+          </a:p>
+          <a:p>
+            <a:r>
+              <a:rPr lang="en-US" b="1" dirty="0"/>
+              <a:t>Question</a:t>
+            </a:r>
+            <a:r>
+              <a:rPr lang="en-US" dirty="0"/>
+              <a:t>: do certain factors relate to increased likelihood of a building inspection violation?</a:t>
+            </a:r>
+          </a:p>
+          <a:p>
+            <a:r>
+              <a:rPr lang="en-US" b="1" dirty="0"/>
+              <a:t>Answer</a:t>
+            </a:r>
+            <a:r>
+              <a:rPr lang="en-US" dirty="0"/>
+              <a:t>: Yes, but causality needs to be considered further.</a:t>
+            </a:r>
+          </a:p>
+          <a:p>
+            <a:r>
+              <a:rPr lang="en-US" b="1" dirty="0"/>
+              <a:t>Findings</a:t>
+            </a:r>
+            <a:r>
+              <a:rPr lang="en-US" dirty="0"/>
+              <a:t>:</a:t>
+            </a:r>
+          </a:p>
+          <a:p>
+            <a:pPr lvl="1"/>
+            <a:r>
+              <a:rPr lang="en-US" sz="1700" dirty="0"/>
+              <a:t>Property Age</a:t>
+            </a:r>
+          </a:p>
+          <a:p>
+            <a:pPr lvl="2"/>
+            <a:r>
+              <a:rPr lang="en-US" sz="1500" dirty="0"/>
+              <a:t>SFFD shows more violations for newer properties.</a:t>
+            </a:r>
+          </a:p>
+          <a:p>
+            <a:pPr lvl="2"/>
+            <a:r>
+              <a:rPr lang="en-US" sz="1500" dirty="0"/>
+              <a:t>HIS shows more violations for older properties.</a:t>
+            </a:r>
+          </a:p>
+          <a:p>
+            <a:pPr lvl="1"/>
+            <a:r>
+              <a:rPr lang="en-US" sz="1700" dirty="0"/>
+              <a:t>Construction Type</a:t>
+            </a:r>
+          </a:p>
+          <a:p>
+            <a:pPr lvl="2"/>
+            <a:r>
+              <a:rPr lang="en-US" sz="1500" dirty="0"/>
+              <a:t>Both data sets show differences in violations across construction type, this could be useful in modeling.</a:t>
+            </a:r>
+          </a:p>
+          <a:p>
+            <a:pPr lvl="1"/>
+            <a:r>
+              <a:rPr lang="en-US" sz="1700" dirty="0"/>
+              <a:t>Cross-referencing against SFFD/DBI violations for the same parcel did not appear to have predictive qualities.</a:t>
+            </a:r>
+          </a:p>
+          <a:p>
+            <a:endParaRPr lang="en-US" dirty="0"/>
+          </a:p>
+          <a:p>
+            <a:endParaRPr lang="en-US" dirty="0"/>
+          </a:p>
+        </p:txBody>
+      </p:sp>
+      <p:pic>
+        <p:nvPicPr>
+          <p:cNvPr id="7" name="Picture 6" descr="A bar graph showing the percentage of property&#10;&#10;Description automatically generated">
+            <a:extLst>
+              <a:ext uri="{FF2B5EF4-FFF2-40B4-BE49-F238E27FC236}">
+                <a16:creationId xmlns:a16="http://schemas.microsoft.com/office/drawing/2014/main" id="{3B6FDB1A-7CFB-B2C4-9615-82B782D6385B}"/>
+              </a:ext>
+            </a:extLst>
+          </p:cNvPr>
+          <p:cNvPicPr>
+            <a:picLocks noChangeAspect="1"/>
+          </p:cNvPicPr>
+          <p:nvPr/>
+        </p:nvPicPr>
+        <p:blipFill>
+          <a:blip r:embed="rId2"/>
+          <a:stretch>
+            <a:fillRect/>
+          </a:stretch>
+        </p:blipFill>
+        <p:spPr>
+          <a:xfrm>
+            <a:off x="7045848" y="891251"/>
+            <a:ext cx="4829283" cy="2897570"/>
+          </a:xfrm>
+          <a:prstGeom prst="rect">
+            <a:avLst/>
+          </a:prstGeom>
+        </p:spPr>
+      </p:pic>
+      <p:pic>
+        <p:nvPicPr>
+          <p:cNvPr id="11" name="Picture 10" descr="A bar graph showing the number of percents&#10;&#10;Description automatically generated">
+            <a:extLst>
+              <a:ext uri="{FF2B5EF4-FFF2-40B4-BE49-F238E27FC236}">
+                <a16:creationId xmlns:a16="http://schemas.microsoft.com/office/drawing/2014/main" id="{E08901B7-C915-88A1-A432-ABEC99075149}"/>
+              </a:ext>
+            </a:extLst>
+          </p:cNvPr>
+          <p:cNvPicPr>
+            <a:picLocks noChangeAspect="1"/>
+          </p:cNvPicPr>
+          <p:nvPr/>
+        </p:nvPicPr>
+        <p:blipFill>
+          <a:blip r:embed="rId3"/>
+          <a:stretch>
+            <a:fillRect/>
+          </a:stretch>
+        </p:blipFill>
+        <p:spPr>
+          <a:xfrm>
+            <a:off x="7025833" y="3824803"/>
+            <a:ext cx="4849298" cy="2909578"/>
+          </a:xfrm>
+          <a:prstGeom prst="rect">
+            <a:avLst/>
+          </a:prstGeom>
+        </p:spPr>
+      </p:pic>
+    </p:spTree>
+    <p:extLst>
+      <p:ext uri="{BB962C8B-B14F-4D97-AF65-F5344CB8AC3E}">
+        <p14:creationId xmlns:p14="http://schemas.microsoft.com/office/powerpoint/2010/main" val="468942318"/>
+      </p:ext>
+    </p:extLst>
+  </p:cSld>
+  <p:clrMapOvr>
+    <a:masterClrMapping/>
+  </p:clrMapOvr>
+</p:sld>
+</file>
+
+<file path=ppt/slides/slide8.xml><?xml version="1.0" encoding="utf-8"?>
 <p:sld xmlns:a="http://schemas.openxmlformats.org/drawingml/2006/main" xmlns:r="http://schemas.openxmlformats.org/officeDocument/2006/relationships" xmlns:p="http://schemas.openxmlformats.org/presentationml/2006/main">
   <p:cSld>
     <p:spTree>
@@ -9768,14 +11520,23 @@
             <p:ph type="title"/>
           </p:nvPr>
         </p:nvSpPr>
-        <p:spPr/>
+        <p:spPr>
+          <a:xfrm>
+            <a:off x="677334" y="213956"/>
+            <a:ext cx="8906504" cy="747895"/>
+          </a:xfrm>
+        </p:spPr>
         <p:txBody>
           <a:bodyPr/>
           <a:lstStyle/>
           <a:p>
             <a:r>
               <a:rPr lang="en-US" dirty="0"/>
-              <a:t>Factors that Relate to SFFD Violations</a:t>
+              <a:t>Factors that Relate to SFFD </a:t>
+            </a:r>
+            <a:r>
+              <a:rPr lang="en-US" u="sng" dirty="0"/>
+              <a:t>Incidents</a:t>
             </a:r>
           </a:p>
         </p:txBody>
@@ -9798,8 +11559,8 @@
         </p:nvSpPr>
         <p:spPr>
           <a:xfrm>
-            <a:off x="677334" y="1444419"/>
-            <a:ext cx="4108444" cy="5100760"/>
+            <a:off x="677333" y="961851"/>
+            <a:ext cx="5630869" cy="5583328"/>
           </a:xfrm>
         </p:spPr>
         <p:txBody>
@@ -9809,43 +11570,76 @@
           <a:lstStyle/>
           <a:p>
             <a:r>
+              <a:rPr lang="en-US" b="1" dirty="0"/>
+              <a:t>Definition</a:t>
+            </a:r>
+            <a:r>
               <a:rPr lang="en-US" dirty="0"/>
-              <a:t>Checked violation rate across different factors from assessor data</a:t>
+              <a:t>: SFFD incident percentage is defined as number of parcels in group with incident divided by all parcels in group in assessor active parcels. Figures in this slide are for R-2 parcels only.</a:t>
+            </a:r>
+          </a:p>
+          <a:p>
+            <a:r>
+              <a:rPr lang="en-US" b="1" dirty="0"/>
+              <a:t>Question</a:t>
+            </a:r>
+            <a:r>
+              <a:rPr lang="en-US" dirty="0"/>
+              <a:t>: do certain factors relate to increased likelihood of a building fire incident?</a:t>
+            </a:r>
+          </a:p>
+          <a:p>
+            <a:r>
+              <a:rPr lang="en-US" b="1" dirty="0"/>
+              <a:t>Answer</a:t>
+            </a:r>
+            <a:r>
+              <a:rPr lang="en-US" dirty="0"/>
+              <a:t>: Yes, but causality needs to be considered further.</a:t>
+            </a:r>
+          </a:p>
+          <a:p>
+            <a:r>
+              <a:rPr lang="en-US" b="1" dirty="0"/>
+              <a:t>Findings</a:t>
+            </a:r>
+            <a:r>
+              <a:rPr lang="en-US" dirty="0"/>
+              <a:t>:</a:t>
             </a:r>
           </a:p>
           <a:p>
             <a:pPr lvl="1"/>
             <a:r>
               <a:rPr lang="en-US" dirty="0"/>
-              <a:t>Violation rate is on a per parcel basis (if parcel ever has had a violation it is a 1, if not it’s a 0). Divide parcels with violation by all parcels in group.</a:t>
-            </a:r>
-          </a:p>
-          <a:p>
+              <a:t>Older and newer properties seem to have higher incident rates than 50 – 100 year-old properties</a:t>
+            </a:r>
+          </a:p>
+          <a:p>
+            <a:pPr lvl="1"/>
             <a:r>
               <a:rPr lang="en-US" dirty="0"/>
-              <a:t>Filtered data to look at R-2 only (using SFFD inspection flags)</a:t>
-            </a:r>
-          </a:p>
-          <a:p>
+              <a:t>Construction type shows differences in incident rates.</a:t>
+            </a:r>
+          </a:p>
+          <a:p>
+            <a:pPr lvl="1"/>
             <a:r>
               <a:rPr lang="en-US" dirty="0"/>
-              <a:t>Property age appears to have some relationship with violation rate but not strong</a:t>
-            </a:r>
-          </a:p>
-          <a:p>
-            <a:r>
-              <a:rPr lang="en-US" dirty="0"/>
-              <a:t>Construction type seems to have a fairly strong relationship (Why? Need more understanding)</a:t>
-            </a:r>
+              <a:t>Previous Fire Violations and DBI Violations seem to be a relatively strong indicator of fire incidents at a parcel.</a:t>
+            </a:r>
+          </a:p>
+          <a:p>
+            <a:endParaRPr lang="en-US" dirty="0"/>
           </a:p>
         </p:txBody>
       </p:sp>
       <p:pic>
         <p:nvPicPr>
-          <p:cNvPr id="5" name="Picture 4" descr="A graph showing a number of colored bars&#10;&#10;Description automatically generated with medium confidence">
+          <p:cNvPr id="22" name="Picture 21" descr="A bar graph showing the percentage of property&#10;&#10;Description automatically generated">
             <a:extLst>
               <a:ext uri="{FF2B5EF4-FFF2-40B4-BE49-F238E27FC236}">
-                <a16:creationId xmlns:a16="http://schemas.microsoft.com/office/drawing/2014/main" id="{E2F1D4F4-6139-F29E-1C99-35FABC481344}"/>
+                <a16:creationId xmlns:a16="http://schemas.microsoft.com/office/drawing/2014/main" id="{9CD9E2F1-5921-9D8D-2225-C88A9DAB4AB6}"/>
               </a:ext>
             </a:extLst>
           </p:cNvPr>
@@ -9855,15 +11649,15 @@
           <p:nvPr/>
         </p:nvPicPr>
         <p:blipFill>
-          <a:blip r:embed="rId2" r:link="rId3"/>
+          <a:blip r:embed="rId2"/>
           <a:stretch>
             <a:fillRect/>
           </a:stretch>
         </p:blipFill>
         <p:spPr>
           <a:xfrm>
-            <a:off x="6423964" y="3951110"/>
-            <a:ext cx="4488224" cy="2692934"/>
+            <a:off x="6898511" y="807759"/>
+            <a:ext cx="4909594" cy="2945756"/>
           </a:xfrm>
           <a:prstGeom prst="rect">
             <a:avLst/>
@@ -9872,10 +11666,10 @@
       </p:pic>
       <p:pic>
         <p:nvPicPr>
-          <p:cNvPr id="8" name="Picture 7" descr="A bar graph with different colored bars&#10;&#10;Description automatically generated">
+          <p:cNvPr id="24" name="Picture 23" descr="A bar graph with blue and orange squares&#10;&#10;Description automatically generated">
             <a:extLst>
               <a:ext uri="{FF2B5EF4-FFF2-40B4-BE49-F238E27FC236}">
-                <a16:creationId xmlns:a16="http://schemas.microsoft.com/office/drawing/2014/main" id="{28FC8D4E-2E55-1CD2-45BD-4EB2AC6642B2}"/>
+                <a16:creationId xmlns:a16="http://schemas.microsoft.com/office/drawing/2014/main" id="{1673E23F-E5E4-C47B-D9C4-A1D4C19AAADA}"/>
               </a:ext>
             </a:extLst>
           </p:cNvPr>
@@ -9885,103 +11679,21 @@
           <p:nvPr/>
         </p:nvPicPr>
         <p:blipFill>
-          <a:blip r:embed="rId4" r:link="rId5"/>
+          <a:blip r:embed="rId3"/>
           <a:stretch>
             <a:fillRect/>
           </a:stretch>
         </p:blipFill>
         <p:spPr>
           <a:xfrm>
-            <a:off x="6523774" y="1233935"/>
-            <a:ext cx="4388414" cy="2633049"/>
+            <a:off x="6898509" y="3877517"/>
+            <a:ext cx="4909595" cy="2945757"/>
           </a:xfrm>
           <a:prstGeom prst="rect">
             <a:avLst/>
           </a:prstGeom>
         </p:spPr>
       </p:pic>
-      <p:cxnSp>
-        <p:nvCxnSpPr>
-          <p:cNvPr id="10" name="Straight Arrow Connector 9">
-            <a:extLst>
-              <a:ext uri="{FF2B5EF4-FFF2-40B4-BE49-F238E27FC236}">
-                <a16:creationId xmlns:a16="http://schemas.microsoft.com/office/drawing/2014/main" id="{B93D5481-FE3F-50E1-45FE-7E2CBC470E28}"/>
-              </a:ext>
-            </a:extLst>
-          </p:cNvPr>
-          <p:cNvCxnSpPr>
-            <a:cxnSpLocks/>
-          </p:cNvCxnSpPr>
-          <p:nvPr/>
-        </p:nvCxnSpPr>
-        <p:spPr>
-          <a:xfrm flipV="1">
-            <a:off x="4539916" y="3203215"/>
-            <a:ext cx="1884048" cy="747895"/>
-          </a:xfrm>
-          <a:prstGeom prst="straightConnector1">
-            <a:avLst/>
-          </a:prstGeom>
-          <a:ln>
-            <a:tailEnd type="triangle"/>
-          </a:ln>
-        </p:spPr>
-        <p:style>
-          <a:lnRef idx="1">
-            <a:schemeClr val="accent1"/>
-          </a:lnRef>
-          <a:fillRef idx="0">
-            <a:schemeClr val="accent1"/>
-          </a:fillRef>
-          <a:effectRef idx="0">
-            <a:schemeClr val="accent1"/>
-          </a:effectRef>
-          <a:fontRef idx="minor">
-            <a:schemeClr val="tx1"/>
-          </a:fontRef>
-        </p:style>
-      </p:cxnSp>
-      <p:cxnSp>
-        <p:nvCxnSpPr>
-          <p:cNvPr id="11" name="Straight Arrow Connector 10">
-            <a:extLst>
-              <a:ext uri="{FF2B5EF4-FFF2-40B4-BE49-F238E27FC236}">
-                <a16:creationId xmlns:a16="http://schemas.microsoft.com/office/drawing/2014/main" id="{09505E47-38A4-2AAB-D57B-BD35DDD30500}"/>
-              </a:ext>
-            </a:extLst>
-          </p:cNvPr>
-          <p:cNvCxnSpPr>
-            <a:cxnSpLocks/>
-          </p:cNvCxnSpPr>
-          <p:nvPr/>
-        </p:nvCxnSpPr>
-        <p:spPr>
-          <a:xfrm flipV="1">
-            <a:off x="4785778" y="5413581"/>
-            <a:ext cx="1638186" cy="185114"/>
-          </a:xfrm>
-          <a:prstGeom prst="straightConnector1">
-            <a:avLst/>
-          </a:prstGeom>
-          <a:ln>
-            <a:tailEnd type="triangle"/>
-          </a:ln>
-        </p:spPr>
-        <p:style>
-          <a:lnRef idx="1">
-            <a:schemeClr val="accent1"/>
-          </a:lnRef>
-          <a:fillRef idx="0">
-            <a:schemeClr val="accent1"/>
-          </a:fillRef>
-          <a:effectRef idx="0">
-            <a:schemeClr val="accent1"/>
-          </a:effectRef>
-          <a:fontRef idx="minor">
-            <a:schemeClr val="tx1"/>
-          </a:fontRef>
-        </p:style>
-      </p:cxnSp>
     </p:spTree>
     <p:extLst>
       <p:ext uri="{BB962C8B-B14F-4D97-AF65-F5344CB8AC3E}">
@@ -9995,7 +11707,7 @@
 </p:sld>
 </file>
 
-<file path=ppt/slides/slide7.xml><?xml version="1.0" encoding="utf-8"?>
+<file path=ppt/slides/slide9.xml><?xml version="1.0" encoding="utf-8"?>
 <p:sld xmlns:a="http://schemas.openxmlformats.org/drawingml/2006/main" xmlns:r="http://schemas.openxmlformats.org/officeDocument/2006/relationships" xmlns:p="http://schemas.openxmlformats.org/presentationml/2006/main">
   <p:cSld>
     <p:spTree>
@@ -10003,7 +11715,7 @@
         <p:cNvPr id="1" name="">
           <a:extLst>
             <a:ext uri="{FF2B5EF4-FFF2-40B4-BE49-F238E27FC236}">
-              <a16:creationId xmlns:a16="http://schemas.microsoft.com/office/drawing/2014/main" id="{D8D735D9-E721-AB4F-43D7-8B11AE19B3FC}"/>
+              <a16:creationId xmlns:a16="http://schemas.microsoft.com/office/drawing/2014/main" id="{28543586-FCCF-AE7F-02D8-D0CC46DB2D16}"/>
             </a:ext>
           </a:extLst>
         </p:cNvPr>
@@ -10023,7 +11735,7 @@
           <p:cNvPr id="2" name="Title 1">
             <a:extLst>
               <a:ext uri="{FF2B5EF4-FFF2-40B4-BE49-F238E27FC236}">
-                <a16:creationId xmlns:a16="http://schemas.microsoft.com/office/drawing/2014/main" id="{D50EC21A-8CEA-F63E-579E-670085AF4EEE}"/>
+                <a16:creationId xmlns:a16="http://schemas.microsoft.com/office/drawing/2014/main" id="{030A2080-EB1A-F133-8A2D-CDA9B7E940BE}"/>
               </a:ext>
             </a:extLst>
           </p:cNvPr>
@@ -10034,14 +11746,21 @@
             <p:ph type="title"/>
           </p:nvPr>
         </p:nvSpPr>
-        <p:spPr/>
+        <p:spPr>
+          <a:xfrm>
+            <a:off x="677333" y="59872"/>
+            <a:ext cx="9091699" cy="747895"/>
+          </a:xfrm>
+        </p:spPr>
         <p:txBody>
-          <a:bodyPr/>
+          <a:bodyPr>
+            <a:normAutofit fontScale="90000"/>
+          </a:bodyPr>
           <a:lstStyle/>
           <a:p>
             <a:r>
               <a:rPr lang="en-US" dirty="0"/>
-              <a:t>Factors that Relate to HIS Violations</a:t>
+              <a:t>Modeling to Classify Violations and Incidents </a:t>
             </a:r>
           </a:p>
         </p:txBody>
@@ -10051,7 +11770,7 @@
           <p:cNvPr id="3" name="Content Placeholder 2">
             <a:extLst>
               <a:ext uri="{FF2B5EF4-FFF2-40B4-BE49-F238E27FC236}">
-                <a16:creationId xmlns:a16="http://schemas.microsoft.com/office/drawing/2014/main" id="{117A70EB-396A-39F4-F1E4-1ACFB2BDF217}"/>
+                <a16:creationId xmlns:a16="http://schemas.microsoft.com/office/drawing/2014/main" id="{1E03E7CC-52F7-72B4-EBD1-0C36C03E3536}"/>
               </a:ext>
             </a:extLst>
           </p:cNvPr>
@@ -10064,384 +11783,290 @@
         </p:nvSpPr>
         <p:spPr>
           <a:xfrm>
-            <a:off x="677334" y="1444419"/>
-            <a:ext cx="4108444" cy="5100760"/>
+            <a:off x="677333" y="961851"/>
+            <a:ext cx="5989685" cy="5583328"/>
           </a:xfrm>
         </p:spPr>
         <p:txBody>
           <a:bodyPr>
-            <a:normAutofit/>
+            <a:normAutofit fontScale="92500" lnSpcReduction="10000"/>
           </a:bodyPr>
           <a:lstStyle/>
           <a:p>
             <a:r>
+              <a:rPr lang="en-US" b="1" dirty="0"/>
+              <a:t>Question</a:t>
+            </a:r>
+            <a:r>
               <a:rPr lang="en-US" dirty="0"/>
-              <a:t>Checked violation rate across different factors from assessor data</a:t>
+              <a:t>: can we create a classifier model that predicts whether a parcel will have a violation or incident at a better probability than what we see in the historical rates? </a:t>
+            </a:r>
+          </a:p>
+          <a:p>
+            <a:r>
+              <a:rPr lang="en-US" b="1" dirty="0"/>
+              <a:t>Impact</a:t>
+            </a:r>
+            <a:r>
+              <a:rPr lang="en-US" dirty="0"/>
+              <a:t>: if successful, classifier model could help us prioritize high probability parcels first and these represent riskier buildings. </a:t>
+            </a:r>
+          </a:p>
+          <a:p>
+            <a:r>
+              <a:rPr lang="en-US" b="1" dirty="0"/>
+              <a:t>Answer</a:t>
+            </a:r>
+            <a:r>
+              <a:rPr lang="en-US" dirty="0"/>
+              <a:t>: Yes, but…</a:t>
             </a:r>
           </a:p>
           <a:p>
             <a:pPr lvl="1"/>
             <a:r>
               <a:rPr lang="en-US" dirty="0"/>
-              <a:t>Violation rate is on a per parcel basis (if parcel ever has had a violation it is a 1, if not it’s a 0). Divide parcels with violation by all parcels in group.</a:t>
-            </a:r>
-          </a:p>
-          <a:p>
+              <a:t>SFFD Incident classification better than SFFD violation classification.</a:t>
+            </a:r>
+          </a:p>
+          <a:p>
+            <a:pPr lvl="1"/>
             <a:r>
               <a:rPr lang="en-US" dirty="0"/>
-              <a:t>Filtered data to look at R-2 only (using SFFD inspection flags)</a:t>
-            </a:r>
-          </a:p>
-          <a:p>
+              <a:t>HIS violation classification performed well compared to historical violation rate.</a:t>
+            </a:r>
+          </a:p>
+          <a:p>
+            <a:pPr lvl="1"/>
             <a:r>
               <a:rPr lang="en-US" dirty="0"/>
-              <a:t>Property age appears to have some relationship with violation rate but not strong</a:t>
-            </a:r>
-          </a:p>
-          <a:p>
+              <a:t>Causality needs to be considered further.</a:t>
+            </a:r>
+          </a:p>
+          <a:p>
+            <a:r>
+              <a:rPr lang="en-US" b="1" dirty="0"/>
+              <a:t>Detailed Findings</a:t>
+            </a:r>
             <a:r>
               <a:rPr lang="en-US" dirty="0"/>
-              <a:t>Construction type seems to have a fairly strong relationship (Why? Need more understanding)</a:t>
-            </a:r>
+              <a:t>:</a:t>
+            </a:r>
+          </a:p>
+          <a:p>
+            <a:pPr lvl="1"/>
+            <a:r>
+              <a:rPr lang="en-US" dirty="0"/>
+              <a:t>Used random forest classifier with factors deemed interesting in initial analysis.</a:t>
+            </a:r>
+          </a:p>
+          <a:p>
+            <a:pPr lvl="1"/>
+            <a:r>
+              <a:rPr lang="en-US" dirty="0"/>
+              <a:t>Classification models perform better than historical rates meaning output can be used to prioritize certain inspections.</a:t>
+            </a:r>
+          </a:p>
+          <a:p>
+            <a:endParaRPr lang="en-US" dirty="0"/>
           </a:p>
         </p:txBody>
       </p:sp>
+      <p:grpSp>
+        <p:nvGrpSpPr>
+          <p:cNvPr id="5" name="Group 4">
+            <a:extLst>
+              <a:ext uri="{FF2B5EF4-FFF2-40B4-BE49-F238E27FC236}">
+                <a16:creationId xmlns:a16="http://schemas.microsoft.com/office/drawing/2014/main" id="{FD5E220E-8A33-8BDD-0B8D-32D98558AF86}"/>
+              </a:ext>
+            </a:extLst>
+          </p:cNvPr>
+          <p:cNvGrpSpPr/>
+          <p:nvPr/>
+        </p:nvGrpSpPr>
+        <p:grpSpPr>
+          <a:xfrm>
+            <a:off x="7463529" y="3741821"/>
+            <a:ext cx="4051138" cy="3116179"/>
+            <a:chOff x="7674016" y="3429000"/>
+            <a:chExt cx="4051138" cy="3116179"/>
+          </a:xfrm>
+        </p:grpSpPr>
+        <p:pic>
+          <p:nvPicPr>
+            <p:cNvPr id="3074" name="Picture 2">
+              <a:extLst>
+                <a:ext uri="{FF2B5EF4-FFF2-40B4-BE49-F238E27FC236}">
+                  <a16:creationId xmlns:a16="http://schemas.microsoft.com/office/drawing/2014/main" id="{423A0BB4-5144-4DFD-9EA6-FA964AA3A4A9}"/>
+                </a:ext>
+              </a:extLst>
+            </p:cNvPr>
+            <p:cNvPicPr>
+              <a:picLocks noChangeAspect="1" noChangeArrowheads="1"/>
+            </p:cNvPicPr>
+            <p:nvPr/>
+          </p:nvPicPr>
+          <p:blipFill>
+            <a:blip r:embed="rId2">
+              <a:extLst>
+                <a:ext uri="{28A0092B-C50C-407E-A947-70E740481C1C}">
+                  <a14:useLocalDpi xmlns:a14="http://schemas.microsoft.com/office/drawing/2010/main" val="0"/>
+                </a:ext>
+              </a:extLst>
+            </a:blip>
+            <a:srcRect/>
+            <a:stretch>
+              <a:fillRect/>
+            </a:stretch>
+          </p:blipFill>
+          <p:spPr bwMode="auto">
+            <a:xfrm>
+              <a:off x="7674016" y="3533064"/>
+              <a:ext cx="4051138" cy="3012115"/>
+            </a:xfrm>
+            <a:prstGeom prst="rect">
+              <a:avLst/>
+            </a:prstGeom>
+            <a:noFill/>
+            <a:extLst>
+              <a:ext uri="{909E8E84-426E-40DD-AFC4-6F175D3DCCD1}">
+                <a14:hiddenFill xmlns:a14="http://schemas.microsoft.com/office/drawing/2010/main">
+                  <a:solidFill>
+                    <a:srgbClr val="FFFFFF"/>
+                  </a:solidFill>
+                </a14:hiddenFill>
+              </a:ext>
+            </a:extLst>
+          </p:spPr>
+        </p:pic>
+        <p:sp>
+          <p:nvSpPr>
+            <p:cNvPr id="4" name="TextBox 3">
+              <a:extLst>
+                <a:ext uri="{FF2B5EF4-FFF2-40B4-BE49-F238E27FC236}">
+                  <a16:creationId xmlns:a16="http://schemas.microsoft.com/office/drawing/2014/main" id="{005E5C62-08D8-2894-9480-E6ABBD270602}"/>
+                </a:ext>
+              </a:extLst>
+            </p:cNvPr>
+            <p:cNvSpPr txBox="1"/>
+            <p:nvPr/>
+          </p:nvSpPr>
+          <p:spPr>
+            <a:xfrm>
+              <a:off x="7963381" y="3429000"/>
+              <a:ext cx="3761773" cy="307777"/>
+            </a:xfrm>
+            <a:prstGeom prst="rect">
+              <a:avLst/>
+            </a:prstGeom>
+            <a:solidFill>
+              <a:schemeClr val="bg1"/>
+            </a:solidFill>
+          </p:spPr>
+          <p:txBody>
+            <a:bodyPr wrap="square" rtlCol="0">
+              <a:spAutoFit/>
+            </a:bodyPr>
+            <a:lstStyle/>
+            <a:p>
+              <a:pPr algn="ctr"/>
+              <a:r>
+                <a:rPr lang="en-US" sz="1400" dirty="0"/>
+                <a:t>Incident Prediction Confusion Matrix</a:t>
+              </a:r>
+            </a:p>
+          </p:txBody>
+        </p:sp>
+      </p:grpSp>
       <p:pic>
         <p:nvPicPr>
-          <p:cNvPr id="5" name="Picture 4" descr="A graph showing a number of colored bars&#10;&#10;Description automatically generated with medium confidence">
+          <p:cNvPr id="3076" name="Picture 4">
             <a:extLst>
               <a:ext uri="{FF2B5EF4-FFF2-40B4-BE49-F238E27FC236}">
-                <a16:creationId xmlns:a16="http://schemas.microsoft.com/office/drawing/2014/main" id="{DDE3F44D-C81C-4714-E20A-3755944EC9E9}"/>
+                <a16:creationId xmlns:a16="http://schemas.microsoft.com/office/drawing/2014/main" id="{16D5BA98-DCE7-FA0E-9BEB-41992B4F10D8}"/>
               </a:ext>
             </a:extLst>
           </p:cNvPr>
           <p:cNvPicPr>
-            <a:picLocks noChangeAspect="1"/>
+            <a:picLocks noChangeAspect="1" noChangeArrowheads="1"/>
           </p:cNvPicPr>
           <p:nvPr/>
         </p:nvPicPr>
         <p:blipFill>
-          <a:blip r:embed="rId2" r:link="rId3"/>
+          <a:blip r:embed="rId3">
+            <a:extLst>
+              <a:ext uri="{28A0092B-C50C-407E-A947-70E740481C1C}">
+                <a14:useLocalDpi xmlns:a14="http://schemas.microsoft.com/office/drawing/2010/main" val="0"/>
+              </a:ext>
+            </a:extLst>
+          </a:blip>
+          <a:srcRect/>
           <a:stretch>
             <a:fillRect/>
           </a:stretch>
         </p:blipFill>
-        <p:spPr>
+        <p:spPr bwMode="auto">
           <a:xfrm>
-            <a:off x="6423964" y="3951110"/>
-            <a:ext cx="4488224" cy="2692934"/>
+            <a:off x="7463529" y="701683"/>
+            <a:ext cx="4051138" cy="3012115"/>
           </a:xfrm>
           <a:prstGeom prst="rect">
             <a:avLst/>
           </a:prstGeom>
+          <a:noFill/>
+          <a:extLst>
+            <a:ext uri="{909E8E84-426E-40DD-AFC4-6F175D3DCCD1}">
+              <a14:hiddenFill xmlns:a14="http://schemas.microsoft.com/office/drawing/2010/main">
+                <a:solidFill>
+                  <a:srgbClr val="FFFFFF"/>
+                </a:solidFill>
+              </a14:hiddenFill>
+            </a:ext>
+          </a:extLst>
         </p:spPr>
       </p:pic>
-      <p:pic>
-        <p:nvPicPr>
-          <p:cNvPr id="8" name="Picture 7" descr="A bar graph with different colored bars&#10;&#10;Description automatically generated">
+      <p:sp>
+        <p:nvSpPr>
+          <p:cNvPr id="6" name="TextBox 5">
             <a:extLst>
               <a:ext uri="{FF2B5EF4-FFF2-40B4-BE49-F238E27FC236}">
-                <a16:creationId xmlns:a16="http://schemas.microsoft.com/office/drawing/2014/main" id="{BA6DCF4C-0B85-5525-CBD7-2584E4AF60AC}"/>
+                <a16:creationId xmlns:a16="http://schemas.microsoft.com/office/drawing/2014/main" id="{C3B1E869-E8E7-7CC8-9215-9A2330FB8610}"/>
               </a:ext>
             </a:extLst>
           </p:cNvPr>
-          <p:cNvPicPr>
-            <a:picLocks noChangeAspect="1"/>
-          </p:cNvPicPr>
+          <p:cNvSpPr txBox="1"/>
           <p:nvPr/>
-        </p:nvPicPr>
-        <p:blipFill>
-          <a:blip r:embed="rId4" r:link="rId5"/>
-          <a:stretch>
-            <a:fillRect/>
-          </a:stretch>
-        </p:blipFill>
+        </p:nvSpPr>
         <p:spPr>
           <a:xfrm>
-            <a:off x="6523774" y="1233935"/>
-            <a:ext cx="4388414" cy="2633049"/>
+            <a:off x="7752894" y="632077"/>
+            <a:ext cx="3761773" cy="307777"/>
           </a:xfrm>
           <a:prstGeom prst="rect">
             <a:avLst/>
           </a:prstGeom>
+          <a:solidFill>
+            <a:schemeClr val="bg1"/>
+          </a:solidFill>
         </p:spPr>
-      </p:pic>
-      <p:cxnSp>
-        <p:nvCxnSpPr>
-          <p:cNvPr id="10" name="Straight Arrow Connector 9">
-            <a:extLst>
-              <a:ext uri="{FF2B5EF4-FFF2-40B4-BE49-F238E27FC236}">
-                <a16:creationId xmlns:a16="http://schemas.microsoft.com/office/drawing/2014/main" id="{EAEA5350-7D4B-A2BC-2D9D-E3002D4251D0}"/>
-              </a:ext>
-            </a:extLst>
-          </p:cNvPr>
-          <p:cNvCxnSpPr>
-            <a:cxnSpLocks/>
-          </p:cNvCxnSpPr>
-          <p:nvPr/>
-        </p:nvCxnSpPr>
-        <p:spPr>
-          <a:xfrm flipV="1">
-            <a:off x="4539916" y="3203215"/>
-            <a:ext cx="1884048" cy="747895"/>
-          </a:xfrm>
-          <a:prstGeom prst="straightConnector1">
-            <a:avLst/>
-          </a:prstGeom>
-          <a:ln>
-            <a:tailEnd type="triangle"/>
-          </a:ln>
-        </p:spPr>
-        <p:style>
-          <a:lnRef idx="1">
-            <a:schemeClr val="accent1"/>
-          </a:lnRef>
-          <a:fillRef idx="0">
-            <a:schemeClr val="accent1"/>
-          </a:fillRef>
-          <a:effectRef idx="0">
-            <a:schemeClr val="accent1"/>
-          </a:effectRef>
-          <a:fontRef idx="minor">
-            <a:schemeClr val="tx1"/>
-          </a:fontRef>
-        </p:style>
-      </p:cxnSp>
-      <p:cxnSp>
-        <p:nvCxnSpPr>
-          <p:cNvPr id="11" name="Straight Arrow Connector 10">
-            <a:extLst>
-              <a:ext uri="{FF2B5EF4-FFF2-40B4-BE49-F238E27FC236}">
-                <a16:creationId xmlns:a16="http://schemas.microsoft.com/office/drawing/2014/main" id="{B9BC3514-49CF-AE85-9042-9DE6911A22C8}"/>
-              </a:ext>
-            </a:extLst>
-          </p:cNvPr>
-          <p:cNvCxnSpPr>
-            <a:cxnSpLocks/>
-          </p:cNvCxnSpPr>
-          <p:nvPr/>
-        </p:nvCxnSpPr>
-        <p:spPr>
-          <a:xfrm flipV="1">
-            <a:off x="4785778" y="5413581"/>
-            <a:ext cx="1638186" cy="185114"/>
-          </a:xfrm>
-          <a:prstGeom prst="straightConnector1">
-            <a:avLst/>
-          </a:prstGeom>
-          <a:ln>
-            <a:tailEnd type="triangle"/>
-          </a:ln>
-        </p:spPr>
-        <p:style>
-          <a:lnRef idx="1">
-            <a:schemeClr val="accent1"/>
-          </a:lnRef>
-          <a:fillRef idx="0">
-            <a:schemeClr val="accent1"/>
-          </a:fillRef>
-          <a:effectRef idx="0">
-            <a:schemeClr val="accent1"/>
-          </a:effectRef>
-          <a:fontRef idx="minor">
-            <a:schemeClr val="tx1"/>
-          </a:fontRef>
-        </p:style>
-      </p:cxnSp>
-    </p:spTree>
-    <p:extLst>
-      <p:ext uri="{BB962C8B-B14F-4D97-AF65-F5344CB8AC3E}">
-        <p14:creationId xmlns:p14="http://schemas.microsoft.com/office/powerpoint/2010/main" val="363192555"/>
-      </p:ext>
-    </p:extLst>
-  </p:cSld>
-  <p:clrMapOvr>
-    <a:masterClrMapping/>
-  </p:clrMapOvr>
-</p:sld>
-</file>
-
-<file path=ppt/slides/slide8.xml><?xml version="1.0" encoding="utf-8"?>
-<p:sld xmlns:a="http://schemas.openxmlformats.org/drawingml/2006/main" xmlns:r="http://schemas.openxmlformats.org/officeDocument/2006/relationships" xmlns:p="http://schemas.openxmlformats.org/presentationml/2006/main">
-  <p:cSld>
-    <p:spTree>
-      <p:nvGrpSpPr>
-        <p:cNvPr id="1" name=""/>
-        <p:cNvGrpSpPr/>
-        <p:nvPr/>
-      </p:nvGrpSpPr>
-      <p:grpSpPr>
-        <a:xfrm>
-          <a:off x="0" y="0"/>
-          <a:ext cx="0" cy="0"/>
-          <a:chOff x="0" y="0"/>
-          <a:chExt cx="0" cy="0"/>
-        </a:xfrm>
-      </p:grpSpPr>
-      <p:sp>
-        <p:nvSpPr>
-          <p:cNvPr id="2" name="Title 1">
-            <a:extLst>
-              <a:ext uri="{FF2B5EF4-FFF2-40B4-BE49-F238E27FC236}">
-                <a16:creationId xmlns:a16="http://schemas.microsoft.com/office/drawing/2014/main" id="{A6D37FBA-21C5-0364-5084-103BDCF64D3C}"/>
-              </a:ext>
-            </a:extLst>
-          </p:cNvPr>
-          <p:cNvSpPr>
-            <a:spLocks noGrp="1"/>
-          </p:cNvSpPr>
-          <p:nvPr>
-            <p:ph type="title"/>
-          </p:nvPr>
-        </p:nvSpPr>
-        <p:spPr/>
         <p:txBody>
-          <a:bodyPr/>
+          <a:bodyPr wrap="square" rtlCol="0">
+            <a:spAutoFit/>
+          </a:bodyPr>
           <a:lstStyle/>
           <a:p>
-            <a:r>
-              <a:rPr lang="en-US" dirty="0"/>
-              <a:t>General Recommendation Ideas</a:t>
-            </a:r>
-          </a:p>
-        </p:txBody>
-      </p:sp>
-      <p:sp>
-        <p:nvSpPr>
-          <p:cNvPr id="3" name="Content Placeholder 2">
-            <a:extLst>
-              <a:ext uri="{FF2B5EF4-FFF2-40B4-BE49-F238E27FC236}">
-                <a16:creationId xmlns:a16="http://schemas.microsoft.com/office/drawing/2014/main" id="{816D1FDC-0EFE-B29F-8312-1E81AF87EE78}"/>
-              </a:ext>
-            </a:extLst>
-          </p:cNvPr>
-          <p:cNvSpPr>
-            <a:spLocks noGrp="1"/>
-          </p:cNvSpPr>
-          <p:nvPr>
-            <p:ph idx="1"/>
-          </p:nvPr>
-        </p:nvSpPr>
-        <p:spPr/>
-        <p:txBody>
-          <a:bodyPr/>
-          <a:lstStyle/>
-          <a:p>
-            <a:r>
-              <a:rPr lang="en-US" dirty="0"/>
-              <a:t>HIS complaints division is likely busy and cannot take on additional work. Responding to complaints is important for tenant safety, etc.</a:t>
-            </a:r>
-          </a:p>
-          <a:p>
-            <a:pPr lvl="1"/>
-            <a:r>
-              <a:rPr lang="en-US" dirty="0"/>
-              <a:t>HIS violations and complaints related to fire and electrical at R-2 parcels that might overlap with SFFD concerns should be flagged and routed to the SFFD database to help prioritize investigations.</a:t>
-            </a:r>
-          </a:p>
-          <a:p>
-            <a:pPr lvl="1"/>
-            <a:r>
-              <a:rPr lang="en-US" dirty="0"/>
-              <a:t>This could be more easily done with additional breakdown of the text field for complaints and investigations in the HIS data (NLP can help here but modifications to input forms should be considered).</a:t>
-            </a:r>
-          </a:p>
-          <a:p>
-            <a:pPr lvl="1"/>
-            <a:endParaRPr lang="en-US" dirty="0"/>
+            <a:pPr algn="ctr"/>
+            <a:r>
+              <a:rPr lang="en-US" sz="1400" dirty="0"/>
+              <a:t>HIS Violation Prediction Confusion Matrix</a:t>
+            </a:r>
           </a:p>
         </p:txBody>
       </p:sp>
     </p:spTree>
     <p:extLst>
       <p:ext uri="{BB962C8B-B14F-4D97-AF65-F5344CB8AC3E}">
-        <p14:creationId xmlns:p14="http://schemas.microsoft.com/office/powerpoint/2010/main" val="3434193458"/>
-      </p:ext>
-    </p:extLst>
-  </p:cSld>
-  <p:clrMapOvr>
-    <a:masterClrMapping/>
-  </p:clrMapOvr>
-</p:sld>
-</file>
-
-<file path=ppt/slides/slide9.xml><?xml version="1.0" encoding="utf-8"?>
-<p:sld xmlns:a="http://schemas.openxmlformats.org/drawingml/2006/main" xmlns:r="http://schemas.openxmlformats.org/officeDocument/2006/relationships" xmlns:p="http://schemas.openxmlformats.org/presentationml/2006/main">
-  <p:cSld>
-    <p:spTree>
-      <p:nvGrpSpPr>
-        <p:cNvPr id="1" name=""/>
-        <p:cNvGrpSpPr/>
-        <p:nvPr/>
-      </p:nvGrpSpPr>
-      <p:grpSpPr>
-        <a:xfrm>
-          <a:off x="0" y="0"/>
-          <a:ext cx="0" cy="0"/>
-          <a:chOff x="0" y="0"/>
-          <a:chExt cx="0" cy="0"/>
-        </a:xfrm>
-      </p:grpSpPr>
-      <p:sp>
-        <p:nvSpPr>
-          <p:cNvPr id="2" name="Title 1">
-            <a:extLst>
-              <a:ext uri="{FF2B5EF4-FFF2-40B4-BE49-F238E27FC236}">
-                <a16:creationId xmlns:a16="http://schemas.microsoft.com/office/drawing/2014/main" id="{AA4B7AAB-522A-AD05-49EF-C47D7AB1D6E6}"/>
-              </a:ext>
-            </a:extLst>
-          </p:cNvPr>
-          <p:cNvSpPr>
-            <a:spLocks noGrp="1"/>
-          </p:cNvSpPr>
-          <p:nvPr>
-            <p:ph type="title"/>
-          </p:nvPr>
-        </p:nvSpPr>
-        <p:spPr/>
-        <p:txBody>
-          <a:bodyPr/>
-          <a:lstStyle/>
-          <a:p>
-            <a:r>
-              <a:rPr lang="en-US" dirty="0"/>
-              <a:t>Recommendations to Improve Data Sources</a:t>
-            </a:r>
-          </a:p>
-        </p:txBody>
-      </p:sp>
-      <p:graphicFrame>
-        <p:nvGraphicFramePr>
-          <p:cNvPr id="4" name="Diagram 3">
-            <a:extLst>
-              <a:ext uri="{FF2B5EF4-FFF2-40B4-BE49-F238E27FC236}">
-                <a16:creationId xmlns:a16="http://schemas.microsoft.com/office/drawing/2014/main" id="{6AE38DEA-E6AA-FC17-66C9-74C19005FE9A}"/>
-              </a:ext>
-            </a:extLst>
-          </p:cNvPr>
-          <p:cNvGraphicFramePr/>
-          <p:nvPr>
-            <p:extLst>
-              <p:ext uri="{D42A27DB-BD31-4B8C-83A1-F6EECF244321}">
-                <p14:modId xmlns:p14="http://schemas.microsoft.com/office/powerpoint/2010/main" val="1095265902"/>
-              </p:ext>
-            </p:extLst>
-          </p:nvPr>
-        </p:nvGraphicFramePr>
-        <p:xfrm>
-          <a:off x="677334" y="1930400"/>
-          <a:ext cx="8128000" cy="4580965"/>
-        </p:xfrm>
-        <a:graphic>
-          <a:graphicData uri="http://schemas.openxmlformats.org/drawingml/2006/diagram">
-            <dgm:relIds xmlns:dgm="http://schemas.openxmlformats.org/drawingml/2006/diagram" xmlns:r="http://schemas.openxmlformats.org/officeDocument/2006/relationships" r:dm="rId2" r:lo="rId3" r:qs="rId4" r:cs="rId5"/>
-          </a:graphicData>
-        </a:graphic>
-      </p:graphicFrame>
-    </p:spTree>
-    <p:extLst>
-      <p:ext uri="{BB962C8B-B14F-4D97-AF65-F5344CB8AC3E}">
-        <p14:creationId xmlns:p14="http://schemas.microsoft.com/office/powerpoint/2010/main" val="851166892"/>
+        <p14:creationId xmlns:p14="http://schemas.microsoft.com/office/powerpoint/2010/main" val="1597995128"/>
       </p:ext>
     </p:extLst>
   </p:cSld>

--- a/SFPD Interview Presentation.pptx
+++ b/SFPD Interview Presentation.pptx
@@ -7,8 +7,8 @@
   <p:sldIdLst>
     <p:sldId id="256" r:id="rId2"/>
     <p:sldId id="258" r:id="rId3"/>
-    <p:sldId id="259" r:id="rId4"/>
-    <p:sldId id="260" r:id="rId5"/>
+    <p:sldId id="260" r:id="rId4"/>
+    <p:sldId id="259" r:id="rId5"/>
     <p:sldId id="265" r:id="rId6"/>
     <p:sldId id="261" r:id="rId7"/>
     <p:sldId id="266" r:id="rId8"/>
@@ -121,7 +121,7 @@
 <file path=ppt/revisionInfo.xml><?xml version="1.0" encoding="utf-8"?>
 <p1510:revInfo xmlns:a="http://schemas.openxmlformats.org/drawingml/2006/main" xmlns:r="http://schemas.openxmlformats.org/officeDocument/2006/relationships" xmlns:p1510="http://schemas.microsoft.com/office/powerpoint/2015/10/main">
   <p1510:revLst>
-    <p1510:client id="{083B4AAF-E5CB-A242-B6AD-8811F104ADBF}" v="393" dt="2024-01-30T23:55:39.865"/>
+    <p1510:client id="{083B4AAF-E5CB-A242-B6AD-8811F104ADBF}" v="526" dt="2024-01-31T05:48:13.166"/>
   </p1510:revLst>
 </p1510:revInfo>
 </file>
@@ -131,7 +131,7 @@
   <pc:docChgLst>
     <pc:chgData name="Justin Irving (PSP)" userId="2d08c4c9-6742-49e8-8078-c245a2e308f8" providerId="ADAL" clId="{083B4AAF-E5CB-A242-B6AD-8811F104ADBF}"/>
     <pc:docChg chg="undo custSel addSld delSld modSld sldOrd">
-      <pc:chgData name="Justin Irving (PSP)" userId="2d08c4c9-6742-49e8-8078-c245a2e308f8" providerId="ADAL" clId="{083B4AAF-E5CB-A242-B6AD-8811F104ADBF}" dt="2024-01-30T23:55:42.914" v="12352" actId="1076"/>
+      <pc:chgData name="Justin Irving (PSP)" userId="2d08c4c9-6742-49e8-8078-c245a2e308f8" providerId="ADAL" clId="{083B4AAF-E5CB-A242-B6AD-8811F104ADBF}" dt="2024-01-31T05:55:54.097" v="15393" actId="20577"/>
       <pc:docMkLst>
         <pc:docMk/>
       </pc:docMkLst>
@@ -159,13 +159,13 @@
         </pc:spChg>
       </pc:sldChg>
       <pc:sldChg chg="addSp delSp modSp mod">
-        <pc:chgData name="Justin Irving (PSP)" userId="2d08c4c9-6742-49e8-8078-c245a2e308f8" providerId="ADAL" clId="{083B4AAF-E5CB-A242-B6AD-8811F104ADBF}" dt="2024-01-30T23:33:02.416" v="10842" actId="14100"/>
+        <pc:chgData name="Justin Irving (PSP)" userId="2d08c4c9-6742-49e8-8078-c245a2e308f8" providerId="ADAL" clId="{083B4AAF-E5CB-A242-B6AD-8811F104ADBF}" dt="2024-01-31T04:02:12.713" v="14211" actId="20577"/>
         <pc:sldMkLst>
           <pc:docMk/>
           <pc:sldMk cId="851166892" sldId="257"/>
         </pc:sldMkLst>
         <pc:graphicFrameChg chg="mod">
-          <ac:chgData name="Justin Irving (PSP)" userId="2d08c4c9-6742-49e8-8078-c245a2e308f8" providerId="ADAL" clId="{083B4AAF-E5CB-A242-B6AD-8811F104ADBF}" dt="2024-01-30T23:33:02.416" v="10842" actId="14100"/>
+          <ac:chgData name="Justin Irving (PSP)" userId="2d08c4c9-6742-49e8-8078-c245a2e308f8" providerId="ADAL" clId="{083B4AAF-E5CB-A242-B6AD-8811F104ADBF}" dt="2024-01-31T04:02:12.713" v="14211" actId="20577"/>
           <ac:graphicFrameMkLst>
             <pc:docMk/>
             <pc:sldMk cId="851166892" sldId="257"/>
@@ -182,13 +182,13 @@
         </pc:picChg>
       </pc:sldChg>
       <pc:sldChg chg="modSp mod">
-        <pc:chgData name="Justin Irving (PSP)" userId="2d08c4c9-6742-49e8-8078-c245a2e308f8" providerId="ADAL" clId="{083B4AAF-E5CB-A242-B6AD-8811F104ADBF}" dt="2024-01-30T23:48:45.520" v="11971" actId="20577"/>
+        <pc:chgData name="Justin Irving (PSP)" userId="2d08c4c9-6742-49e8-8078-c245a2e308f8" providerId="ADAL" clId="{083B4AAF-E5CB-A242-B6AD-8811F104ADBF}" dt="2024-01-31T05:42:55.403" v="15063" actId="20577"/>
         <pc:sldMkLst>
           <pc:docMk/>
           <pc:sldMk cId="1560230055" sldId="258"/>
         </pc:sldMkLst>
         <pc:spChg chg="mod">
-          <ac:chgData name="Justin Irving (PSP)" userId="2d08c4c9-6742-49e8-8078-c245a2e308f8" providerId="ADAL" clId="{083B4AAF-E5CB-A242-B6AD-8811F104ADBF}" dt="2024-01-30T23:48:45.520" v="11971" actId="20577"/>
+          <ac:chgData name="Justin Irving (PSP)" userId="2d08c4c9-6742-49e8-8078-c245a2e308f8" providerId="ADAL" clId="{083B4AAF-E5CB-A242-B6AD-8811F104ADBF}" dt="2024-01-31T05:42:55.403" v="15063" actId="20577"/>
           <ac:spMkLst>
             <pc:docMk/>
             <pc:sldMk cId="1560230055" sldId="258"/>
@@ -197,13 +197,13 @@
         </pc:spChg>
       </pc:sldChg>
       <pc:sldChg chg="modSp mod">
-        <pc:chgData name="Justin Irving (PSP)" userId="2d08c4c9-6742-49e8-8078-c245a2e308f8" providerId="ADAL" clId="{083B4AAF-E5CB-A242-B6AD-8811F104ADBF}" dt="2024-01-30T23:50:47.266" v="12104" actId="313"/>
+        <pc:chgData name="Justin Irving (PSP)" userId="2d08c4c9-6742-49e8-8078-c245a2e308f8" providerId="ADAL" clId="{083B4AAF-E5CB-A242-B6AD-8811F104ADBF}" dt="2024-01-31T05:45:28.255" v="15073" actId="20577"/>
         <pc:sldMkLst>
           <pc:docMk/>
           <pc:sldMk cId="3868359730" sldId="259"/>
         </pc:sldMkLst>
         <pc:spChg chg="mod">
-          <ac:chgData name="Justin Irving (PSP)" userId="2d08c4c9-6742-49e8-8078-c245a2e308f8" providerId="ADAL" clId="{083B4AAF-E5CB-A242-B6AD-8811F104ADBF}" dt="2024-01-30T23:50:05.582" v="12020" actId="20577"/>
+          <ac:chgData name="Justin Irving (PSP)" userId="2d08c4c9-6742-49e8-8078-c245a2e308f8" providerId="ADAL" clId="{083B4AAF-E5CB-A242-B6AD-8811F104ADBF}" dt="2024-01-31T03:55:35.425" v="13756" actId="20577"/>
           <ac:spMkLst>
             <pc:docMk/>
             <pc:sldMk cId="3868359730" sldId="259"/>
@@ -211,7 +211,7 @@
           </ac:spMkLst>
         </pc:spChg>
         <pc:spChg chg="mod">
-          <ac:chgData name="Justin Irving (PSP)" userId="2d08c4c9-6742-49e8-8078-c245a2e308f8" providerId="ADAL" clId="{083B4AAF-E5CB-A242-B6AD-8811F104ADBF}" dt="2024-01-30T23:50:47.266" v="12104" actId="313"/>
+          <ac:chgData name="Justin Irving (PSP)" userId="2d08c4c9-6742-49e8-8078-c245a2e308f8" providerId="ADAL" clId="{083B4AAF-E5CB-A242-B6AD-8811F104ADBF}" dt="2024-01-31T05:45:28.255" v="15073" actId="20577"/>
           <ac:spMkLst>
             <pc:docMk/>
             <pc:sldMk cId="3868359730" sldId="259"/>
@@ -220,13 +220,13 @@
         </pc:spChg>
       </pc:sldChg>
       <pc:sldChg chg="modSp mod ord">
-        <pc:chgData name="Justin Irving (PSP)" userId="2d08c4c9-6742-49e8-8078-c245a2e308f8" providerId="ADAL" clId="{083B4AAF-E5CB-A242-B6AD-8811F104ADBF}" dt="2024-01-30T23:51:38.233" v="12190" actId="20577"/>
+        <pc:chgData name="Justin Irving (PSP)" userId="2d08c4c9-6742-49e8-8078-c245a2e308f8" providerId="ADAL" clId="{083B4AAF-E5CB-A242-B6AD-8811F104ADBF}" dt="2024-01-31T05:44:35.155" v="15066"/>
         <pc:sldMkLst>
           <pc:docMk/>
           <pc:sldMk cId="90660654" sldId="260"/>
         </pc:sldMkLst>
         <pc:spChg chg="mod">
-          <ac:chgData name="Justin Irving (PSP)" userId="2d08c4c9-6742-49e8-8078-c245a2e308f8" providerId="ADAL" clId="{083B4AAF-E5CB-A242-B6AD-8811F104ADBF}" dt="2024-01-30T23:51:38.233" v="12190" actId="20577"/>
+          <ac:chgData name="Justin Irving (PSP)" userId="2d08c4c9-6742-49e8-8078-c245a2e308f8" providerId="ADAL" clId="{083B4AAF-E5CB-A242-B6AD-8811F104ADBF}" dt="2024-01-31T05:44:35.155" v="15066"/>
           <ac:spMkLst>
             <pc:docMk/>
             <pc:sldMk cId="90660654" sldId="260"/>
@@ -235,7 +235,7 @@
         </pc:spChg>
       </pc:sldChg>
       <pc:sldChg chg="addSp delSp modSp new mod">
-        <pc:chgData name="Justin Irving (PSP)" userId="2d08c4c9-6742-49e8-8078-c245a2e308f8" providerId="ADAL" clId="{083B4AAF-E5CB-A242-B6AD-8811F104ADBF}" dt="2024-01-30T23:53:40.654" v="12335" actId="20577"/>
+        <pc:chgData name="Justin Irving (PSP)" userId="2d08c4c9-6742-49e8-8078-c245a2e308f8" providerId="ADAL" clId="{083B4AAF-E5CB-A242-B6AD-8811F104ADBF}" dt="2024-01-31T03:58:31.555" v="13942" actId="20577"/>
         <pc:sldMkLst>
           <pc:docMk/>
           <pc:sldMk cId="724008047" sldId="261"/>
@@ -249,7 +249,7 @@
           </ac:spMkLst>
         </pc:spChg>
         <pc:spChg chg="add del mod">
-          <ac:chgData name="Justin Irving (PSP)" userId="2d08c4c9-6742-49e8-8078-c245a2e308f8" providerId="ADAL" clId="{083B4AAF-E5CB-A242-B6AD-8811F104ADBF}" dt="2024-01-30T23:53:40.654" v="12335" actId="20577"/>
+          <ac:chgData name="Justin Irving (PSP)" userId="2d08c4c9-6742-49e8-8078-c245a2e308f8" providerId="ADAL" clId="{083B4AAF-E5CB-A242-B6AD-8811F104ADBF}" dt="2024-01-31T03:58:31.555" v="13942" actId="20577"/>
           <ac:spMkLst>
             <pc:docMk/>
             <pc:sldMk cId="724008047" sldId="261"/>
@@ -305,7 +305,7 @@
           </ac:picMkLst>
         </pc:picChg>
         <pc:picChg chg="add mod">
-          <ac:chgData name="Justin Irving (PSP)" userId="2d08c4c9-6742-49e8-8078-c245a2e308f8" providerId="ADAL" clId="{083B4AAF-E5CB-A242-B6AD-8811F104ADBF}" dt="2024-01-30T21:06:36.298" v="4234" actId="1076"/>
+          <ac:chgData name="Justin Irving (PSP)" userId="2d08c4c9-6742-49e8-8078-c245a2e308f8" providerId="ADAL" clId="{083B4AAF-E5CB-A242-B6AD-8811F104ADBF}" dt="2024-01-31T02:19:53.940" v="12920" actId="1076"/>
           <ac:picMkLst>
             <pc:docMk/>
             <pc:sldMk cId="724008047" sldId="261"/>
@@ -338,7 +338,7 @@
         </pc:cxnChg>
       </pc:sldChg>
       <pc:sldChg chg="addSp delSp modSp add mod">
-        <pc:chgData name="Justin Irving (PSP)" userId="2d08c4c9-6742-49e8-8078-c245a2e308f8" providerId="ADAL" clId="{083B4AAF-E5CB-A242-B6AD-8811F104ADBF}" dt="2024-01-30T22:42:42.936" v="8970" actId="115"/>
+        <pc:chgData name="Justin Irving (PSP)" userId="2d08c4c9-6742-49e8-8078-c245a2e308f8" providerId="ADAL" clId="{083B4AAF-E5CB-A242-B6AD-8811F104ADBF}" dt="2024-01-31T03:59:35.176" v="14081" actId="20577"/>
         <pc:sldMkLst>
           <pc:docMk/>
           <pc:sldMk cId="1748748722" sldId="262"/>
@@ -352,7 +352,7 @@
           </ac:spMkLst>
         </pc:spChg>
         <pc:spChg chg="mod">
-          <ac:chgData name="Justin Irving (PSP)" userId="2d08c4c9-6742-49e8-8078-c245a2e308f8" providerId="ADAL" clId="{083B4AAF-E5CB-A242-B6AD-8811F104ADBF}" dt="2024-01-30T22:38:01.082" v="8844" actId="15"/>
+          <ac:chgData name="Justin Irving (PSP)" userId="2d08c4c9-6742-49e8-8078-c245a2e308f8" providerId="ADAL" clId="{083B4AAF-E5CB-A242-B6AD-8811F104ADBF}" dt="2024-01-31T03:59:35.176" v="14081" actId="20577"/>
           <ac:spMkLst>
             <pc:docMk/>
             <pc:sldMk cId="1748748722" sldId="262"/>
@@ -449,13 +449,13 @@
         </pc:cxnChg>
       </pc:sldChg>
       <pc:sldChg chg="addSp delSp modSp add mod">
-        <pc:chgData name="Justin Irving (PSP)" userId="2d08c4c9-6742-49e8-8078-c245a2e308f8" providerId="ADAL" clId="{083B4AAF-E5CB-A242-B6AD-8811F104ADBF}" dt="2024-01-30T23:39:54.108" v="11587" actId="20577"/>
+        <pc:chgData name="Justin Irving (PSP)" userId="2d08c4c9-6742-49e8-8078-c245a2e308f8" providerId="ADAL" clId="{083B4AAF-E5CB-A242-B6AD-8811F104ADBF}" dt="2024-01-31T04:08:56.136" v="14819" actId="20577"/>
         <pc:sldMkLst>
           <pc:docMk/>
           <pc:sldMk cId="363192555" sldId="263"/>
         </pc:sldMkLst>
         <pc:spChg chg="mod">
-          <ac:chgData name="Justin Irving (PSP)" userId="2d08c4c9-6742-49e8-8078-c245a2e308f8" providerId="ADAL" clId="{083B4AAF-E5CB-A242-B6AD-8811F104ADBF}" dt="2024-01-30T22:57:55.893" v="9883" actId="14100"/>
+          <ac:chgData name="Justin Irving (PSP)" userId="2d08c4c9-6742-49e8-8078-c245a2e308f8" providerId="ADAL" clId="{083B4AAF-E5CB-A242-B6AD-8811F104ADBF}" dt="2024-01-31T03:59:59.981" v="14095" actId="20577"/>
           <ac:spMkLst>
             <pc:docMk/>
             <pc:sldMk cId="363192555" sldId="263"/>
@@ -471,7 +471,7 @@
           </ac:spMkLst>
         </pc:spChg>
         <pc:spChg chg="add del mod">
-          <ac:chgData name="Justin Irving (PSP)" userId="2d08c4c9-6742-49e8-8078-c245a2e308f8" providerId="ADAL" clId="{083B4AAF-E5CB-A242-B6AD-8811F104ADBF}" dt="2024-01-30T23:39:54.108" v="11587" actId="20577"/>
+          <ac:chgData name="Justin Irving (PSP)" userId="2d08c4c9-6742-49e8-8078-c245a2e308f8" providerId="ADAL" clId="{083B4AAF-E5CB-A242-B6AD-8811F104ADBF}" dt="2024-01-31T04:08:56.136" v="14819" actId="20577"/>
           <ac:spMkLst>
             <pc:docMk/>
             <pc:sldMk cId="363192555" sldId="263"/>
@@ -535,13 +535,13 @@
         </pc:spChg>
       </pc:sldChg>
       <pc:sldChg chg="modSp add mod">
-        <pc:chgData name="Justin Irving (PSP)" userId="2d08c4c9-6742-49e8-8078-c245a2e308f8" providerId="ADAL" clId="{083B4AAF-E5CB-A242-B6AD-8811F104ADBF}" dt="2024-01-30T23:53:25.291" v="12319" actId="114"/>
+        <pc:chgData name="Justin Irving (PSP)" userId="2d08c4c9-6742-49e8-8078-c245a2e308f8" providerId="ADAL" clId="{083B4AAF-E5CB-A242-B6AD-8811F104ADBF}" dt="2024-01-31T05:55:54.097" v="15393" actId="20577"/>
         <pc:sldMkLst>
           <pc:docMk/>
           <pc:sldMk cId="3220334794" sldId="265"/>
         </pc:sldMkLst>
         <pc:spChg chg="mod">
-          <ac:chgData name="Justin Irving (PSP)" userId="2d08c4c9-6742-49e8-8078-c245a2e308f8" providerId="ADAL" clId="{083B4AAF-E5CB-A242-B6AD-8811F104ADBF}" dt="2024-01-30T17:50:27.848" v="2727" actId="20577"/>
+          <ac:chgData name="Justin Irving (PSP)" userId="2d08c4c9-6742-49e8-8078-c245a2e308f8" providerId="ADAL" clId="{083B4AAF-E5CB-A242-B6AD-8811F104ADBF}" dt="2024-01-31T03:55:43.671" v="13757"/>
           <ac:spMkLst>
             <pc:docMk/>
             <pc:sldMk cId="3220334794" sldId="265"/>
@@ -549,7 +549,7 @@
           </ac:spMkLst>
         </pc:spChg>
         <pc:spChg chg="mod">
-          <ac:chgData name="Justin Irving (PSP)" userId="2d08c4c9-6742-49e8-8078-c245a2e308f8" providerId="ADAL" clId="{083B4AAF-E5CB-A242-B6AD-8811F104ADBF}" dt="2024-01-30T23:53:25.291" v="12319" actId="114"/>
+          <ac:chgData name="Justin Irving (PSP)" userId="2d08c4c9-6742-49e8-8078-c245a2e308f8" providerId="ADAL" clId="{083B4AAF-E5CB-A242-B6AD-8811F104ADBF}" dt="2024-01-31T05:55:54.097" v="15393" actId="20577"/>
           <ac:spMkLst>
             <pc:docMk/>
             <pc:sldMk cId="3220334794" sldId="265"/>
@@ -558,7 +558,7 @@
         </pc:spChg>
       </pc:sldChg>
       <pc:sldChg chg="addSp delSp modSp add mod">
-        <pc:chgData name="Justin Irving (PSP)" userId="2d08c4c9-6742-49e8-8078-c245a2e308f8" providerId="ADAL" clId="{083B4AAF-E5CB-A242-B6AD-8811F104ADBF}" dt="2024-01-30T22:42:39.438" v="8969" actId="115"/>
+        <pc:chgData name="Justin Irving (PSP)" userId="2d08c4c9-6742-49e8-8078-c245a2e308f8" providerId="ADAL" clId="{083B4AAF-E5CB-A242-B6AD-8811F104ADBF}" dt="2024-01-31T03:59:37.794" v="14083" actId="20577"/>
         <pc:sldMkLst>
           <pc:docMk/>
           <pc:sldMk cId="468942318" sldId="266"/>
@@ -572,7 +572,7 @@
           </ac:spMkLst>
         </pc:spChg>
         <pc:spChg chg="mod">
-          <ac:chgData name="Justin Irving (PSP)" userId="2d08c4c9-6742-49e8-8078-c245a2e308f8" providerId="ADAL" clId="{083B4AAF-E5CB-A242-B6AD-8811F104ADBF}" dt="2024-01-30T22:38:24.013" v="8859" actId="14100"/>
+          <ac:chgData name="Justin Irving (PSP)" userId="2d08c4c9-6742-49e8-8078-c245a2e308f8" providerId="ADAL" clId="{083B4AAF-E5CB-A242-B6AD-8811F104ADBF}" dt="2024-01-31T03:59:37.794" v="14083" actId="20577"/>
           <ac:spMkLst>
             <pc:docMk/>
             <pc:sldMk cId="468942318" sldId="266"/>
@@ -629,7 +629,7 @@
         </pc:picChg>
       </pc:sldChg>
       <pc:sldChg chg="addSp delSp modSp add mod">
-        <pc:chgData name="Justin Irving (PSP)" userId="2d08c4c9-6742-49e8-8078-c245a2e308f8" providerId="ADAL" clId="{083B4AAF-E5CB-A242-B6AD-8811F104ADBF}" dt="2024-01-30T22:57:37.196" v="9871" actId="20577"/>
+        <pc:chgData name="Justin Irving (PSP)" userId="2d08c4c9-6742-49e8-8078-c245a2e308f8" providerId="ADAL" clId="{083B4AAF-E5CB-A242-B6AD-8811F104ADBF}" dt="2024-01-31T04:23:49.312" v="15024" actId="27636"/>
         <pc:sldMkLst>
           <pc:docMk/>
           <pc:sldMk cId="1597995128" sldId="267"/>
@@ -643,7 +643,7 @@
           </ac:spMkLst>
         </pc:spChg>
         <pc:spChg chg="mod">
-          <ac:chgData name="Justin Irving (PSP)" userId="2d08c4c9-6742-49e8-8078-c245a2e308f8" providerId="ADAL" clId="{083B4AAF-E5CB-A242-B6AD-8811F104ADBF}" dt="2024-01-30T22:55:09.725" v="9786" actId="27636"/>
+          <ac:chgData name="Justin Irving (PSP)" userId="2d08c4c9-6742-49e8-8078-c245a2e308f8" providerId="ADAL" clId="{083B4AAF-E5CB-A242-B6AD-8811F104ADBF}" dt="2024-01-31T04:23:49.312" v="15024" actId="27636"/>
           <ac:spMkLst>
             <pc:docMk/>
             <pc:sldMk cId="1597995128" sldId="267"/>
@@ -666,8 +666,16 @@
             <ac:spMk id="6" creationId="{C3B1E869-E8E7-7CC8-9215-9A2330FB8610}"/>
           </ac:spMkLst>
         </pc:spChg>
-        <pc:grpChg chg="add mod">
-          <ac:chgData name="Justin Irving (PSP)" userId="2d08c4c9-6742-49e8-8078-c245a2e308f8" providerId="ADAL" clId="{083B4AAF-E5CB-A242-B6AD-8811F104ADBF}" dt="2024-01-30T22:57:14.657" v="9851" actId="1076"/>
+        <pc:spChg chg="add mod">
+          <ac:chgData name="Justin Irving (PSP)" userId="2d08c4c9-6742-49e8-8078-c245a2e308f8" providerId="ADAL" clId="{083B4AAF-E5CB-A242-B6AD-8811F104ADBF}" dt="2024-01-31T04:04:47.422" v="14278" actId="20577"/>
+          <ac:spMkLst>
+            <pc:docMk/>
+            <pc:sldMk cId="1597995128" sldId="267"/>
+            <ac:spMk id="7" creationId="{9C7E6E26-0B89-1D7C-2D73-F042208D5987}"/>
+          </ac:spMkLst>
+        </pc:spChg>
+        <pc:grpChg chg="add del mod">
+          <ac:chgData name="Justin Irving (PSP)" userId="2d08c4c9-6742-49e8-8078-c245a2e308f8" providerId="ADAL" clId="{083B4AAF-E5CB-A242-B6AD-8811F104ADBF}" dt="2024-01-31T04:04:24.002" v="14257" actId="478"/>
           <ac:grpSpMkLst>
             <pc:docMk/>
             <pc:sldMk cId="1597995128" sldId="267"/>
@@ -704,6 +712,14 @@
             <pc:docMk/>
             <pc:sldMk cId="1597995128" sldId="267"/>
             <ac:picMk id="3076" creationId="{16D5BA98-DCE7-FA0E-9BEB-41992B4F10D8}"/>
+          </ac:picMkLst>
+        </pc:picChg>
+        <pc:picChg chg="add mod">
+          <ac:chgData name="Justin Irving (PSP)" userId="2d08c4c9-6742-49e8-8078-c245a2e308f8" providerId="ADAL" clId="{083B4AAF-E5CB-A242-B6AD-8811F104ADBF}" dt="2024-01-31T04:04:34.334" v="14262" actId="14100"/>
+          <ac:picMkLst>
+            <pc:docMk/>
+            <pc:sldMk cId="1597995128" sldId="267"/>
+            <ac:picMk id="3078" creationId="{83F80FFA-E71B-4414-5B42-86EDC9B74CAF}"/>
           </ac:picMkLst>
         </pc:picChg>
       </pc:sldChg>
@@ -787,7 +803,7 @@
         </pc:picChg>
       </pc:sldChg>
       <pc:sldChg chg="addSp delSp modSp add mod">
-        <pc:chgData name="Justin Irving (PSP)" userId="2d08c4c9-6742-49e8-8078-c245a2e308f8" providerId="ADAL" clId="{083B4AAF-E5CB-A242-B6AD-8811F104ADBF}" dt="2024-01-30T23:55:42.914" v="12352" actId="1076"/>
+        <pc:chgData name="Justin Irving (PSP)" userId="2d08c4c9-6742-49e8-8078-c245a2e308f8" providerId="ADAL" clId="{083B4AAF-E5CB-A242-B6AD-8811F104ADBF}" dt="2024-01-31T04:09:08.235" v="14827" actId="20577"/>
         <pc:sldMkLst>
           <pc:docMk/>
           <pc:sldMk cId="2472911605" sldId="268"/>
@@ -801,11 +817,91 @@
           </ac:spMkLst>
         </pc:spChg>
         <pc:spChg chg="add mod">
-          <ac:chgData name="Justin Irving (PSP)" userId="2d08c4c9-6742-49e8-8078-c245a2e308f8" providerId="ADAL" clId="{083B4AAF-E5CB-A242-B6AD-8811F104ADBF}" dt="2024-01-30T23:54:57.098" v="12345" actId="14100"/>
+          <ac:chgData name="Justin Irving (PSP)" userId="2d08c4c9-6742-49e8-8078-c245a2e308f8" providerId="ADAL" clId="{083B4AAF-E5CB-A242-B6AD-8811F104ADBF}" dt="2024-01-31T00:18:24.812" v="12577" actId="20577"/>
           <ac:spMkLst>
             <pc:docMk/>
             <pc:sldMk cId="2472911605" sldId="268"/>
             <ac:spMk id="3" creationId="{15BB7AB1-4241-733E-FEE8-7B81A0FC6172}"/>
+          </ac:spMkLst>
+        </pc:spChg>
+        <pc:spChg chg="add mod">
+          <ac:chgData name="Justin Irving (PSP)" userId="2d08c4c9-6742-49e8-8078-c245a2e308f8" providerId="ADAL" clId="{083B4AAF-E5CB-A242-B6AD-8811F104ADBF}" dt="2024-01-31T00:18:06.334" v="12574" actId="1036"/>
+          <ac:spMkLst>
+            <pc:docMk/>
+            <pc:sldMk cId="2472911605" sldId="268"/>
+            <ac:spMk id="11" creationId="{054443E9-7B32-49CA-2A98-0006CC6C1E61}"/>
+          </ac:spMkLst>
+        </pc:spChg>
+        <pc:spChg chg="add del mod">
+          <ac:chgData name="Justin Irving (PSP)" userId="2d08c4c9-6742-49e8-8078-c245a2e308f8" providerId="ADAL" clId="{083B4AAF-E5CB-A242-B6AD-8811F104ADBF}" dt="2024-01-31T00:12:38.981" v="12358" actId="478"/>
+          <ac:spMkLst>
+            <pc:docMk/>
+            <pc:sldMk cId="2472911605" sldId="268"/>
+            <ac:spMk id="13" creationId="{7C616B90-F17D-6CF9-D8F6-CAC986B88742}"/>
+          </ac:spMkLst>
+        </pc:spChg>
+        <pc:spChg chg="add mod">
+          <ac:chgData name="Justin Irving (PSP)" userId="2d08c4c9-6742-49e8-8078-c245a2e308f8" providerId="ADAL" clId="{083B4AAF-E5CB-A242-B6AD-8811F104ADBF}" dt="2024-01-31T00:18:06.334" v="12574" actId="1036"/>
+          <ac:spMkLst>
+            <pc:docMk/>
+            <pc:sldMk cId="2472911605" sldId="268"/>
+            <ac:spMk id="14" creationId="{1BD7925B-484E-61A9-12E7-AE08394EA842}"/>
+          </ac:spMkLst>
+        </pc:spChg>
+        <pc:spChg chg="add mod">
+          <ac:chgData name="Justin Irving (PSP)" userId="2d08c4c9-6742-49e8-8078-c245a2e308f8" providerId="ADAL" clId="{083B4AAF-E5CB-A242-B6AD-8811F104ADBF}" dt="2024-01-31T00:18:06.334" v="12574" actId="1036"/>
+          <ac:spMkLst>
+            <pc:docMk/>
+            <pc:sldMk cId="2472911605" sldId="268"/>
+            <ac:spMk id="15" creationId="{0679FD0A-E017-229C-DE01-C4D2AC4264DC}"/>
+          </ac:spMkLst>
+        </pc:spChg>
+        <pc:spChg chg="add mod">
+          <ac:chgData name="Justin Irving (PSP)" userId="2d08c4c9-6742-49e8-8078-c245a2e308f8" providerId="ADAL" clId="{083B4AAF-E5CB-A242-B6AD-8811F104ADBF}" dt="2024-01-31T00:18:06.334" v="12574" actId="1036"/>
+          <ac:spMkLst>
+            <pc:docMk/>
+            <pc:sldMk cId="2472911605" sldId="268"/>
+            <ac:spMk id="19" creationId="{3748A520-323D-8D38-0225-367827DD0A2B}"/>
+          </ac:spMkLst>
+        </pc:spChg>
+        <pc:spChg chg="add mod">
+          <ac:chgData name="Justin Irving (PSP)" userId="2d08c4c9-6742-49e8-8078-c245a2e308f8" providerId="ADAL" clId="{083B4AAF-E5CB-A242-B6AD-8811F104ADBF}" dt="2024-01-31T00:18:06.334" v="12574" actId="1036"/>
+          <ac:spMkLst>
+            <pc:docMk/>
+            <pc:sldMk cId="2472911605" sldId="268"/>
+            <ac:spMk id="23" creationId="{7551F0DA-7C50-372A-B12D-5EAA016C8E66}"/>
+          </ac:spMkLst>
+        </pc:spChg>
+        <pc:spChg chg="add mod">
+          <ac:chgData name="Justin Irving (PSP)" userId="2d08c4c9-6742-49e8-8078-c245a2e308f8" providerId="ADAL" clId="{083B4AAF-E5CB-A242-B6AD-8811F104ADBF}" dt="2024-01-31T00:18:06.334" v="12574" actId="1036"/>
+          <ac:spMkLst>
+            <pc:docMk/>
+            <pc:sldMk cId="2472911605" sldId="268"/>
+            <ac:spMk id="24" creationId="{B2FF5AC8-6A30-755E-B245-F835CC2EB465}"/>
+          </ac:spMkLst>
+        </pc:spChg>
+        <pc:spChg chg="add mod">
+          <ac:chgData name="Justin Irving (PSP)" userId="2d08c4c9-6742-49e8-8078-c245a2e308f8" providerId="ADAL" clId="{083B4AAF-E5CB-A242-B6AD-8811F104ADBF}" dt="2024-01-31T00:18:06.334" v="12574" actId="1036"/>
+          <ac:spMkLst>
+            <pc:docMk/>
+            <pc:sldMk cId="2472911605" sldId="268"/>
+            <ac:spMk id="25" creationId="{3DC0EDD2-40A9-9D63-32F7-CD40BE3604DB}"/>
+          </ac:spMkLst>
+        </pc:spChg>
+        <pc:spChg chg="add del mod">
+          <ac:chgData name="Justin Irving (PSP)" userId="2d08c4c9-6742-49e8-8078-c245a2e308f8" providerId="ADAL" clId="{083B4AAF-E5CB-A242-B6AD-8811F104ADBF}" dt="2024-01-31T00:17:37.202" v="12525" actId="478"/>
+          <ac:spMkLst>
+            <pc:docMk/>
+            <pc:sldMk cId="2472911605" sldId="268"/>
+            <ac:spMk id="26" creationId="{7290D457-B795-A36F-A143-1CAA1682B087}"/>
+          </ac:spMkLst>
+        </pc:spChg>
+        <pc:spChg chg="add mod">
+          <ac:chgData name="Justin Irving (PSP)" userId="2d08c4c9-6742-49e8-8078-c245a2e308f8" providerId="ADAL" clId="{083B4AAF-E5CB-A242-B6AD-8811F104ADBF}" dt="2024-01-31T04:09:08.235" v="14827" actId="20577"/>
+          <ac:spMkLst>
+            <pc:docMk/>
+            <pc:sldMk cId="2472911605" sldId="268"/>
+            <ac:spMk id="27" creationId="{0E673FF3-077A-7E8C-584D-9807F8968DDB}"/>
           </ac:spMkLst>
         </pc:spChg>
         <pc:graphicFrameChg chg="del">
@@ -817,7 +913,7 @@
           </ac:graphicFrameMkLst>
         </pc:graphicFrameChg>
         <pc:picChg chg="add mod">
-          <ac:chgData name="Justin Irving (PSP)" userId="2d08c4c9-6742-49e8-8078-c245a2e308f8" providerId="ADAL" clId="{083B4AAF-E5CB-A242-B6AD-8811F104ADBF}" dt="2024-01-30T23:55:03.918" v="12346" actId="1076"/>
+          <ac:chgData name="Justin Irving (PSP)" userId="2d08c4c9-6742-49e8-8078-c245a2e308f8" providerId="ADAL" clId="{083B4AAF-E5CB-A242-B6AD-8811F104ADBF}" dt="2024-01-31T00:18:06.334" v="12574" actId="1036"/>
           <ac:picMkLst>
             <pc:docMk/>
             <pc:sldMk cId="2472911605" sldId="268"/>
@@ -833,7 +929,7 @@
           </ac:picMkLst>
         </pc:picChg>
         <pc:picChg chg="add mod">
-          <ac:chgData name="Justin Irving (PSP)" userId="2d08c4c9-6742-49e8-8078-c245a2e308f8" providerId="ADAL" clId="{083B4AAF-E5CB-A242-B6AD-8811F104ADBF}" dt="2024-01-30T23:55:03.918" v="12346" actId="1076"/>
+          <ac:chgData name="Justin Irving (PSP)" userId="2d08c4c9-6742-49e8-8078-c245a2e308f8" providerId="ADAL" clId="{083B4AAF-E5CB-A242-B6AD-8811F104ADBF}" dt="2024-01-31T00:18:06.334" v="12574" actId="1036"/>
           <ac:picMkLst>
             <pc:docMk/>
             <pc:sldMk cId="2472911605" sldId="268"/>
@@ -841,7 +937,7 @@
           </ac:picMkLst>
         </pc:picChg>
         <pc:picChg chg="add mod">
-          <ac:chgData name="Justin Irving (PSP)" userId="2d08c4c9-6742-49e8-8078-c245a2e308f8" providerId="ADAL" clId="{083B4AAF-E5CB-A242-B6AD-8811F104ADBF}" dt="2024-01-30T23:55:03.918" v="12346" actId="1076"/>
+          <ac:chgData name="Justin Irving (PSP)" userId="2d08c4c9-6742-49e8-8078-c245a2e308f8" providerId="ADAL" clId="{083B4AAF-E5CB-A242-B6AD-8811F104ADBF}" dt="2024-01-31T00:18:06.334" v="12574" actId="1036"/>
           <ac:picMkLst>
             <pc:docMk/>
             <pc:sldMk cId="2472911605" sldId="268"/>
@@ -849,37 +945,68 @@
           </ac:picMkLst>
         </pc:picChg>
         <pc:picChg chg="add mod">
-          <ac:chgData name="Justin Irving (PSP)" userId="2d08c4c9-6742-49e8-8078-c245a2e308f8" providerId="ADAL" clId="{083B4AAF-E5CB-A242-B6AD-8811F104ADBF}" dt="2024-01-30T23:55:03.918" v="12346" actId="1076"/>
+          <ac:chgData name="Justin Irving (PSP)" userId="2d08c4c9-6742-49e8-8078-c245a2e308f8" providerId="ADAL" clId="{083B4AAF-E5CB-A242-B6AD-8811F104ADBF}" dt="2024-01-31T00:18:06.334" v="12574" actId="1036"/>
           <ac:picMkLst>
             <pc:docMk/>
             <pc:sldMk cId="2472911605" sldId="268"/>
             <ac:picMk id="4104" creationId="{3DACDD16-4D8E-25E6-3386-FA60F9D47127}"/>
           </ac:picMkLst>
         </pc:picChg>
-        <pc:cxnChg chg="add mod">
-          <ac:chgData name="Justin Irving (PSP)" userId="2d08c4c9-6742-49e8-8078-c245a2e308f8" providerId="ADAL" clId="{083B4AAF-E5CB-A242-B6AD-8811F104ADBF}" dt="2024-01-30T23:55:32.945" v="12348" actId="14100"/>
+        <pc:cxnChg chg="add del mod">
+          <ac:chgData name="Justin Irving (PSP)" userId="2d08c4c9-6742-49e8-8078-c245a2e308f8" providerId="ADAL" clId="{083B4AAF-E5CB-A242-B6AD-8811F104ADBF}" dt="2024-01-31T00:14:48.773" v="12413" actId="478"/>
           <ac:cxnSpMkLst>
             <pc:docMk/>
             <pc:sldMk cId="2472911605" sldId="268"/>
             <ac:cxnSpMk id="7" creationId="{6EF49B3C-07AD-6872-B129-C11069DA4E1D}"/>
           </ac:cxnSpMkLst>
         </pc:cxnChg>
-        <pc:cxnChg chg="add mod">
-          <ac:chgData name="Justin Irving (PSP)" userId="2d08c4c9-6742-49e8-8078-c245a2e308f8" providerId="ADAL" clId="{083B4AAF-E5CB-A242-B6AD-8811F104ADBF}" dt="2024-01-30T23:55:38.764" v="12350" actId="1076"/>
+        <pc:cxnChg chg="add del mod">
+          <ac:chgData name="Justin Irving (PSP)" userId="2d08c4c9-6742-49e8-8078-c245a2e308f8" providerId="ADAL" clId="{083B4AAF-E5CB-A242-B6AD-8811F104ADBF}" dt="2024-01-31T00:14:46.049" v="12412" actId="478"/>
           <ac:cxnSpMkLst>
             <pc:docMk/>
             <pc:sldMk cId="2472911605" sldId="268"/>
             <ac:cxnSpMk id="9" creationId="{8A3C9614-E7E7-0F9C-89D8-9CBF9B8E9797}"/>
           </ac:cxnSpMkLst>
         </pc:cxnChg>
-        <pc:cxnChg chg="add mod">
-          <ac:chgData name="Justin Irving (PSP)" userId="2d08c4c9-6742-49e8-8078-c245a2e308f8" providerId="ADAL" clId="{083B4AAF-E5CB-A242-B6AD-8811F104ADBF}" dt="2024-01-30T23:55:42.914" v="12352" actId="1076"/>
+        <pc:cxnChg chg="add del mod">
+          <ac:chgData name="Justin Irving (PSP)" userId="2d08c4c9-6742-49e8-8078-c245a2e308f8" providerId="ADAL" clId="{083B4AAF-E5CB-A242-B6AD-8811F104ADBF}" dt="2024-01-31T00:15:49.259" v="12461" actId="478"/>
           <ac:cxnSpMkLst>
             <pc:docMk/>
             <pc:sldMk cId="2472911605" sldId="268"/>
             <ac:cxnSpMk id="10" creationId="{52EC78FD-55B9-51A5-6705-3DBC47C058C5}"/>
           </ac:cxnSpMkLst>
         </pc:cxnChg>
+        <pc:cxnChg chg="add del mod">
+          <ac:chgData name="Justin Irving (PSP)" userId="2d08c4c9-6742-49e8-8078-c245a2e308f8" providerId="ADAL" clId="{083B4AAF-E5CB-A242-B6AD-8811F104ADBF}" dt="2024-01-31T00:16:02.142" v="12464" actId="478"/>
+          <ac:cxnSpMkLst>
+            <pc:docMk/>
+            <pc:sldMk cId="2472911605" sldId="268"/>
+            <ac:cxnSpMk id="21" creationId="{01703583-4C00-E36A-8A8B-65D54C2DFE2E}"/>
+          </ac:cxnSpMkLst>
+        </pc:cxnChg>
+      </pc:sldChg>
+      <pc:sldChg chg="modSp add del mod">
+        <pc:chgData name="Justin Irving (PSP)" userId="2d08c4c9-6742-49e8-8078-c245a2e308f8" providerId="ADAL" clId="{083B4AAF-E5CB-A242-B6AD-8811F104ADBF}" dt="2024-01-31T04:03:08.328" v="14256" actId="2696"/>
+        <pc:sldMkLst>
+          <pc:docMk/>
+          <pc:sldMk cId="3565944005" sldId="269"/>
+        </pc:sldMkLst>
+        <pc:spChg chg="mod">
+          <ac:chgData name="Justin Irving (PSP)" userId="2d08c4c9-6742-49e8-8078-c245a2e308f8" providerId="ADAL" clId="{083B4AAF-E5CB-A242-B6AD-8811F104ADBF}" dt="2024-01-31T04:02:38.873" v="14234" actId="20577"/>
+          <ac:spMkLst>
+            <pc:docMk/>
+            <pc:sldMk cId="3565944005" sldId="269"/>
+            <ac:spMk id="2" creationId="{FEA25168-4ED9-22DD-E43E-CD73347C7422}"/>
+          </ac:spMkLst>
+        </pc:spChg>
+        <pc:spChg chg="mod">
+          <ac:chgData name="Justin Irving (PSP)" userId="2d08c4c9-6742-49e8-8078-c245a2e308f8" providerId="ADAL" clId="{083B4AAF-E5CB-A242-B6AD-8811F104ADBF}" dt="2024-01-31T04:02:50.434" v="14255" actId="20577"/>
+          <ac:spMkLst>
+            <pc:docMk/>
+            <pc:sldMk cId="3565944005" sldId="269"/>
+            <ac:spMk id="6" creationId="{F8970C30-5F1C-D992-774D-1E13FD60B7D3}"/>
+          </ac:spMkLst>
+        </pc:spChg>
       </pc:sldChg>
     </pc:docChg>
   </pc:docChgLst>
@@ -1649,7 +1776,11 @@
     </dgm:pt>
     <dgm:pt modelId="{8A9DC962-38A6-7F42-9B3A-761D0DF63D8C}">
       <dgm:prSet phldrT="[Text]"/>
-      <dgm:spPr/>
+      <dgm:spPr>
+        <a:solidFill>
+          <a:schemeClr val="accent2"/>
+        </a:solidFill>
+      </dgm:spPr>
       <dgm:t>
         <a:bodyPr/>
         <a:lstStyle/>
@@ -1764,7 +1895,7 @@
         <a:p>
           <a:r>
             <a:rPr lang="en-US" dirty="0"/>
-            <a:t>Provide addition select boxes for complain types on complaint form (appears to be mainly text).</a:t>
+            <a:t>Provide addition select boxes for complaint types on complaint form (appears to be mainly text which makes it hard to filter and run analytics on).</a:t>
           </a:r>
         </a:p>
       </dgm:t>
@@ -1827,42 +1958,6 @@
         </a:p>
       </dgm:t>
     </dgm:pt>
-    <dgm:pt modelId="{74552853-3AF2-9642-975E-8F9D08C4211B}">
-      <dgm:prSet phldrT="[Text]"/>
-      <dgm:spPr/>
-      <dgm:t>
-        <a:bodyPr/>
-        <a:lstStyle/>
-        <a:p>
-          <a:r>
-            <a:rPr lang="en-US" dirty="0"/>
-            <a:t>Communicate active fire-related complaints. associated with R-2 to SFFD for prioritization.</a:t>
-          </a:r>
-        </a:p>
-      </dgm:t>
-    </dgm:pt>
-    <dgm:pt modelId="{3FC76AC1-B91C-1C40-A05D-4439B8C8BA5F}" type="parTrans" cxnId="{CF371C21-5616-314B-8755-AA38B0D15DD4}">
-      <dgm:prSet/>
-      <dgm:spPr/>
-      <dgm:t>
-        <a:bodyPr/>
-        <a:lstStyle/>
-        <a:p>
-          <a:endParaRPr lang="en-US"/>
-        </a:p>
-      </dgm:t>
-    </dgm:pt>
-    <dgm:pt modelId="{A120EA48-F532-0C4F-AF79-B69C2FB0C6FF}" type="sibTrans" cxnId="{CF371C21-5616-314B-8755-AA38B0D15DD4}">
-      <dgm:prSet/>
-      <dgm:spPr/>
-      <dgm:t>
-        <a:bodyPr/>
-        <a:lstStyle/>
-        <a:p>
-          <a:endParaRPr lang="en-US"/>
-        </a:p>
-      </dgm:t>
-    </dgm:pt>
     <dgm:pt modelId="{739C8B35-9393-0749-90E2-4194818EC2BD}">
       <dgm:prSet phldrT="[Text]"/>
       <dgm:spPr/>
@@ -1911,7 +2006,7 @@
             <a:t>Standardize </a:t>
           </a:r>
           <a:r>
-            <a:rPr lang="en-US" dirty="0" err="1"/>
+            <a:rPr lang="en-US" i="1" dirty="0" err="1"/>
             <a:t>action_taken_primary</a:t>
           </a:r>
           <a:r>
@@ -1952,7 +2047,7 @@
         <a:p>
           <a:r>
             <a:rPr lang="en-US" dirty="0"/>
-            <a:t>Integrate parcel spatial join into SFFD data pipelines so it doesn’t need to be done after the fact (single source of truth).</a:t>
+            <a:t>Integrate parcel spatial join into SFFD data pipelines so it does not need to be done after the fact (single source of truth).</a:t>
           </a:r>
         </a:p>
       </dgm:t>
@@ -2114,10 +2209,9 @@
     <dgm:cxn modelId="{2B42F50A-D3BD-C24F-A708-B51682941F73}" type="presOf" srcId="{1F3FFE17-AFE9-FA49-98A2-E8921D0D10C4}" destId="{8F826C78-B259-DF41-BB93-88158EA1366C}" srcOrd="0" destOrd="0" presId="urn:microsoft.com/office/officeart/2005/8/layout/hList1"/>
     <dgm:cxn modelId="{D195AC14-D60E-5C4A-9B3F-C3FF4BC181EC}" type="presOf" srcId="{60E27C5B-2878-734C-81BC-9656E1DE0221}" destId="{AC194BF3-6CE8-E34D-8A4C-23B2631BF14A}" srcOrd="0" destOrd="0" presId="urn:microsoft.com/office/officeart/2005/8/layout/hList1"/>
     <dgm:cxn modelId="{F9186A17-76F7-0C47-A49B-35F52CFD2F4B}" srcId="{709D130C-A4F4-E340-B18B-B54204F5186F}" destId="{77B5FDC3-0724-CB48-B899-8D500C6DB1C6}" srcOrd="1" destOrd="0" parTransId="{C726FDE6-034D-524A-8E60-8D7EBA110EE7}" sibTransId="{64A7D1FF-50B9-C94E-A8E5-331BBB8A3A27}"/>
-    <dgm:cxn modelId="{2A8B6E20-D8AC-B049-92EB-85EDF173CF70}" type="presOf" srcId="{739C8B35-9393-0749-90E2-4194818EC2BD}" destId="{8F826C78-B259-DF41-BB93-88158EA1366C}" srcOrd="0" destOrd="3" presId="urn:microsoft.com/office/officeart/2005/8/layout/hList1"/>
-    <dgm:cxn modelId="{67DA0B21-E64B-6F4C-8FD9-183EDD9F3D36}" type="presOf" srcId="{A3E329EA-494B-914B-9D4B-8DDF476E6532}" destId="{8F826C78-B259-DF41-BB93-88158EA1366C}" srcOrd="0" destOrd="4" presId="urn:microsoft.com/office/officeart/2005/8/layout/hList1"/>
-    <dgm:cxn modelId="{CF371C21-5616-314B-8755-AA38B0D15DD4}" srcId="{709D130C-A4F4-E340-B18B-B54204F5186F}" destId="{74552853-3AF2-9642-975E-8F9D08C4211B}" srcOrd="2" destOrd="0" parTransId="{3FC76AC1-B91C-1C40-A05D-4439B8C8BA5F}" sibTransId="{A120EA48-F532-0C4F-AF79-B69C2FB0C6FF}"/>
-    <dgm:cxn modelId="{FFCC953C-C54B-734D-98DC-ACCA482D2938}" srcId="{709D130C-A4F4-E340-B18B-B54204F5186F}" destId="{739C8B35-9393-0749-90E2-4194818EC2BD}" srcOrd="3" destOrd="0" parTransId="{6077947E-6A7D-E246-8ABE-5D6648A7DA14}" sibTransId="{8F3B617D-4E93-8E43-8F12-2CC9643B8A58}"/>
+    <dgm:cxn modelId="{2A8B6E20-D8AC-B049-92EB-85EDF173CF70}" type="presOf" srcId="{739C8B35-9393-0749-90E2-4194818EC2BD}" destId="{8F826C78-B259-DF41-BB93-88158EA1366C}" srcOrd="0" destOrd="2" presId="urn:microsoft.com/office/officeart/2005/8/layout/hList1"/>
+    <dgm:cxn modelId="{67DA0B21-E64B-6F4C-8FD9-183EDD9F3D36}" type="presOf" srcId="{A3E329EA-494B-914B-9D4B-8DDF476E6532}" destId="{8F826C78-B259-DF41-BB93-88158EA1366C}" srcOrd="0" destOrd="3" presId="urn:microsoft.com/office/officeart/2005/8/layout/hList1"/>
+    <dgm:cxn modelId="{FFCC953C-C54B-734D-98DC-ACCA482D2938}" srcId="{709D130C-A4F4-E340-B18B-B54204F5186F}" destId="{739C8B35-9393-0749-90E2-4194818EC2BD}" srcOrd="2" destOrd="0" parTransId="{6077947E-6A7D-E246-8ABE-5D6648A7DA14}" sibTransId="{8F3B617D-4E93-8E43-8F12-2CC9643B8A58}"/>
     <dgm:cxn modelId="{FCDBA13C-DE0F-3F4B-AB34-8A1D4EC86ED5}" srcId="{8A9DC962-38A6-7F42-9B3A-761D0DF63D8C}" destId="{E5FC695A-37AE-0A4B-8E59-175569728BE7}" srcOrd="1" destOrd="0" parTransId="{C9937362-4E93-DC4C-873D-F6F297B94041}" sibTransId="{1A0F695E-BE33-BE4C-895C-7A66FE2FA509}"/>
     <dgm:cxn modelId="{8F305341-EAD7-8647-9277-21423BE8F6D6}" srcId="{8A9DC962-38A6-7F42-9B3A-761D0DF63D8C}" destId="{48EA89DC-D301-374B-BD3B-786EA03ADC40}" srcOrd="2" destOrd="0" parTransId="{562DFCF0-E839-964D-BA37-987C7B5905BC}" sibTransId="{2E2FFE8F-5994-3040-8DBD-6D2DE532283A}"/>
     <dgm:cxn modelId="{3C61FD49-C452-7C4B-83C3-A7FD33598E0B}" srcId="{8056835A-AD44-484F-94BE-0782CB213222}" destId="{8A9DC962-38A6-7F42-9B3A-761D0DF63D8C}" srcOrd="0" destOrd="0" parTransId="{47ACAB47-9694-CC44-ABA1-6B009067114C}" sibTransId="{B32487DA-6E9E-2546-ACFF-1FE2603A687D}"/>
@@ -2125,12 +2219,11 @@
     <dgm:cxn modelId="{A5FD498C-F2A9-824B-975B-E26EC5FBE359}" srcId="{709D130C-A4F4-E340-B18B-B54204F5186F}" destId="{1F3FFE17-AFE9-FA49-98A2-E8921D0D10C4}" srcOrd="0" destOrd="0" parTransId="{2AA7D1AF-7392-1A45-92B0-2C5CB2E0C852}" sibTransId="{6733B1E6-1340-3D41-9852-C233CFFF8DE4}"/>
     <dgm:cxn modelId="{917E338F-ADB8-EF44-A933-E855CA67E635}" srcId="{8A9DC962-38A6-7F42-9B3A-761D0DF63D8C}" destId="{A25035D2-7A5A-8C4C-8124-B4A0BD28D2C6}" srcOrd="3" destOrd="0" parTransId="{FE6DAF2B-509B-1E4D-AFA7-9B8F3BE2FAC4}" sibTransId="{D5808DD0-8781-D74C-860C-23B672F48053}"/>
     <dgm:cxn modelId="{1C24348F-894D-224B-A844-07CBE1BAF448}" type="presOf" srcId="{709D130C-A4F4-E340-B18B-B54204F5186F}" destId="{9318A5C0-4AD3-4A42-A602-4EC3E400BFDE}" srcOrd="0" destOrd="0" presId="urn:microsoft.com/office/officeart/2005/8/layout/hList1"/>
-    <dgm:cxn modelId="{A30EE9C1-FB43-E144-A04C-A65949316D2C}" srcId="{709D130C-A4F4-E340-B18B-B54204F5186F}" destId="{A3E329EA-494B-914B-9D4B-8DDF476E6532}" srcOrd="4" destOrd="0" parTransId="{E0E0D86E-9E1B-FF4A-9877-9805CA94F8EC}" sibTransId="{84AB0BC2-3FC8-7041-A354-BF9507DA34D8}"/>
+    <dgm:cxn modelId="{A30EE9C1-FB43-E144-A04C-A65949316D2C}" srcId="{709D130C-A4F4-E340-B18B-B54204F5186F}" destId="{A3E329EA-494B-914B-9D4B-8DDF476E6532}" srcOrd="3" destOrd="0" parTransId="{E0E0D86E-9E1B-FF4A-9877-9805CA94F8EC}" sibTransId="{84AB0BC2-3FC8-7041-A354-BF9507DA34D8}"/>
     <dgm:cxn modelId="{00D372C6-A31A-5A45-887E-E213429F2F15}" type="presOf" srcId="{77B5FDC3-0724-CB48-B899-8D500C6DB1C6}" destId="{8F826C78-B259-DF41-BB93-88158EA1366C}" srcOrd="0" destOrd="1" presId="urn:microsoft.com/office/officeart/2005/8/layout/hList1"/>
     <dgm:cxn modelId="{17A5B7C7-AE76-1D45-BBA9-EECB9527BD0C}" srcId="{8A9DC962-38A6-7F42-9B3A-761D0DF63D8C}" destId="{60E27C5B-2878-734C-81BC-9656E1DE0221}" srcOrd="0" destOrd="0" parTransId="{FA4A17C3-7937-BD41-B943-61D9BFE370D9}" sibTransId="{58BD8192-CE08-F84B-B617-C27565030DD2}"/>
     <dgm:cxn modelId="{564B97D0-D906-0549-A1BE-68A5328DC609}" srcId="{8056835A-AD44-484F-94BE-0782CB213222}" destId="{709D130C-A4F4-E340-B18B-B54204F5186F}" srcOrd="1" destOrd="0" parTransId="{83181DAB-52A1-D440-844C-EBEAC9ABE3A3}" sibTransId="{3B1F6461-3D17-0E40-ADBA-A77279BAC17B}"/>
     <dgm:cxn modelId="{5415F2D1-CE7A-4149-ABC8-E0617339D8EF}" type="presOf" srcId="{E5FC695A-37AE-0A4B-8E59-175569728BE7}" destId="{AC194BF3-6CE8-E34D-8A4C-23B2631BF14A}" srcOrd="0" destOrd="1" presId="urn:microsoft.com/office/officeart/2005/8/layout/hList1"/>
-    <dgm:cxn modelId="{247D73E1-0B4D-094F-A47E-A9B62B9CF568}" type="presOf" srcId="{74552853-3AF2-9642-975E-8F9D08C4211B}" destId="{8F826C78-B259-DF41-BB93-88158EA1366C}" srcOrd="0" destOrd="2" presId="urn:microsoft.com/office/officeart/2005/8/layout/hList1"/>
     <dgm:cxn modelId="{B4C2AAE3-15B6-5243-8183-A57843DB0F95}" type="presOf" srcId="{48EA89DC-D301-374B-BD3B-786EA03ADC40}" destId="{AC194BF3-6CE8-E34D-8A4C-23B2631BF14A}" srcOrd="0" destOrd="2" presId="urn:microsoft.com/office/officeart/2005/8/layout/hList1"/>
     <dgm:cxn modelId="{ED2A82F0-D284-434C-B58C-AEA4603D1B5E}" type="presOf" srcId="{8A9DC962-38A6-7F42-9B3A-761D0DF63D8C}" destId="{8B2FBF57-0099-A04D-B858-FF561AC8C3FA}" srcOrd="0" destOrd="0" presId="urn:microsoft.com/office/officeart/2005/8/layout/hList1"/>
     <dgm:cxn modelId="{72980DF6-59D9-9F47-AE75-667E8279A523}" type="presOf" srcId="{A25035D2-7A5A-8C4C-8124-B4A0BD28D2C6}" destId="{AC194BF3-6CE8-E34D-8A4C-23B2631BF14A}" srcOrd="0" destOrd="3" presId="urn:microsoft.com/office/officeart/2005/8/layout/hList1"/>
@@ -2167,19 +2260,14 @@
       </dsp:nvSpPr>
       <dsp:spPr>
         <a:xfrm>
-          <a:off x="41" y="147526"/>
-          <a:ext cx="3940121" cy="518400"/>
+          <a:off x="41" y="134412"/>
+          <a:ext cx="3940121" cy="547200"/>
         </a:xfrm>
         <a:prstGeom prst="rect">
           <a:avLst/>
         </a:prstGeom>
         <a:solidFill>
-          <a:schemeClr val="accent1">
-            <a:hueOff val="0"/>
-            <a:satOff val="0"/>
-            <a:lumOff val="0"/>
-            <a:alphaOff val="0"/>
-          </a:schemeClr>
+          <a:schemeClr val="accent2"/>
         </a:solidFill>
         <a:ln w="19050" cap="rnd" cmpd="sng" algn="ctr">
           <a:solidFill>
@@ -2209,12 +2297,12 @@
         </a:fontRef>
       </dsp:style>
       <dsp:txBody>
-        <a:bodyPr spcFirstLastPara="0" vert="horz" wrap="square" lIns="128016" tIns="73152" rIns="128016" bIns="73152" numCol="1" spcCol="1270" anchor="ctr" anchorCtr="0">
+        <a:bodyPr spcFirstLastPara="0" vert="horz" wrap="square" lIns="135128" tIns="77216" rIns="135128" bIns="77216" numCol="1" spcCol="1270" anchor="ctr" anchorCtr="0">
           <a:noAutofit/>
         </a:bodyPr>
         <a:lstStyle/>
         <a:p>
-          <a:pPr marL="0" lvl="0" indent="0" algn="ctr" defTabSz="800100">
+          <a:pPr marL="0" lvl="0" indent="0" algn="ctr" defTabSz="844550">
             <a:lnSpc>
               <a:spcPct val="90000"/>
             </a:lnSpc>
@@ -2227,14 +2315,14 @@
             <a:buNone/>
           </a:pPr>
           <a:r>
-            <a:rPr lang="en-US" sz="1800" kern="1200" dirty="0"/>
+            <a:rPr lang="en-US" sz="1900" kern="1200" dirty="0"/>
             <a:t>SFFD</a:t>
           </a:r>
         </a:p>
       </dsp:txBody>
       <dsp:txXfrm>
-        <a:off x="41" y="147526"/>
-        <a:ext cx="3940121" cy="518400"/>
+        <a:off x="41" y="134412"/>
+        <a:ext cx="3940121" cy="547200"/>
       </dsp:txXfrm>
     </dsp:sp>
     <dsp:sp modelId="{AC194BF3-6CE8-E34D-8A4C-23B2631BF14A}">
@@ -2244,8 +2332,8 @@
       </dsp:nvSpPr>
       <dsp:spPr>
         <a:xfrm>
-          <a:off x="41" y="665926"/>
-          <a:ext cx="3940121" cy="3767512"/>
+          <a:off x="41" y="681612"/>
+          <a:ext cx="3940121" cy="3764939"/>
         </a:xfrm>
         <a:prstGeom prst="rect">
           <a:avLst/>
@@ -2288,12 +2376,12 @@
         <a:fontRef idx="minor"/>
       </dsp:style>
       <dsp:txBody>
-        <a:bodyPr spcFirstLastPara="0" vert="horz" wrap="square" lIns="96012" tIns="96012" rIns="128016" bIns="144018" numCol="1" spcCol="1270" anchor="t" anchorCtr="0">
+        <a:bodyPr spcFirstLastPara="0" vert="horz" wrap="square" lIns="101346" tIns="101346" rIns="135128" bIns="152019" numCol="1" spcCol="1270" anchor="t" anchorCtr="0">
           <a:noAutofit/>
         </a:bodyPr>
         <a:lstStyle/>
         <a:p>
-          <a:pPr marL="171450" lvl="1" indent="-171450" algn="l" defTabSz="800100">
+          <a:pPr marL="171450" lvl="1" indent="-171450" algn="l" defTabSz="844550">
             <a:lnSpc>
               <a:spcPct val="90000"/>
             </a:lnSpc>
@@ -2306,12 +2394,12 @@
             <a:buChar char="•"/>
           </a:pPr>
           <a:r>
-            <a:rPr lang="en-US" sz="1800" kern="1200" dirty="0"/>
+            <a:rPr lang="en-US" sz="1900" kern="1200" dirty="0"/>
             <a:t>Standardize primary situation in fire incident data.</a:t>
           </a:r>
         </a:p>
         <a:p>
-          <a:pPr marL="171450" lvl="1" indent="-171450" algn="l" defTabSz="800100">
+          <a:pPr marL="171450" lvl="1" indent="-171450" algn="l" defTabSz="844550">
             <a:lnSpc>
               <a:spcPct val="90000"/>
             </a:lnSpc>
@@ -2324,20 +2412,20 @@
             <a:buChar char="•"/>
           </a:pPr>
           <a:r>
-            <a:rPr lang="en-US" sz="1800" kern="1200" dirty="0"/>
+            <a:rPr lang="en-US" sz="1900" kern="1200" dirty="0"/>
             <a:t>Standardize </a:t>
           </a:r>
           <a:r>
-            <a:rPr lang="en-US" sz="1800" kern="1200" dirty="0" err="1"/>
+            <a:rPr lang="en-US" sz="1900" i="1" kern="1200" dirty="0" err="1"/>
             <a:t>action_taken_primary</a:t>
           </a:r>
           <a:r>
-            <a:rPr lang="en-US" sz="1800" kern="1200" dirty="0"/>
+            <a:rPr lang="en-US" sz="1900" kern="1200" dirty="0"/>
             <a:t> field in fire incident data.</a:t>
           </a:r>
         </a:p>
         <a:p>
-          <a:pPr marL="171450" lvl="1" indent="-171450" algn="l" defTabSz="800100">
+          <a:pPr marL="171450" lvl="1" indent="-171450" algn="l" defTabSz="844550">
             <a:lnSpc>
               <a:spcPct val="90000"/>
             </a:lnSpc>
@@ -2350,12 +2438,12 @@
             <a:buChar char="•"/>
           </a:pPr>
           <a:r>
-            <a:rPr lang="en-US" sz="1800" kern="1200" dirty="0"/>
-            <a:t>Integrate parcel spatial join into SFFD data pipelines so it doesn’t need to be done after the fact (single source of truth).</a:t>
+            <a:rPr lang="en-US" sz="1900" kern="1200" dirty="0"/>
+            <a:t>Integrate parcel spatial join into SFFD data pipelines so it does not need to be done after the fact (single source of truth).</a:t>
           </a:r>
         </a:p>
         <a:p>
-          <a:pPr marL="171450" lvl="1" indent="-171450" algn="l" defTabSz="800100">
+          <a:pPr marL="171450" lvl="1" indent="-171450" algn="l" defTabSz="844550">
             <a:lnSpc>
               <a:spcPct val="90000"/>
             </a:lnSpc>
@@ -2368,14 +2456,14 @@
             <a:buChar char="•"/>
           </a:pPr>
           <a:r>
-            <a:rPr lang="en-US" sz="1800" kern="1200" dirty="0"/>
+            <a:rPr lang="en-US" sz="1900" kern="1200" dirty="0"/>
             <a:t>Integrate real-time flag in SFFD R-2 database for pending/recent DBI violations</a:t>
           </a:r>
         </a:p>
       </dsp:txBody>
       <dsp:txXfrm>
-        <a:off x="41" y="665926"/>
-        <a:ext cx="3940121" cy="3767512"/>
+        <a:off x="41" y="681612"/>
+        <a:ext cx="3940121" cy="3764939"/>
       </dsp:txXfrm>
     </dsp:sp>
     <dsp:sp modelId="{9318A5C0-4AD3-4A42-A602-4EC3E400BFDE}">
@@ -2385,8 +2473,8 @@
       </dsp:nvSpPr>
       <dsp:spPr>
         <a:xfrm>
-          <a:off x="4491779" y="147526"/>
-          <a:ext cx="3940121" cy="518400"/>
+          <a:off x="4491779" y="134412"/>
+          <a:ext cx="3940121" cy="547200"/>
         </a:xfrm>
         <a:prstGeom prst="rect">
           <a:avLst/>
@@ -2427,12 +2515,12 @@
         </a:fontRef>
       </dsp:style>
       <dsp:txBody>
-        <a:bodyPr spcFirstLastPara="0" vert="horz" wrap="square" lIns="128016" tIns="73152" rIns="128016" bIns="73152" numCol="1" spcCol="1270" anchor="ctr" anchorCtr="0">
+        <a:bodyPr spcFirstLastPara="0" vert="horz" wrap="square" lIns="135128" tIns="77216" rIns="135128" bIns="77216" numCol="1" spcCol="1270" anchor="ctr" anchorCtr="0">
           <a:noAutofit/>
         </a:bodyPr>
         <a:lstStyle/>
         <a:p>
-          <a:pPr marL="0" lvl="0" indent="0" algn="ctr" defTabSz="800100">
+          <a:pPr marL="0" lvl="0" indent="0" algn="ctr" defTabSz="844550">
             <a:lnSpc>
               <a:spcPct val="90000"/>
             </a:lnSpc>
@@ -2445,14 +2533,14 @@
             <a:buNone/>
           </a:pPr>
           <a:r>
-            <a:rPr lang="en-US" sz="1800" kern="1200" dirty="0"/>
+            <a:rPr lang="en-US" sz="1900" kern="1200" dirty="0"/>
             <a:t>DBI</a:t>
           </a:r>
         </a:p>
       </dsp:txBody>
       <dsp:txXfrm>
-        <a:off x="4491779" y="147526"/>
-        <a:ext cx="3940121" cy="518400"/>
+        <a:off x="4491779" y="134412"/>
+        <a:ext cx="3940121" cy="547200"/>
       </dsp:txXfrm>
     </dsp:sp>
     <dsp:sp modelId="{8F826C78-B259-DF41-BB93-88158EA1366C}">
@@ -2462,8 +2550,8 @@
       </dsp:nvSpPr>
       <dsp:spPr>
         <a:xfrm>
-          <a:off x="4491779" y="665926"/>
-          <a:ext cx="3940121" cy="3767512"/>
+          <a:off x="4491779" y="681612"/>
+          <a:ext cx="3940121" cy="3764939"/>
         </a:xfrm>
         <a:prstGeom prst="rect">
           <a:avLst/>
@@ -2506,12 +2594,12 @@
         <a:fontRef idx="minor"/>
       </dsp:style>
       <dsp:txBody>
-        <a:bodyPr spcFirstLastPara="0" vert="horz" wrap="square" lIns="96012" tIns="96012" rIns="128016" bIns="144018" numCol="1" spcCol="1270" anchor="t" anchorCtr="0">
+        <a:bodyPr spcFirstLastPara="0" vert="horz" wrap="square" lIns="101346" tIns="101346" rIns="135128" bIns="152019" numCol="1" spcCol="1270" anchor="t" anchorCtr="0">
           <a:noAutofit/>
         </a:bodyPr>
         <a:lstStyle/>
         <a:p>
-          <a:pPr marL="171450" lvl="1" indent="-171450" algn="l" defTabSz="800100">
+          <a:pPr marL="171450" lvl="1" indent="-171450" algn="l" defTabSz="844550">
             <a:lnSpc>
               <a:spcPct val="90000"/>
             </a:lnSpc>
@@ -2524,12 +2612,12 @@
             <a:buChar char="•"/>
           </a:pPr>
           <a:r>
-            <a:rPr lang="en-US" sz="1800" kern="1200" dirty="0"/>
-            <a:t>Provide addition select boxes for complain types on complaint form (appears to be mainly text).</a:t>
+            <a:rPr lang="en-US" sz="1900" kern="1200" dirty="0"/>
+            <a:t>Provide addition select boxes for complaint types on complaint form (appears to be mainly text which makes it hard to filter and run analytics on).</a:t>
           </a:r>
         </a:p>
         <a:p>
-          <a:pPr marL="171450" lvl="1" indent="-171450" algn="l" defTabSz="800100">
+          <a:pPr marL="171450" lvl="1" indent="-171450" algn="l" defTabSz="844550">
             <a:lnSpc>
               <a:spcPct val="90000"/>
             </a:lnSpc>
@@ -2542,12 +2630,12 @@
             <a:buChar char="•"/>
           </a:pPr>
           <a:r>
-            <a:rPr lang="en-US" sz="1800" kern="1200" dirty="0"/>
+            <a:rPr lang="en-US" sz="1900" kern="1200" dirty="0"/>
             <a:t>Use NLP to pull out keywords from text fields.</a:t>
           </a:r>
         </a:p>
         <a:p>
-          <a:pPr marL="171450" lvl="1" indent="-171450" algn="l" defTabSz="800100">
+          <a:pPr marL="171450" lvl="1" indent="-171450" algn="l" defTabSz="844550">
             <a:lnSpc>
               <a:spcPct val="90000"/>
             </a:lnSpc>
@@ -2560,12 +2648,12 @@
             <a:buChar char="•"/>
           </a:pPr>
           <a:r>
-            <a:rPr lang="en-US" sz="1800" kern="1200" dirty="0"/>
-            <a:t>Communicate active fire-related complaints. associated with R-2 to SFFD for prioritization.</a:t>
+            <a:rPr lang="en-US" sz="1900" kern="1200" dirty="0"/>
+            <a:t>Perform additional NLP on violations text to enrich data on violation concern.</a:t>
           </a:r>
         </a:p>
         <a:p>
-          <a:pPr marL="171450" lvl="1" indent="-171450" algn="l" defTabSz="800100">
+          <a:pPr marL="171450" lvl="1" indent="-171450" algn="l" defTabSz="844550">
             <a:lnSpc>
               <a:spcPct val="90000"/>
             </a:lnSpc>
@@ -2578,32 +2666,14 @@
             <a:buChar char="•"/>
           </a:pPr>
           <a:r>
-            <a:rPr lang="en-US" sz="1800" kern="1200" dirty="0"/>
-            <a:t>Perform additional NLP on violations text to enrich data on violation concern.</a:t>
-          </a:r>
-        </a:p>
-        <a:p>
-          <a:pPr marL="171450" lvl="1" indent="-171450" algn="l" defTabSz="800100">
-            <a:lnSpc>
-              <a:spcPct val="90000"/>
-            </a:lnSpc>
-            <a:spcBef>
-              <a:spcPct val="0"/>
-            </a:spcBef>
-            <a:spcAft>
-              <a:spcPct val="15000"/>
-            </a:spcAft>
-            <a:buChar char="•"/>
-          </a:pPr>
-          <a:r>
-            <a:rPr lang="en-US" sz="1800" kern="1200" dirty="0"/>
+            <a:rPr lang="en-US" sz="1900" kern="1200" dirty="0"/>
             <a:t>Integrate real-time flag in DBI R-2 database for pending/recent SFFD violations</a:t>
           </a:r>
         </a:p>
       </dsp:txBody>
       <dsp:txXfrm>
-        <a:off x="4491779" y="665926"/>
-        <a:ext cx="3940121" cy="3767512"/>
+        <a:off x="4491779" y="681612"/>
+        <a:ext cx="3940121" cy="3764939"/>
       </dsp:txXfrm>
     </dsp:sp>
   </dsp:spTree>
@@ -9764,7 +9834,7 @@
           <a:p>
             <a:r>
               <a:rPr lang="en-US" dirty="0"/>
-              <a:t>Next Steps</a:t>
+              <a:t>Summary of Next Steps</a:t>
             </a:r>
           </a:p>
         </p:txBody>
@@ -9793,88 +9863,89 @@
         </p:spPr>
         <p:txBody>
           <a:bodyPr>
-            <a:normAutofit fontScale="85000" lnSpcReduction="10000"/>
+            <a:normAutofit fontScale="92500" lnSpcReduction="20000"/>
           </a:bodyPr>
           <a:lstStyle/>
           <a:p>
             <a:r>
+              <a:rPr lang="en-US" sz="2000" b="1" dirty="0"/>
+              <a:t>Meet with stakeholders to</a:t>
+            </a:r>
+            <a:r>
               <a:rPr lang="en-US" sz="2000" dirty="0"/>
-              <a:t>Meet with stakeholders to confirm understanding of the following:</a:t>
+              <a:t>:</a:t>
             </a:r>
           </a:p>
           <a:p>
             <a:pPr lvl="1"/>
             <a:r>
               <a:rPr lang="en-US" sz="1800" dirty="0"/>
-              <a:t>Definition of “high-risk” buildings.</a:t>
+              <a:t>Confirm assumptions and general understanding of project goals.</a:t>
             </a:r>
           </a:p>
           <a:p>
             <a:pPr lvl="1"/>
             <a:r>
               <a:rPr lang="en-US" sz="1800" dirty="0"/>
-              <a:t>Benefits of inspection prioritization and how it can be used to improve operations. </a:t>
+              <a:t>Confirm/determine “base truth” logic for identifying R-2 parcels from assessor data.</a:t>
             </a:r>
           </a:p>
           <a:p>
             <a:pPr lvl="1"/>
             <a:r>
               <a:rPr lang="en-US" sz="1800" dirty="0"/>
-              <a:t>Confirm/determine “base truth” logic for identifying R-2 parcels.</a:t>
+              <a:t>Understand existing tools and methods for prioritizing fire inspections (e.g. Property Inspection Tool).</a:t>
+            </a:r>
+          </a:p>
+          <a:p>
+            <a:r>
+              <a:rPr lang="en-US" sz="2000" b="1" dirty="0"/>
+              <a:t>Additional analysis to</a:t>
+            </a:r>
+            <a:r>
+              <a:rPr lang="en-US" sz="2000" dirty="0"/>
+              <a:t>:</a:t>
             </a:r>
           </a:p>
           <a:p>
             <a:pPr lvl="1"/>
             <a:r>
               <a:rPr lang="en-US" sz="1800" dirty="0"/>
-              <a:t>Gain better understanding of assessor variables and reconsider how they could be used in analysis.</a:t>
-            </a:r>
-          </a:p>
-          <a:p>
-            <a:r>
-              <a:rPr lang="en-US" sz="2000" dirty="0"/>
-              <a:t>Additional analysis to:</a:t>
+              <a:t>Gain better understanding of assessor variables and consider how variables not used in this analysis could be leveraged in future analyses. </a:t>
             </a:r>
           </a:p>
           <a:p>
             <a:pPr lvl="1"/>
             <a:r>
               <a:rPr lang="en-US" sz="1800" dirty="0"/>
-              <a:t>Consider adding available building permit information to analysis so recent construction can be targeted.</a:t>
+              <a:t>Consider adding available building permit data to analysis so recent construction can be targeted.</a:t>
             </a:r>
           </a:p>
           <a:p>
             <a:pPr lvl="1"/>
             <a:r>
               <a:rPr lang="en-US" sz="1800" dirty="0"/>
-              <a:t>Conduct more complex joining between violation flags from DBI to SFFD and vice-versa.</a:t>
+              <a:t>Test other classification models.</a:t>
+            </a:r>
+          </a:p>
+          <a:p>
+            <a:r>
+              <a:rPr lang="en-US" sz="2000" b="1" dirty="0"/>
+              <a:t>Code and Data Housekeeping:</a:t>
             </a:r>
           </a:p>
           <a:p>
             <a:pPr lvl="1"/>
             <a:r>
               <a:rPr lang="en-US" sz="1800" dirty="0"/>
-              <a:t>Research available tools and methods for prioritizing fire inspections (e.g. Property Inspection Tool)</a:t>
-            </a:r>
-          </a:p>
-          <a:p>
-            <a:r>
-              <a:rPr lang="en-US" sz="2000" dirty="0"/>
-              <a:t>Data Housekeeping</a:t>
+              <a:t>Functionalize more code, additional commenting.</a:t>
             </a:r>
           </a:p>
           <a:p>
             <a:pPr lvl="1"/>
             <a:r>
               <a:rPr lang="en-US" sz="1800" dirty="0"/>
-              <a:t>Functionalize more code, additional commenting</a:t>
-            </a:r>
-          </a:p>
-          <a:p>
-            <a:pPr lvl="1"/>
-            <a:r>
-              <a:rPr lang="en-US" sz="1800" dirty="0"/>
-              <a:t>Set-up SQL transformations (if that is how intermediate data is ultimately stored) in </a:t>
+              <a:t>Set-up SQL transformations in </a:t>
             </a:r>
             <a:r>
               <a:rPr lang="en-US" sz="1800" dirty="0" err="1"/>
@@ -9882,14 +9953,21 @@
             </a:r>
             <a:r>
               <a:rPr lang="en-US" sz="1800" dirty="0"/>
-              <a:t> </a:t>
+              <a:t> to enforce lineage.</a:t>
             </a:r>
           </a:p>
           <a:p>
             <a:pPr lvl="1"/>
             <a:r>
               <a:rPr lang="en-US" sz="1800" dirty="0"/>
-              <a:t>Tie entire data pipeline together using orchestration tool (e.g. Airflow)</a:t>
+              <a:t>Tie data pipeline together using orchestration tool (e.g. Airflow).</a:t>
+            </a:r>
+          </a:p>
+          <a:p>
+            <a:pPr lvl="1"/>
+            <a:r>
+              <a:rPr lang="en-US" sz="1800" dirty="0"/>
+              <a:t>Consider what changes would be needed to put this into production to provide real-time feedback for SFFD and DBI.</a:t>
             </a:r>
           </a:p>
           <a:p>
@@ -9969,13 +10047,13 @@
           <p:nvPr>
             <p:extLst>
               <p:ext uri="{D42A27DB-BD31-4B8C-83A1-F6EECF244321}">
-                <p14:modId xmlns:p14="http://schemas.microsoft.com/office/powerpoint/2010/main" val="3368907135"/>
+                <p14:modId xmlns:p14="http://schemas.microsoft.com/office/powerpoint/2010/main" val="2533316185"/>
               </p:ext>
             </p:extLst>
           </p:nvPr>
         </p:nvGraphicFramePr>
         <p:xfrm>
-          <a:off x="677334" y="1930400"/>
+          <a:off x="677334" y="1849377"/>
           <a:ext cx="8431942" cy="4580965"/>
         </p:xfrm>
         <a:graphic>
@@ -10078,7 +10156,7 @@
           <a:p>
             <a:r>
               <a:rPr lang="en-US" sz="2000" dirty="0"/>
-              <a:t>All code is on my GitHub repository available at: </a:t>
+              <a:t>All code is in a GitHub repository available at: </a:t>
             </a:r>
             <a:r>
               <a:rPr lang="en-US" sz="2000" dirty="0">
@@ -10126,7 +10204,7 @@
         </p:blipFill>
         <p:spPr bwMode="auto">
           <a:xfrm>
-            <a:off x="677334" y="3526751"/>
+            <a:off x="826546" y="3769825"/>
             <a:ext cx="1062941" cy="1062941"/>
           </a:xfrm>
           <a:prstGeom prst="rect">
@@ -10173,7 +10251,7 @@
         </p:blipFill>
         <p:spPr bwMode="auto">
           <a:xfrm>
-            <a:off x="2782107" y="3737634"/>
+            <a:off x="2782107" y="3969134"/>
             <a:ext cx="1898249" cy="641173"/>
           </a:xfrm>
           <a:prstGeom prst="rect">
@@ -10220,8 +10298,8 @@
         </p:blipFill>
         <p:spPr bwMode="auto">
           <a:xfrm>
-            <a:off x="5475259" y="3341233"/>
-            <a:ext cx="1433974" cy="1433974"/>
+            <a:off x="5596998" y="3969134"/>
+            <a:ext cx="872551" cy="872551"/>
           </a:xfrm>
           <a:prstGeom prst="rect">
             <a:avLst/>
@@ -10267,7 +10345,7 @@
         </p:blipFill>
         <p:spPr bwMode="auto">
           <a:xfrm>
-            <a:off x="7704136" y="3737634"/>
+            <a:off x="7444874" y="3980708"/>
             <a:ext cx="1898249" cy="641173"/>
           </a:xfrm>
           <a:prstGeom prst="rect">
@@ -10285,131 +10363,419 @@
           </a:extLst>
         </p:spPr>
       </p:pic>
-      <p:cxnSp>
-        <p:nvCxnSpPr>
-          <p:cNvPr id="7" name="Straight Arrow Connector 6">
+      <p:sp>
+        <p:nvSpPr>
+          <p:cNvPr id="11" name="Rounded Rectangle 10">
             <a:extLst>
               <a:ext uri="{FF2B5EF4-FFF2-40B4-BE49-F238E27FC236}">
-                <a16:creationId xmlns:a16="http://schemas.microsoft.com/office/drawing/2014/main" id="{6EF49B3C-07AD-6872-B129-C11069DA4E1D}"/>
+                <a16:creationId xmlns:a16="http://schemas.microsoft.com/office/drawing/2014/main" id="{054443E9-7B32-49CA-2A98-0006CC6C1E61}"/>
               </a:ext>
             </a:extLst>
           </p:cNvPr>
-          <p:cNvCxnSpPr>
-            <a:cxnSpLocks/>
-            <a:stCxn id="4100" idx="3"/>
-            <a:endCxn id="4102" idx="1"/>
-          </p:cNvCxnSpPr>
+          <p:cNvSpPr/>
           <p:nvPr/>
-        </p:nvCxnSpPr>
+        </p:nvSpPr>
         <p:spPr>
-          <a:xfrm flipV="1">
-            <a:off x="1740275" y="4058221"/>
-            <a:ext cx="1041832" cy="1"/>
+          <a:xfrm>
+            <a:off x="526952" y="3449261"/>
+            <a:ext cx="1639850" cy="1569020"/>
           </a:xfrm>
-          <a:prstGeom prst="straightConnector1">
+          <a:prstGeom prst="roundRect">
             <a:avLst/>
           </a:prstGeom>
-          <a:ln>
-            <a:tailEnd type="triangle"/>
-          </a:ln>
+          <a:noFill/>
         </p:spPr>
         <p:style>
-          <a:lnRef idx="1">
-            <a:schemeClr val="accent1"/>
+          <a:lnRef idx="2">
+            <a:schemeClr val="accent1">
+              <a:shade val="15000"/>
+            </a:schemeClr>
           </a:lnRef>
-          <a:fillRef idx="0">
+          <a:fillRef idx="1">
             <a:schemeClr val="accent1"/>
           </a:fillRef>
           <a:effectRef idx="0">
             <a:schemeClr val="accent1"/>
           </a:effectRef>
           <a:fontRef idx="minor">
-            <a:schemeClr val="tx1"/>
+            <a:schemeClr val="lt1"/>
           </a:fontRef>
         </p:style>
-      </p:cxnSp>
-      <p:cxnSp>
-        <p:nvCxnSpPr>
-          <p:cNvPr id="9" name="Straight Arrow Connector 8">
+        <p:txBody>
+          <a:bodyPr rtlCol="0" anchor="t" anchorCtr="0"/>
+          <a:lstStyle/>
+          <a:p>
+            <a:pPr algn="ctr"/>
+            <a:r>
+              <a:rPr lang="en-US" sz="1200" i="1" dirty="0">
+                <a:solidFill>
+                  <a:schemeClr val="tx1"/>
+                </a:solidFill>
+              </a:rPr>
+              <a:t>Data Sources</a:t>
+            </a:r>
+          </a:p>
+        </p:txBody>
+      </p:sp>
+      <p:sp>
+        <p:nvSpPr>
+          <p:cNvPr id="14" name="Rounded Rectangle 13">
             <a:extLst>
               <a:ext uri="{FF2B5EF4-FFF2-40B4-BE49-F238E27FC236}">
-                <a16:creationId xmlns:a16="http://schemas.microsoft.com/office/drawing/2014/main" id="{8A3C9614-E7E7-0F9C-89D8-9CBF9B8E9797}"/>
+                <a16:creationId xmlns:a16="http://schemas.microsoft.com/office/drawing/2014/main" id="{1BD7925B-484E-61A9-12E7-AE08394EA842}"/>
               </a:ext>
             </a:extLst>
           </p:cNvPr>
-          <p:cNvCxnSpPr>
-            <a:cxnSpLocks/>
-          </p:cNvCxnSpPr>
+          <p:cNvSpPr/>
           <p:nvPr/>
-        </p:nvCxnSpPr>
+        </p:nvSpPr>
         <p:spPr>
-          <a:xfrm flipV="1">
-            <a:off x="4556892" y="4040399"/>
-            <a:ext cx="1041832" cy="1"/>
+          <a:xfrm>
+            <a:off x="2917042" y="3437687"/>
+            <a:ext cx="1639850" cy="1569020"/>
           </a:xfrm>
-          <a:prstGeom prst="straightConnector1">
+          <a:prstGeom prst="roundRect">
             <a:avLst/>
           </a:prstGeom>
-          <a:ln>
-            <a:tailEnd type="triangle"/>
-          </a:ln>
+          <a:noFill/>
         </p:spPr>
         <p:style>
-          <a:lnRef idx="1">
-            <a:schemeClr val="accent1"/>
+          <a:lnRef idx="2">
+            <a:schemeClr val="accent1">
+              <a:shade val="15000"/>
+            </a:schemeClr>
           </a:lnRef>
-          <a:fillRef idx="0">
+          <a:fillRef idx="1">
             <a:schemeClr val="accent1"/>
           </a:fillRef>
           <a:effectRef idx="0">
             <a:schemeClr val="accent1"/>
           </a:effectRef>
           <a:fontRef idx="minor">
-            <a:schemeClr val="tx1"/>
+            <a:schemeClr val="lt1"/>
           </a:fontRef>
         </p:style>
-      </p:cxnSp>
-      <p:cxnSp>
-        <p:nvCxnSpPr>
-          <p:cNvPr id="10" name="Straight Arrow Connector 9">
+        <p:txBody>
+          <a:bodyPr rtlCol="0" anchor="t" anchorCtr="0"/>
+          <a:lstStyle/>
+          <a:p>
+            <a:pPr algn="ctr"/>
+            <a:r>
+              <a:rPr lang="en-US" sz="1200" i="1" dirty="0">
+                <a:solidFill>
+                  <a:schemeClr val="tx1"/>
+                </a:solidFill>
+              </a:rPr>
+              <a:t>Data Ingestion</a:t>
+            </a:r>
+          </a:p>
+        </p:txBody>
+      </p:sp>
+      <p:sp>
+        <p:nvSpPr>
+          <p:cNvPr id="15" name="Rounded Rectangle 14">
             <a:extLst>
               <a:ext uri="{FF2B5EF4-FFF2-40B4-BE49-F238E27FC236}">
-                <a16:creationId xmlns:a16="http://schemas.microsoft.com/office/drawing/2014/main" id="{52EC78FD-55B9-51A5-6705-3DBC47C058C5}"/>
+                <a16:creationId xmlns:a16="http://schemas.microsoft.com/office/drawing/2014/main" id="{0679FD0A-E017-229C-DE01-C4D2AC4264DC}"/>
               </a:ext>
             </a:extLst>
           </p:cNvPr>
-          <p:cNvCxnSpPr>
-            <a:cxnSpLocks/>
-          </p:cNvCxnSpPr>
+          <p:cNvSpPr/>
           <p:nvPr/>
-        </p:nvCxnSpPr>
+        </p:nvSpPr>
         <p:spPr>
-          <a:xfrm flipV="1">
-            <a:off x="6809241" y="4022578"/>
-            <a:ext cx="1041832" cy="1"/>
+          <a:xfrm>
+            <a:off x="5241784" y="3437687"/>
+            <a:ext cx="1639850" cy="1569020"/>
           </a:xfrm>
-          <a:prstGeom prst="straightConnector1">
+          <a:prstGeom prst="roundRect">
             <a:avLst/>
           </a:prstGeom>
-          <a:ln>
-            <a:tailEnd type="triangle"/>
-          </a:ln>
+          <a:noFill/>
         </p:spPr>
         <p:style>
-          <a:lnRef idx="1">
-            <a:schemeClr val="accent1"/>
+          <a:lnRef idx="2">
+            <a:schemeClr val="accent1">
+              <a:shade val="15000"/>
+            </a:schemeClr>
           </a:lnRef>
-          <a:fillRef idx="0">
+          <a:fillRef idx="1">
             <a:schemeClr val="accent1"/>
           </a:fillRef>
           <a:effectRef idx="0">
             <a:schemeClr val="accent1"/>
           </a:effectRef>
           <a:fontRef idx="minor">
-            <a:schemeClr val="tx1"/>
+            <a:schemeClr val="lt1"/>
           </a:fontRef>
         </p:style>
-      </p:cxnSp>
+        <p:txBody>
+          <a:bodyPr rtlCol="0" anchor="t" anchorCtr="0"/>
+          <a:lstStyle/>
+          <a:p>
+            <a:pPr algn="ctr"/>
+            <a:r>
+              <a:rPr lang="en-US" sz="1200" i="1" dirty="0">
+                <a:solidFill>
+                  <a:schemeClr val="tx1"/>
+                </a:solidFill>
+              </a:rPr>
+              <a:t>Data Transform and Store</a:t>
+            </a:r>
+          </a:p>
+        </p:txBody>
+      </p:sp>
+      <p:sp>
+        <p:nvSpPr>
+          <p:cNvPr id="19" name="Rounded Rectangle 18">
+            <a:extLst>
+              <a:ext uri="{FF2B5EF4-FFF2-40B4-BE49-F238E27FC236}">
+                <a16:creationId xmlns:a16="http://schemas.microsoft.com/office/drawing/2014/main" id="{3748A520-323D-8D38-0225-367827DD0A2B}"/>
+              </a:ext>
+            </a:extLst>
+          </p:cNvPr>
+          <p:cNvSpPr/>
+          <p:nvPr/>
+        </p:nvSpPr>
+        <p:spPr>
+          <a:xfrm>
+            <a:off x="7635492" y="3449261"/>
+            <a:ext cx="1639850" cy="1569020"/>
+          </a:xfrm>
+          <a:prstGeom prst="roundRect">
+            <a:avLst/>
+          </a:prstGeom>
+          <a:noFill/>
+        </p:spPr>
+        <p:style>
+          <a:lnRef idx="2">
+            <a:schemeClr val="accent1">
+              <a:shade val="15000"/>
+            </a:schemeClr>
+          </a:lnRef>
+          <a:fillRef idx="1">
+            <a:schemeClr val="accent1"/>
+          </a:fillRef>
+          <a:effectRef idx="0">
+            <a:schemeClr val="accent1"/>
+          </a:effectRef>
+          <a:fontRef idx="minor">
+            <a:schemeClr val="lt1"/>
+          </a:fontRef>
+        </p:style>
+        <p:txBody>
+          <a:bodyPr rtlCol="0" anchor="t" anchorCtr="0"/>
+          <a:lstStyle/>
+          <a:p>
+            <a:pPr algn="ctr"/>
+            <a:r>
+              <a:rPr lang="en-US" sz="1200" i="1" dirty="0">
+                <a:solidFill>
+                  <a:schemeClr val="tx1"/>
+                </a:solidFill>
+              </a:rPr>
+              <a:t>Data Analysis</a:t>
+            </a:r>
+          </a:p>
+        </p:txBody>
+      </p:sp>
+      <p:sp>
+        <p:nvSpPr>
+          <p:cNvPr id="23" name="Right Arrow 22">
+            <a:extLst>
+              <a:ext uri="{FF2B5EF4-FFF2-40B4-BE49-F238E27FC236}">
+                <a16:creationId xmlns:a16="http://schemas.microsoft.com/office/drawing/2014/main" id="{7551F0DA-7C50-372A-B12D-5EAA016C8E66}"/>
+              </a:ext>
+            </a:extLst>
+          </p:cNvPr>
+          <p:cNvSpPr/>
+          <p:nvPr/>
+        </p:nvSpPr>
+        <p:spPr>
+          <a:xfrm>
+            <a:off x="2251095" y="4136622"/>
+            <a:ext cx="571342" cy="268787"/>
+          </a:xfrm>
+          <a:prstGeom prst="rightArrow">
+            <a:avLst/>
+          </a:prstGeom>
+        </p:spPr>
+        <p:style>
+          <a:lnRef idx="2">
+            <a:schemeClr val="accent1">
+              <a:shade val="15000"/>
+            </a:schemeClr>
+          </a:lnRef>
+          <a:fillRef idx="1">
+            <a:schemeClr val="accent1"/>
+          </a:fillRef>
+          <a:effectRef idx="0">
+            <a:schemeClr val="accent1"/>
+          </a:effectRef>
+          <a:fontRef idx="minor">
+            <a:schemeClr val="lt1"/>
+          </a:fontRef>
+        </p:style>
+        <p:txBody>
+          <a:bodyPr rtlCol="0" anchor="ctr"/>
+          <a:lstStyle/>
+          <a:p>
+            <a:pPr algn="ctr"/>
+            <a:endParaRPr lang="en-US"/>
+          </a:p>
+        </p:txBody>
+      </p:sp>
+      <p:sp>
+        <p:nvSpPr>
+          <p:cNvPr id="24" name="Right Arrow 23">
+            <a:extLst>
+              <a:ext uri="{FF2B5EF4-FFF2-40B4-BE49-F238E27FC236}">
+                <a16:creationId xmlns:a16="http://schemas.microsoft.com/office/drawing/2014/main" id="{B2FF5AC8-6A30-755E-B245-F835CC2EB465}"/>
+              </a:ext>
+            </a:extLst>
+          </p:cNvPr>
+          <p:cNvSpPr/>
+          <p:nvPr/>
+        </p:nvSpPr>
+        <p:spPr>
+          <a:xfrm>
+            <a:off x="4626435" y="4108921"/>
+            <a:ext cx="571342" cy="268787"/>
+          </a:xfrm>
+          <a:prstGeom prst="rightArrow">
+            <a:avLst/>
+          </a:prstGeom>
+        </p:spPr>
+        <p:style>
+          <a:lnRef idx="2">
+            <a:schemeClr val="accent1">
+              <a:shade val="15000"/>
+            </a:schemeClr>
+          </a:lnRef>
+          <a:fillRef idx="1">
+            <a:schemeClr val="accent1"/>
+          </a:fillRef>
+          <a:effectRef idx="0">
+            <a:schemeClr val="accent1"/>
+          </a:effectRef>
+          <a:fontRef idx="minor">
+            <a:schemeClr val="lt1"/>
+          </a:fontRef>
+        </p:style>
+        <p:txBody>
+          <a:bodyPr rtlCol="0" anchor="ctr"/>
+          <a:lstStyle/>
+          <a:p>
+            <a:pPr algn="ctr"/>
+            <a:endParaRPr lang="en-US"/>
+          </a:p>
+        </p:txBody>
+      </p:sp>
+      <p:sp>
+        <p:nvSpPr>
+          <p:cNvPr id="25" name="Right Arrow 24">
+            <a:extLst>
+              <a:ext uri="{FF2B5EF4-FFF2-40B4-BE49-F238E27FC236}">
+                <a16:creationId xmlns:a16="http://schemas.microsoft.com/office/drawing/2014/main" id="{3DC0EDD2-40A9-9D63-32F7-CD40BE3604DB}"/>
+              </a:ext>
+            </a:extLst>
+          </p:cNvPr>
+          <p:cNvSpPr/>
+          <p:nvPr/>
+        </p:nvSpPr>
+        <p:spPr>
+          <a:xfrm>
+            <a:off x="6968077" y="4108920"/>
+            <a:ext cx="571342" cy="268787"/>
+          </a:xfrm>
+          <a:prstGeom prst="rightArrow">
+            <a:avLst/>
+          </a:prstGeom>
+        </p:spPr>
+        <p:style>
+          <a:lnRef idx="2">
+            <a:schemeClr val="accent1">
+              <a:shade val="15000"/>
+            </a:schemeClr>
+          </a:lnRef>
+          <a:fillRef idx="1">
+            <a:schemeClr val="accent1"/>
+          </a:fillRef>
+          <a:effectRef idx="0">
+            <a:schemeClr val="accent1"/>
+          </a:effectRef>
+          <a:fontRef idx="minor">
+            <a:schemeClr val="lt1"/>
+          </a:fontRef>
+        </p:style>
+        <p:txBody>
+          <a:bodyPr rtlCol="0" anchor="ctr"/>
+          <a:lstStyle/>
+          <a:p>
+            <a:pPr algn="ctr"/>
+            <a:endParaRPr lang="en-US"/>
+          </a:p>
+        </p:txBody>
+      </p:sp>
+      <p:sp>
+        <p:nvSpPr>
+          <p:cNvPr id="27" name="Rounded Rectangle 26">
+            <a:extLst>
+              <a:ext uri="{FF2B5EF4-FFF2-40B4-BE49-F238E27FC236}">
+                <a16:creationId xmlns:a16="http://schemas.microsoft.com/office/drawing/2014/main" id="{0E673FF3-077A-7E8C-584D-9807F8968DDB}"/>
+              </a:ext>
+            </a:extLst>
+          </p:cNvPr>
+          <p:cNvSpPr/>
+          <p:nvPr/>
+        </p:nvSpPr>
+        <p:spPr>
+          <a:xfrm>
+            <a:off x="254642" y="2708476"/>
+            <a:ext cx="9329195" cy="2853159"/>
+          </a:xfrm>
+          <a:prstGeom prst="roundRect">
+            <a:avLst/>
+          </a:prstGeom>
+          <a:noFill/>
+        </p:spPr>
+        <p:style>
+          <a:lnRef idx="2">
+            <a:schemeClr val="accent1">
+              <a:shade val="15000"/>
+            </a:schemeClr>
+          </a:lnRef>
+          <a:fillRef idx="1">
+            <a:schemeClr val="accent1"/>
+          </a:fillRef>
+          <a:effectRef idx="0">
+            <a:schemeClr val="accent1"/>
+          </a:effectRef>
+          <a:fontRef idx="minor">
+            <a:schemeClr val="lt1"/>
+          </a:fontRef>
+        </p:style>
+        <p:txBody>
+          <a:bodyPr rtlCol="0" anchor="t" anchorCtr="0"/>
+          <a:lstStyle/>
+          <a:p>
+            <a:pPr algn="ctr"/>
+            <a:r>
+              <a:rPr lang="en-US" dirty="0">
+                <a:solidFill>
+                  <a:schemeClr val="tx1"/>
+                </a:solidFill>
+              </a:rPr>
+              <a:t>Data Handling Process Summary</a:t>
+            </a:r>
+            <a:endParaRPr lang="en-US" sz="1200" dirty="0">
+              <a:solidFill>
+                <a:schemeClr val="tx1"/>
+              </a:solidFill>
+            </a:endParaRPr>
+          </a:p>
+        </p:txBody>
+      </p:sp>
     </p:spTree>
     <p:extLst>
       <p:ext uri="{BB962C8B-B14F-4D97-AF65-F5344CB8AC3E}">
@@ -10498,13 +10864,13 @@
           <a:p>
             <a:r>
               <a:rPr lang="en-US" sz="2400" dirty="0"/>
-              <a:t>The San Francisco Fire Department (SFFD) must inspect properties designated as R-2 annually.</a:t>
+              <a:t>The San Francisco Fire Department (SFFD) must inspect properties designated as R-2 on an annual basis.</a:t>
             </a:r>
           </a:p>
           <a:p>
             <a:r>
               <a:rPr lang="en-US" sz="2400" dirty="0"/>
-              <a:t>The Housing Inspection Services (HIS) division of the Department of Building Inspections (DBI) must conduct routine inspections of properties designated as R-2 at least once every five years.</a:t>
+              <a:t>The Housing Inspection Services (HIS) division of the Department of Building Inspections (DBI) must conduct routine inspections of properties designated as R-2 at least once every five years and investigate complaints.</a:t>
             </a:r>
           </a:p>
           <a:p>
@@ -10514,7 +10880,7 @@
             </a:r>
             <a:r>
               <a:rPr lang="en-US" sz="2400" dirty="0"/>
-              <a:t>: how can SFFD and DBI prioritize their R-2 inspections to ensure that they are inspecting and identifying the highest risk buildings?</a:t>
+              <a:t>: How can SFFD and DBI prioritize their R-2 inspections to ensure that they are inspecting and identifying the highest risk buildings?</a:t>
             </a:r>
             <a:endParaRPr lang="en-US" sz="2400" b="1" dirty="0"/>
           </a:p>
@@ -10534,6 +10900,202 @@
 </file>
 
 <file path=ppt/slides/slide3.xml><?xml version="1.0" encoding="utf-8"?>
+<p:sld xmlns:a="http://schemas.openxmlformats.org/drawingml/2006/main" xmlns:r="http://schemas.openxmlformats.org/officeDocument/2006/relationships" xmlns:p="http://schemas.openxmlformats.org/presentationml/2006/main">
+  <p:cSld>
+    <p:spTree>
+      <p:nvGrpSpPr>
+        <p:cNvPr id="1" name="">
+          <a:extLst>
+            <a:ext uri="{FF2B5EF4-FFF2-40B4-BE49-F238E27FC236}">
+              <a16:creationId xmlns:a16="http://schemas.microsoft.com/office/drawing/2014/main" id="{798C5F1A-F195-EEAE-3D17-2DC1C16600CA}"/>
+            </a:ext>
+          </a:extLst>
+        </p:cNvPr>
+        <p:cNvGrpSpPr/>
+        <p:nvPr/>
+      </p:nvGrpSpPr>
+      <p:grpSpPr>
+        <a:xfrm>
+          <a:off x="0" y="0"/>
+          <a:ext cx="0" cy="0"/>
+          <a:chOff x="0" y="0"/>
+          <a:chExt cx="0" cy="0"/>
+        </a:xfrm>
+      </p:grpSpPr>
+      <p:sp>
+        <p:nvSpPr>
+          <p:cNvPr id="2" name="Title 1">
+            <a:extLst>
+              <a:ext uri="{FF2B5EF4-FFF2-40B4-BE49-F238E27FC236}">
+                <a16:creationId xmlns:a16="http://schemas.microsoft.com/office/drawing/2014/main" id="{15B2D2AD-9F3B-7D58-BD40-4B9E58476D19}"/>
+              </a:ext>
+            </a:extLst>
+          </p:cNvPr>
+          <p:cNvSpPr>
+            <a:spLocks noGrp="1"/>
+          </p:cNvSpPr>
+          <p:nvPr>
+            <p:ph type="title"/>
+          </p:nvPr>
+        </p:nvSpPr>
+        <p:spPr>
+          <a:xfrm>
+            <a:off x="677334" y="609600"/>
+            <a:ext cx="8596668" cy="976313"/>
+          </a:xfrm>
+        </p:spPr>
+        <p:txBody>
+          <a:bodyPr/>
+          <a:lstStyle/>
+          <a:p>
+            <a:r>
+              <a:rPr lang="en-US" dirty="0"/>
+              <a:t>Approach</a:t>
+            </a:r>
+          </a:p>
+        </p:txBody>
+      </p:sp>
+      <p:sp>
+        <p:nvSpPr>
+          <p:cNvPr id="3" name="Content Placeholder 2">
+            <a:extLst>
+              <a:ext uri="{FF2B5EF4-FFF2-40B4-BE49-F238E27FC236}">
+                <a16:creationId xmlns:a16="http://schemas.microsoft.com/office/drawing/2014/main" id="{67838ECD-BE96-D67F-1791-1BF04859CA5E}"/>
+              </a:ext>
+            </a:extLst>
+          </p:cNvPr>
+          <p:cNvSpPr>
+            <a:spLocks noGrp="1"/>
+          </p:cNvSpPr>
+          <p:nvPr>
+            <p:ph idx="1"/>
+          </p:nvPr>
+        </p:nvSpPr>
+        <p:spPr>
+          <a:xfrm>
+            <a:off x="677333" y="1458411"/>
+            <a:ext cx="8698161" cy="5128128"/>
+          </a:xfrm>
+        </p:spPr>
+        <p:txBody>
+          <a:bodyPr>
+            <a:normAutofit fontScale="92500" lnSpcReduction="10000"/>
+          </a:bodyPr>
+          <a:lstStyle/>
+          <a:p>
+            <a:pPr marL="457200" indent="-457200">
+              <a:buFont typeface="+mj-lt"/>
+              <a:buAutoNum type="arabicPeriod"/>
+            </a:pPr>
+            <a:r>
+              <a:rPr lang="en-US" sz="2400" b="1" dirty="0"/>
+              <a:t>Exploratory Data Analysis (EDA)</a:t>
+            </a:r>
+          </a:p>
+          <a:p>
+            <a:pPr marL="914400" lvl="1" indent="-457200">
+              <a:buFont typeface="+mj-lt"/>
+              <a:buAutoNum type="alphaLcPeriod"/>
+            </a:pPr>
+            <a:r>
+              <a:rPr lang="en-US" sz="2200" dirty="0"/>
+              <a:t>Understand structure, clean data, perform joins</a:t>
+            </a:r>
+          </a:p>
+          <a:p>
+            <a:pPr marL="914400" lvl="1" indent="-457200">
+              <a:buFont typeface="+mj-lt"/>
+              <a:buAutoNum type="alphaLcPeriod"/>
+            </a:pPr>
+            <a:r>
+              <a:rPr lang="en-US" sz="2200" dirty="0"/>
+              <a:t>Perform basic feature engineering as deemed necessary</a:t>
+            </a:r>
+            <a:endParaRPr lang="en-US" sz="2400" dirty="0"/>
+          </a:p>
+          <a:p>
+            <a:pPr marL="457200" indent="-457200">
+              <a:buFont typeface="+mj-lt"/>
+              <a:buAutoNum type="arabicPeriod"/>
+            </a:pPr>
+            <a:r>
+              <a:rPr lang="en-US" sz="2400" b="1" dirty="0"/>
+              <a:t>Check feature significance in explaining violations/incidents</a:t>
+            </a:r>
+          </a:p>
+          <a:p>
+            <a:pPr marL="857250" lvl="1" indent="-457200">
+              <a:buFont typeface="+mj-lt"/>
+              <a:buAutoNum type="alphaLcPeriod"/>
+            </a:pPr>
+            <a:r>
+              <a:rPr lang="en-US" sz="2200" dirty="0"/>
+              <a:t>Features considered after initial EDA included: property age, construction type, use definition</a:t>
+            </a:r>
+          </a:p>
+          <a:p>
+            <a:pPr marL="857250" lvl="1" indent="-457200">
+              <a:buFont typeface="+mj-lt"/>
+              <a:buAutoNum type="alphaLcPeriod"/>
+            </a:pPr>
+            <a:r>
+              <a:rPr lang="en-US" sz="2200" dirty="0"/>
+              <a:t>Cross-referenced violations from DBI and SFFD as an additional feature</a:t>
+            </a:r>
+          </a:p>
+          <a:p>
+            <a:pPr marL="457200" indent="-457200">
+              <a:buFont typeface="+mj-lt"/>
+              <a:buAutoNum type="arabicPeriod"/>
+            </a:pPr>
+            <a:r>
+              <a:rPr lang="en-US" sz="2400" b="1" dirty="0"/>
+              <a:t>Create classification models for violations and incidents</a:t>
+            </a:r>
+          </a:p>
+          <a:p>
+            <a:pPr marL="457200" indent="-457200">
+              <a:buFont typeface="+mj-lt"/>
+              <a:buAutoNum type="arabicPeriod"/>
+            </a:pPr>
+            <a:r>
+              <a:rPr lang="en-US" sz="2400" b="1" dirty="0"/>
+              <a:t>Provide recommendations based on data understanding and analysis</a:t>
+            </a:r>
+          </a:p>
+          <a:p>
+            <a:pPr marL="0" indent="0">
+              <a:buNone/>
+            </a:pPr>
+            <a:r>
+              <a:rPr lang="en-US" sz="2100" i="1" dirty="0"/>
+              <a:t>Note: If this were not a practice project, stakeholders would have been engaged at the beginning to define their concerns and drive analysis.</a:t>
+            </a:r>
+            <a:endParaRPr lang="en-US" sz="2100" dirty="0"/>
+          </a:p>
+          <a:p>
+            <a:pPr marL="457200" indent="-457200">
+              <a:buFont typeface="+mj-lt"/>
+              <a:buAutoNum type="arabicPeriod"/>
+            </a:pPr>
+            <a:endParaRPr lang="en-US" sz="2400" dirty="0"/>
+          </a:p>
+        </p:txBody>
+      </p:sp>
+    </p:spTree>
+    <p:extLst>
+      <p:ext uri="{BB962C8B-B14F-4D97-AF65-F5344CB8AC3E}">
+        <p14:creationId xmlns:p14="http://schemas.microsoft.com/office/powerpoint/2010/main" val="90660654"/>
+      </p:ext>
+    </p:extLst>
+  </p:cSld>
+  <p:clrMapOvr>
+    <a:masterClrMapping/>
+  </p:clrMapOvr>
+</p:sld>
+</file>
+
+<file path=ppt/slides/slide4.xml><?xml version="1.0" encoding="utf-8"?>
 <p:sld xmlns:a="http://schemas.openxmlformats.org/drawingml/2006/main" xmlns:r="http://schemas.openxmlformats.org/officeDocument/2006/relationships" xmlns:p="http://schemas.openxmlformats.org/presentationml/2006/main">
   <p:cSld>
     <p:spTree>
@@ -10586,7 +11148,7 @@
           <a:p>
             <a:r>
               <a:rPr lang="en-US" dirty="0"/>
-              <a:t>Questions and Initial Reasoning</a:t>
+              <a:t>Analysis Questions and Assumptions</a:t>
             </a:r>
           </a:p>
         </p:txBody>
@@ -10628,21 +11190,21 @@
             <a:pPr lvl="1"/>
             <a:r>
               <a:rPr lang="en-US" sz="2200" dirty="0"/>
-              <a:t>Buildings that received a previous violation (SFFD or DBI) during a routine or complaint investigation.</a:t>
+              <a:t>Buildings that received a previous violation (SFFD or DBI) during a routine or complaint investigation</a:t>
             </a:r>
           </a:p>
           <a:p>
             <a:pPr lvl="1"/>
             <a:r>
               <a:rPr lang="en-US" sz="2200" dirty="0"/>
-              <a:t>Buildings that previously received certain types of violations associated with hazardous conditions.</a:t>
+              <a:t>Buildings that previously received certain types of violations associated with hazardous conditions</a:t>
             </a:r>
           </a:p>
           <a:p>
             <a:pPr lvl="1"/>
             <a:r>
               <a:rPr lang="en-US" sz="2200" dirty="0"/>
-              <a:t>Buildings prone to a fire incident or injury.</a:t>
+              <a:t>Buildings prone to a fire incident or injury</a:t>
             </a:r>
             <a:endParaRPr lang="en-US" sz="2200" i="1" dirty="0"/>
           </a:p>
@@ -10656,25 +11218,15 @@
             <a:pPr lvl="1"/>
             <a:r>
               <a:rPr lang="en-US" sz="2000" dirty="0"/>
-              <a:t>“High-risk” buildings can be investigated more often to reduce likelihood of safety incident. </a:t>
+              <a:t>“High-risk” buildings can be investigated more often to reduce likelihood of safety incident </a:t>
             </a:r>
           </a:p>
           <a:p>
             <a:pPr lvl="1"/>
             <a:r>
               <a:rPr lang="en-US" sz="2000" dirty="0"/>
-              <a:t>Focusing on “high-risk” buildings will help both departments make the most of their time and resources.</a:t>
-            </a:r>
-          </a:p>
-          <a:p>
-            <a:pPr marL="0" indent="0">
-              <a:buNone/>
-            </a:pPr>
-            <a:r>
-              <a:rPr lang="en-US" i="1" dirty="0"/>
-              <a:t>Note: if this were not a practice project, stakeholders would have been engaged at the beginning to define their concerns and drive analysis.</a:t>
-            </a:r>
-            <a:endParaRPr lang="en-US" dirty="0"/>
+              <a:t>Focusing on “high-risk” buildings will help both departments make the most of their time and resources</a:t>
+            </a:r>
           </a:p>
           <a:p>
             <a:pPr lvl="1"/>
@@ -10686,185 +11238,6 @@
     <p:extLst>
       <p:ext uri="{BB962C8B-B14F-4D97-AF65-F5344CB8AC3E}">
         <p14:creationId xmlns:p14="http://schemas.microsoft.com/office/powerpoint/2010/main" val="3868359730"/>
-      </p:ext>
-    </p:extLst>
-  </p:cSld>
-  <p:clrMapOvr>
-    <a:masterClrMapping/>
-  </p:clrMapOvr>
-</p:sld>
-</file>
-
-<file path=ppt/slides/slide4.xml><?xml version="1.0" encoding="utf-8"?>
-<p:sld xmlns:a="http://schemas.openxmlformats.org/drawingml/2006/main" xmlns:r="http://schemas.openxmlformats.org/officeDocument/2006/relationships" xmlns:p="http://schemas.openxmlformats.org/presentationml/2006/main">
-  <p:cSld>
-    <p:spTree>
-      <p:nvGrpSpPr>
-        <p:cNvPr id="1" name="">
-          <a:extLst>
-            <a:ext uri="{FF2B5EF4-FFF2-40B4-BE49-F238E27FC236}">
-              <a16:creationId xmlns:a16="http://schemas.microsoft.com/office/drawing/2014/main" id="{798C5F1A-F195-EEAE-3D17-2DC1C16600CA}"/>
-            </a:ext>
-          </a:extLst>
-        </p:cNvPr>
-        <p:cNvGrpSpPr/>
-        <p:nvPr/>
-      </p:nvGrpSpPr>
-      <p:grpSpPr>
-        <a:xfrm>
-          <a:off x="0" y="0"/>
-          <a:ext cx="0" cy="0"/>
-          <a:chOff x="0" y="0"/>
-          <a:chExt cx="0" cy="0"/>
-        </a:xfrm>
-      </p:grpSpPr>
-      <p:sp>
-        <p:nvSpPr>
-          <p:cNvPr id="2" name="Title 1">
-            <a:extLst>
-              <a:ext uri="{FF2B5EF4-FFF2-40B4-BE49-F238E27FC236}">
-                <a16:creationId xmlns:a16="http://schemas.microsoft.com/office/drawing/2014/main" id="{15B2D2AD-9F3B-7D58-BD40-4B9E58476D19}"/>
-              </a:ext>
-            </a:extLst>
-          </p:cNvPr>
-          <p:cNvSpPr>
-            <a:spLocks noGrp="1"/>
-          </p:cNvSpPr>
-          <p:nvPr>
-            <p:ph type="title"/>
-          </p:nvPr>
-        </p:nvSpPr>
-        <p:spPr>
-          <a:xfrm>
-            <a:off x="677334" y="609600"/>
-            <a:ext cx="8596668" cy="976313"/>
-          </a:xfrm>
-        </p:spPr>
-        <p:txBody>
-          <a:bodyPr/>
-          <a:lstStyle/>
-          <a:p>
-            <a:r>
-              <a:rPr lang="en-US" dirty="0"/>
-              <a:t>Approach</a:t>
-            </a:r>
-          </a:p>
-        </p:txBody>
-      </p:sp>
-      <p:sp>
-        <p:nvSpPr>
-          <p:cNvPr id="3" name="Content Placeholder 2">
-            <a:extLst>
-              <a:ext uri="{FF2B5EF4-FFF2-40B4-BE49-F238E27FC236}">
-                <a16:creationId xmlns:a16="http://schemas.microsoft.com/office/drawing/2014/main" id="{67838ECD-BE96-D67F-1791-1BF04859CA5E}"/>
-              </a:ext>
-            </a:extLst>
-          </p:cNvPr>
-          <p:cNvSpPr>
-            <a:spLocks noGrp="1"/>
-          </p:cNvSpPr>
-          <p:nvPr>
-            <p:ph idx="1"/>
-          </p:nvPr>
-        </p:nvSpPr>
-        <p:spPr>
-          <a:xfrm>
-            <a:off x="677333" y="1585913"/>
-            <a:ext cx="8698161" cy="5000625"/>
-          </a:xfrm>
-        </p:spPr>
-        <p:txBody>
-          <a:bodyPr>
-            <a:normAutofit fontScale="92500" lnSpcReduction="10000"/>
-          </a:bodyPr>
-          <a:lstStyle/>
-          <a:p>
-            <a:pPr marL="457200" indent="-457200">
-              <a:buFont typeface="+mj-lt"/>
-              <a:buAutoNum type="arabicPeriod"/>
-            </a:pPr>
-            <a:r>
-              <a:rPr lang="en-US" sz="2400" dirty="0"/>
-              <a:t>Deep dive into data</a:t>
-            </a:r>
-          </a:p>
-          <a:p>
-            <a:pPr marL="914400" lvl="1" indent="-457200">
-              <a:buFont typeface="+mj-lt"/>
-              <a:buAutoNum type="arabicPeriod"/>
-            </a:pPr>
-            <a:r>
-              <a:rPr lang="en-US" sz="2200" dirty="0"/>
-              <a:t>Understand structure, clean data, perform joins.</a:t>
-            </a:r>
-          </a:p>
-          <a:p>
-            <a:pPr marL="914400" lvl="1" indent="-457200">
-              <a:buFont typeface="+mj-lt"/>
-              <a:buAutoNum type="arabicPeriod"/>
-            </a:pPr>
-            <a:r>
-              <a:rPr lang="en-US" sz="2200" dirty="0"/>
-              <a:t>Perform basic feature engineering as deemed necessary</a:t>
-            </a:r>
-            <a:endParaRPr lang="en-US" sz="2400" dirty="0"/>
-          </a:p>
-          <a:p>
-            <a:pPr marL="457200" indent="-457200">
-              <a:buFont typeface="+mj-lt"/>
-              <a:buAutoNum type="arabicPeriod"/>
-            </a:pPr>
-            <a:r>
-              <a:rPr lang="en-US" sz="2400" dirty="0"/>
-              <a:t>Check for significant parcel features that correlate with incidents and/or violations.</a:t>
-            </a:r>
-          </a:p>
-          <a:p>
-            <a:pPr marL="857250" lvl="1" indent="-457200">
-              <a:buFont typeface="+mj-lt"/>
-              <a:buAutoNum type="arabicPeriod"/>
-            </a:pPr>
-            <a:r>
-              <a:rPr lang="en-US" sz="2200" dirty="0"/>
-              <a:t>Features considered include: property age, construction type, use definition.</a:t>
-            </a:r>
-          </a:p>
-          <a:p>
-            <a:pPr marL="857250" lvl="1" indent="-457200">
-              <a:buFont typeface="+mj-lt"/>
-              <a:buAutoNum type="arabicPeriod"/>
-            </a:pPr>
-            <a:r>
-              <a:rPr lang="en-US" sz="2200" dirty="0"/>
-              <a:t>Cross-reference violations from DBI and SFFD as an additional feature.</a:t>
-            </a:r>
-          </a:p>
-          <a:p>
-            <a:pPr marL="457200" indent="-457200">
-              <a:buFont typeface="+mj-lt"/>
-              <a:buAutoNum type="arabicPeriod"/>
-            </a:pPr>
-            <a:r>
-              <a:rPr lang="en-US" sz="2400" dirty="0"/>
-              <a:t>Create classification models and check accuracy for SFFD/DBI violations and SFFD incidents.</a:t>
-            </a:r>
-          </a:p>
-          <a:p>
-            <a:pPr marL="457200" indent="-457200">
-              <a:buFont typeface="+mj-lt"/>
-              <a:buAutoNum type="arabicPeriod"/>
-            </a:pPr>
-            <a:r>
-              <a:rPr lang="en-US" sz="2400" dirty="0"/>
-              <a:t>Provide recommendations based on data understanding and analysis.</a:t>
-            </a:r>
-          </a:p>
-        </p:txBody>
-      </p:sp>
-    </p:spTree>
-    <p:extLst>
-      <p:ext uri="{BB962C8B-B14F-4D97-AF65-F5344CB8AC3E}">
-        <p14:creationId xmlns:p14="http://schemas.microsoft.com/office/powerpoint/2010/main" val="90660654"/>
       </p:ext>
     </p:extLst>
   </p:cSld>
@@ -10925,7 +11298,7 @@
           <a:p>
             <a:r>
               <a:rPr lang="en-US" dirty="0"/>
-              <a:t>Assumptions</a:t>
+              <a:t>Analysis Questions and Assumptions</a:t>
             </a:r>
           </a:p>
         </p:txBody>
@@ -10948,8 +11321,8 @@
         </p:nvSpPr>
         <p:spPr>
           <a:xfrm>
-            <a:off x="677333" y="1585913"/>
-            <a:ext cx="8813907" cy="4768588"/>
+            <a:off x="677333" y="1412112"/>
+            <a:ext cx="8813907" cy="5266480"/>
           </a:xfrm>
         </p:spPr>
         <p:txBody>
@@ -10959,54 +11332,73 @@
           <a:lstStyle/>
           <a:p>
             <a:r>
-              <a:rPr lang="en-US" sz="2000" dirty="0"/>
-              <a:t>R-2 Buildings are parcels that have historically been inspected by the SFFD under the </a:t>
-            </a:r>
-            <a:r>
-              <a:rPr lang="en-US" sz="2000" i="1" dirty="0" err="1"/>
+              <a:rPr lang="en-US" sz="2000" b="1" dirty="0"/>
+              <a:t>What defines an R-2 parcel? </a:t>
+            </a:r>
+          </a:p>
+          <a:p>
+            <a:pPr lvl="1"/>
+            <a:r>
+              <a:rPr lang="en-US" sz="1800" dirty="0"/>
+              <a:t>This analysis assumes R-2 parcels are any parcel inspected by the SFFD under the </a:t>
+            </a:r>
+            <a:r>
+              <a:rPr lang="en-US" sz="1800" i="1" dirty="0" err="1"/>
               <a:t>inspection_type_description</a:t>
             </a:r>
             <a:r>
-              <a:rPr lang="en-US" sz="2000" i="1" dirty="0"/>
+              <a:rPr lang="en-US" sz="1800" i="1" dirty="0"/>
               <a:t> </a:t>
             </a:r>
             <a:r>
-              <a:rPr lang="en-US" sz="2000" dirty="0"/>
-              <a:t>“R2 Company Inspection”</a:t>
+              <a:rPr lang="en-US" sz="1800" dirty="0"/>
+              <a:t>“R2 Company Inspection” (N ≅ 5,300 distinct parcels)</a:t>
             </a:r>
           </a:p>
           <a:p>
             <a:pPr lvl="1"/>
             <a:r>
               <a:rPr lang="en-US" sz="1800" dirty="0"/>
-              <a:t>Tried to classify R-2’s using custom logic based on assessor data and criteria from the problem statement, but SFFD inspection data was used for this initial analysis. </a:t>
+              <a:t>Alternatively, defined R-2 parcels using Assessor Data land use and building code descriptions</a:t>
+            </a:r>
+          </a:p>
+          <a:p>
+            <a:pPr lvl="2"/>
+            <a:r>
+              <a:rPr lang="en-US" sz="1600" dirty="0"/>
+              <a:t>Inconsistent with “R2 Company Inspection” (and ~15,000 more parcels) </a:t>
+            </a:r>
+          </a:p>
+          <a:p>
+            <a:pPr lvl="2"/>
+            <a:r>
+              <a:rPr lang="en-US" sz="1600" i="1" dirty="0"/>
+              <a:t>In practice, parcel definition should be defined based on Assessor Data with the input from subject matter experts (SME) </a:t>
+            </a:r>
+            <a:r>
+              <a:rPr lang="en-US" sz="1600" i="1"/>
+              <a:t>before analysis</a:t>
+            </a:r>
+            <a:endParaRPr lang="en-US" sz="1600" i="1" dirty="0"/>
+          </a:p>
+          <a:p>
+            <a:r>
+              <a:rPr lang="en-US" sz="2000" b="1" dirty="0"/>
+              <a:t>What fire incidents should be considered as safety issues? </a:t>
             </a:r>
           </a:p>
           <a:p>
             <a:pPr lvl="1"/>
             <a:r>
-              <a:rPr lang="en-US" sz="1800" i="1" dirty="0"/>
-              <a:t>In practice, this would have been resolved with subject matter experts (SME) before analysis.</a:t>
-            </a:r>
-          </a:p>
-          <a:p>
-            <a:r>
-              <a:rPr lang="en-US" sz="2000" dirty="0"/>
-              <a:t>Fire incident data:</a:t>
+              <a:rPr lang="en-US" sz="1800" dirty="0"/>
+              <a:t>Removed incidents that did not correspond to a parcel (e.g., car fires at intersections)</a:t>
             </a:r>
           </a:p>
           <a:p>
             <a:pPr lvl="1"/>
             <a:r>
               <a:rPr lang="en-US" sz="1800" dirty="0"/>
-              <a:t>Incidents that did not correspond to a parcel were removed (e.g. car fires at intersection).</a:t>
-            </a:r>
-          </a:p>
-          <a:p>
-            <a:pPr lvl="1"/>
-            <a:r>
-              <a:rPr lang="en-US" sz="1800" dirty="0"/>
-              <a:t>Fire incident data pertaining to a parcel was filtered to only include the codes for building fire to only focus on events that could have been precipitated by a building issue.</a:t>
+              <a:t>Filtered fire incident data pertaining to a parcel to only include codes for building fire (most likely to be caused by code violations)</a:t>
             </a:r>
           </a:p>
           <a:p>
@@ -11112,7 +11504,7 @@
         </p:spPr>
         <p:txBody>
           <a:bodyPr>
-            <a:normAutofit/>
+            <a:normAutofit lnSpcReduction="10000"/>
           </a:bodyPr>
           <a:lstStyle/>
           <a:p>
@@ -11122,7 +11514,7 @@
             </a:r>
             <a:r>
               <a:rPr lang="en-US" dirty="0"/>
-              <a:t>: is SFFD or DBI having trouble inspecting all R-2 properties at the required frequency?</a:t>
+              <a:t>: Is SFFD or DBI having trouble inspecting all R-2 properties at the required frequency?</a:t>
             </a:r>
           </a:p>
           <a:p>
@@ -11156,14 +11548,24 @@
             <a:pPr lvl="2"/>
             <a:r>
               <a:rPr lang="en-US" sz="1600" dirty="0"/>
-              <a:t>SFFD inspects nearly all every year which is the goal.</a:t>
+              <a:t>SFFD inspects nearly all every year which is the goal (2020/2021 saw a decrease as expected due to pandemic)</a:t>
             </a:r>
           </a:p>
           <a:p>
             <a:pPr lvl="2"/>
             <a:r>
               <a:rPr lang="en-US" sz="1600" dirty="0"/>
-              <a:t>HIS conducts routine inspections of R-2 about once every five year which is the goal.</a:t>
+              <a:t>HIS conducts routine inspections about once every five years which is the goal.</a:t>
+            </a:r>
+          </a:p>
+          <a:p>
+            <a:r>
+              <a:rPr lang="en-US" sz="2000" b="1" dirty="0"/>
+              <a:t>Next Steps</a:t>
+            </a:r>
+            <a:r>
+              <a:rPr lang="en-US" sz="2000" dirty="0"/>
+              <a:t>: Confirm these findings with SMEs</a:t>
             </a:r>
           </a:p>
         </p:txBody>
@@ -11190,7 +11592,7 @@
         </p:blipFill>
         <p:spPr>
           <a:xfrm>
-            <a:off x="5217249" y="1400215"/>
+            <a:off x="5363797" y="1356012"/>
             <a:ext cx="6762615" cy="4057569"/>
           </a:xfrm>
           <a:prstGeom prst="rect">
@@ -11301,7 +11703,7 @@
         </p:spPr>
         <p:txBody>
           <a:bodyPr>
-            <a:normAutofit fontScale="92500" lnSpcReduction="10000"/>
+            <a:normAutofit fontScale="92500" lnSpcReduction="20000"/>
           </a:bodyPr>
           <a:lstStyle/>
           <a:p>
@@ -11398,6 +11800,16 @@
             <a:r>
               <a:rPr lang="en-US" sz="1700" dirty="0"/>
               <a:t>Cross-referencing against SFFD/DBI violations for the same parcel did not appear to have predictive qualities.</a:t>
+            </a:r>
+          </a:p>
+          <a:p>
+            <a:r>
+              <a:rPr lang="en-US" sz="1900" b="1" dirty="0"/>
+              <a:t>Next Steps</a:t>
+            </a:r>
+            <a:r>
+              <a:rPr lang="en-US" sz="1900" dirty="0"/>
+              <a:t>: Check additional features.</a:t>
             </a:r>
           </a:p>
           <a:p>
@@ -11565,7 +11977,7 @@
         </p:spPr>
         <p:txBody>
           <a:bodyPr>
-            <a:normAutofit/>
+            <a:normAutofit lnSpcReduction="10000"/>
           </a:bodyPr>
           <a:lstStyle/>
           <a:p>
@@ -11628,6 +12040,19 @@
               <a:rPr lang="en-US" dirty="0"/>
               <a:t>Previous Fire Violations and DBI Violations seem to be a relatively strong indicator of fire incidents at a parcel.</a:t>
             </a:r>
+          </a:p>
+          <a:p>
+            <a:r>
+              <a:rPr lang="en-US" sz="1800" b="1" dirty="0"/>
+              <a:t>Next Steps</a:t>
+            </a:r>
+            <a:r>
+              <a:rPr lang="en-US" sz="1800" dirty="0"/>
+              <a:t>: Confirm incidents of interest to SFFD and check addition features.</a:t>
+            </a:r>
+          </a:p>
+          <a:p>
+            <a:endParaRPr lang="en-US" dirty="0"/>
           </a:p>
           <a:p>
             <a:endParaRPr lang="en-US" dirty="0"/>
@@ -11784,7 +12209,7 @@
         <p:spPr>
           <a:xfrm>
             <a:off x="677333" y="961851"/>
-            <a:ext cx="5989685" cy="5583328"/>
+            <a:ext cx="6614718" cy="5583328"/>
           </a:xfrm>
         </p:spPr>
         <p:txBody>
@@ -11826,14 +12251,14 @@
             <a:pPr lvl="1"/>
             <a:r>
               <a:rPr lang="en-US" dirty="0"/>
-              <a:t>SFFD Incident classification better than SFFD violation classification.</a:t>
+              <a:t>SFFD Incident classification does a relatively good job classifying these low probability events. This could be used as a good tool to prioritize potential “high-risk” buildings after additional vetting. </a:t>
             </a:r>
           </a:p>
           <a:p>
             <a:pPr lvl="1"/>
             <a:r>
               <a:rPr lang="en-US" dirty="0"/>
-              <a:t>HIS violation classification performed well compared to historical violation rate.</a:t>
+              <a:t>HIS violation classification model good at identifying true positives but prone to false positives.</a:t>
             </a:r>
           </a:p>
           <a:p>
@@ -11868,116 +12293,20 @@
             </a:r>
           </a:p>
           <a:p>
+            <a:r>
+              <a:rPr lang="en-US" b="1" dirty="0"/>
+              <a:t>Next steps</a:t>
+            </a:r>
+            <a:r>
+              <a:rPr lang="en-US" dirty="0"/>
+              <a:t>: Test additional features, test alternative models.</a:t>
+            </a:r>
+          </a:p>
+          <a:p>
             <a:endParaRPr lang="en-US" dirty="0"/>
           </a:p>
         </p:txBody>
       </p:sp>
-      <p:grpSp>
-        <p:nvGrpSpPr>
-          <p:cNvPr id="5" name="Group 4">
-            <a:extLst>
-              <a:ext uri="{FF2B5EF4-FFF2-40B4-BE49-F238E27FC236}">
-                <a16:creationId xmlns:a16="http://schemas.microsoft.com/office/drawing/2014/main" id="{FD5E220E-8A33-8BDD-0B8D-32D98558AF86}"/>
-              </a:ext>
-            </a:extLst>
-          </p:cNvPr>
-          <p:cNvGrpSpPr/>
-          <p:nvPr/>
-        </p:nvGrpSpPr>
-        <p:grpSpPr>
-          <a:xfrm>
-            <a:off x="7463529" y="3741821"/>
-            <a:ext cx="4051138" cy="3116179"/>
-            <a:chOff x="7674016" y="3429000"/>
-            <a:chExt cx="4051138" cy="3116179"/>
-          </a:xfrm>
-        </p:grpSpPr>
-        <p:pic>
-          <p:nvPicPr>
-            <p:cNvPr id="3074" name="Picture 2">
-              <a:extLst>
-                <a:ext uri="{FF2B5EF4-FFF2-40B4-BE49-F238E27FC236}">
-                  <a16:creationId xmlns:a16="http://schemas.microsoft.com/office/drawing/2014/main" id="{423A0BB4-5144-4DFD-9EA6-FA964AA3A4A9}"/>
-                </a:ext>
-              </a:extLst>
-            </p:cNvPr>
-            <p:cNvPicPr>
-              <a:picLocks noChangeAspect="1" noChangeArrowheads="1"/>
-            </p:cNvPicPr>
-            <p:nvPr/>
-          </p:nvPicPr>
-          <p:blipFill>
-            <a:blip r:embed="rId2">
-              <a:extLst>
-                <a:ext uri="{28A0092B-C50C-407E-A947-70E740481C1C}">
-                  <a14:useLocalDpi xmlns:a14="http://schemas.microsoft.com/office/drawing/2010/main" val="0"/>
-                </a:ext>
-              </a:extLst>
-            </a:blip>
-            <a:srcRect/>
-            <a:stretch>
-              <a:fillRect/>
-            </a:stretch>
-          </p:blipFill>
-          <p:spPr bwMode="auto">
-            <a:xfrm>
-              <a:off x="7674016" y="3533064"/>
-              <a:ext cx="4051138" cy="3012115"/>
-            </a:xfrm>
-            <a:prstGeom prst="rect">
-              <a:avLst/>
-            </a:prstGeom>
-            <a:noFill/>
-            <a:extLst>
-              <a:ext uri="{909E8E84-426E-40DD-AFC4-6F175D3DCCD1}">
-                <a14:hiddenFill xmlns:a14="http://schemas.microsoft.com/office/drawing/2010/main">
-                  <a:solidFill>
-                    <a:srgbClr val="FFFFFF"/>
-                  </a:solidFill>
-                </a14:hiddenFill>
-              </a:ext>
-            </a:extLst>
-          </p:spPr>
-        </p:pic>
-        <p:sp>
-          <p:nvSpPr>
-            <p:cNvPr id="4" name="TextBox 3">
-              <a:extLst>
-                <a:ext uri="{FF2B5EF4-FFF2-40B4-BE49-F238E27FC236}">
-                  <a16:creationId xmlns:a16="http://schemas.microsoft.com/office/drawing/2014/main" id="{005E5C62-08D8-2894-9480-E6ABBD270602}"/>
-                </a:ext>
-              </a:extLst>
-            </p:cNvPr>
-            <p:cNvSpPr txBox="1"/>
-            <p:nvPr/>
-          </p:nvSpPr>
-          <p:spPr>
-            <a:xfrm>
-              <a:off x="7963381" y="3429000"/>
-              <a:ext cx="3761773" cy="307777"/>
-            </a:xfrm>
-            <a:prstGeom prst="rect">
-              <a:avLst/>
-            </a:prstGeom>
-            <a:solidFill>
-              <a:schemeClr val="bg1"/>
-            </a:solidFill>
-          </p:spPr>
-          <p:txBody>
-            <a:bodyPr wrap="square" rtlCol="0">
-              <a:spAutoFit/>
-            </a:bodyPr>
-            <a:lstStyle/>
-            <a:p>
-              <a:pPr algn="ctr"/>
-              <a:r>
-                <a:rPr lang="en-US" sz="1400" dirty="0"/>
-                <a:t>Incident Prediction Confusion Matrix</a:t>
-              </a:r>
-            </a:p>
-          </p:txBody>
-        </p:sp>
-      </p:grpSp>
       <p:pic>
         <p:nvPicPr>
           <p:cNvPr id="3076" name="Picture 4">
@@ -11993,7 +12322,7 @@
           <p:nvPr/>
         </p:nvPicPr>
         <p:blipFill>
-          <a:blip r:embed="rId3">
+          <a:blip r:embed="rId2">
             <a:extLst>
               <a:ext uri="{28A0092B-C50C-407E-A947-70E740481C1C}">
                 <a14:useLocalDpi xmlns:a14="http://schemas.microsoft.com/office/drawing/2010/main" val="0"/>
@@ -12059,6 +12388,91 @@
             <a:r>
               <a:rPr lang="en-US" sz="1400" dirty="0"/>
               <a:t>HIS Violation Prediction Confusion Matrix</a:t>
+            </a:r>
+          </a:p>
+        </p:txBody>
+      </p:sp>
+      <p:pic>
+        <p:nvPicPr>
+          <p:cNvPr id="3078" name="Picture 6">
+            <a:extLst>
+              <a:ext uri="{FF2B5EF4-FFF2-40B4-BE49-F238E27FC236}">
+                <a16:creationId xmlns:a16="http://schemas.microsoft.com/office/drawing/2014/main" id="{83F80FFA-E71B-4414-5B42-86EDC9B74CAF}"/>
+              </a:ext>
+            </a:extLst>
+          </p:cNvPr>
+          <p:cNvPicPr>
+            <a:picLocks noChangeAspect="1" noChangeArrowheads="1"/>
+          </p:cNvPicPr>
+          <p:nvPr/>
+        </p:nvPicPr>
+        <p:blipFill>
+          <a:blip r:embed="rId3">
+            <a:extLst>
+              <a:ext uri="{28A0092B-C50C-407E-A947-70E740481C1C}">
+                <a14:useLocalDpi xmlns:a14="http://schemas.microsoft.com/office/drawing/2010/main" val="0"/>
+              </a:ext>
+            </a:extLst>
+          </a:blip>
+          <a:srcRect/>
+          <a:stretch>
+            <a:fillRect/>
+          </a:stretch>
+        </p:blipFill>
+        <p:spPr bwMode="auto">
+          <a:xfrm>
+            <a:off x="7463529" y="3786013"/>
+            <a:ext cx="4051138" cy="3012115"/>
+          </a:xfrm>
+          <a:prstGeom prst="rect">
+            <a:avLst/>
+          </a:prstGeom>
+          <a:noFill/>
+          <a:extLst>
+            <a:ext uri="{909E8E84-426E-40DD-AFC4-6F175D3DCCD1}">
+              <a14:hiddenFill xmlns:a14="http://schemas.microsoft.com/office/drawing/2010/main">
+                <a:solidFill>
+                  <a:srgbClr val="FFFFFF"/>
+                </a:solidFill>
+              </a14:hiddenFill>
+            </a:ext>
+          </a:extLst>
+        </p:spPr>
+      </p:pic>
+      <p:sp>
+        <p:nvSpPr>
+          <p:cNvPr id="7" name="TextBox 6">
+            <a:extLst>
+              <a:ext uri="{FF2B5EF4-FFF2-40B4-BE49-F238E27FC236}">
+                <a16:creationId xmlns:a16="http://schemas.microsoft.com/office/drawing/2014/main" id="{9C7E6E26-0B89-1D7C-2D73-F042208D5987}"/>
+              </a:ext>
+            </a:extLst>
+          </p:cNvPr>
+          <p:cNvSpPr txBox="1"/>
+          <p:nvPr/>
+        </p:nvSpPr>
+        <p:spPr>
+          <a:xfrm>
+            <a:off x="7752894" y="3753515"/>
+            <a:ext cx="3761773" cy="307777"/>
+          </a:xfrm>
+          <a:prstGeom prst="rect">
+            <a:avLst/>
+          </a:prstGeom>
+          <a:solidFill>
+            <a:schemeClr val="bg1"/>
+          </a:solidFill>
+        </p:spPr>
+        <p:txBody>
+          <a:bodyPr wrap="square" rtlCol="0">
+            <a:spAutoFit/>
+          </a:bodyPr>
+          <a:lstStyle/>
+          <a:p>
+            <a:pPr algn="ctr"/>
+            <a:r>
+              <a:rPr lang="en-US" sz="1400" dirty="0"/>
+              <a:t>Fire Incident Prediction Confusion Matrix</a:t>
             </a:r>
           </a:p>
         </p:txBody>
